--- a/First Semester/Database Management Systems/Notes/SQL-MySQL-Commands-2.1.pptx
+++ b/First Semester/Database Management Systems/Notes/SQL-MySQL-Commands-2.1.pptx
@@ -1,66 +1,67 @@
 
 <file path=ppt/presentation.xml><?xml version="1.0" encoding="utf-8"?>
-<p:presentation xmlns:a="http://schemas.openxmlformats.org/drawingml/2006/main" xmlns:r="http://schemas.openxmlformats.org/officeDocument/2006/relationships" xmlns:p="http://schemas.openxmlformats.org/presentationml/2006/main" saveSubsetFonts="1">
+<p:presentation xmlns:a="http://schemas.openxmlformats.org/drawingml/2006/main" xmlns:r="http://schemas.openxmlformats.org/officeDocument/2006/relationships" xmlns:p="http://schemas.openxmlformats.org/presentationml/2006/main">
   <p:sldMasterIdLst>
     <p:sldMasterId id="2147483648" r:id="rId1"/>
   </p:sldMasterIdLst>
   <p:notesMasterIdLst>
-    <p:notesMasterId r:id="rId55"/>
+    <p:notesMasterId r:id="rId5"/>
   </p:notesMasterIdLst>
   <p:sldIdLst>
-    <p:sldId id="256" r:id="rId2"/>
-    <p:sldId id="284" r:id="rId3"/>
-    <p:sldId id="285" r:id="rId4"/>
-    <p:sldId id="286" r:id="rId5"/>
-    <p:sldId id="287" r:id="rId6"/>
-    <p:sldId id="288" r:id="rId7"/>
-    <p:sldId id="289" r:id="rId8"/>
-    <p:sldId id="290" r:id="rId9"/>
-    <p:sldId id="283" r:id="rId10"/>
-    <p:sldId id="261" r:id="rId11"/>
-    <p:sldId id="262" r:id="rId12"/>
-    <p:sldId id="258" r:id="rId13"/>
-    <p:sldId id="260" r:id="rId14"/>
-    <p:sldId id="267" r:id="rId15"/>
-    <p:sldId id="259" r:id="rId16"/>
-    <p:sldId id="281" r:id="rId17"/>
-    <p:sldId id="272" r:id="rId18"/>
-    <p:sldId id="273" r:id="rId19"/>
-    <p:sldId id="274" r:id="rId20"/>
-    <p:sldId id="275" r:id="rId21"/>
-    <p:sldId id="276" r:id="rId22"/>
-    <p:sldId id="277" r:id="rId23"/>
-    <p:sldId id="270" r:id="rId24"/>
-    <p:sldId id="280" r:id="rId25"/>
-    <p:sldId id="279" r:id="rId26"/>
-    <p:sldId id="310" r:id="rId27"/>
-    <p:sldId id="311" r:id="rId28"/>
-    <p:sldId id="313" r:id="rId29"/>
-    <p:sldId id="312" r:id="rId30"/>
-    <p:sldId id="303" r:id="rId31"/>
-    <p:sldId id="304" r:id="rId32"/>
-    <p:sldId id="305" r:id="rId33"/>
-    <p:sldId id="306" r:id="rId34"/>
-    <p:sldId id="292" r:id="rId35"/>
-    <p:sldId id="293" r:id="rId36"/>
-    <p:sldId id="294" r:id="rId37"/>
-    <p:sldId id="295" r:id="rId38"/>
-    <p:sldId id="296" r:id="rId39"/>
-    <p:sldId id="297" r:id="rId40"/>
-    <p:sldId id="298" r:id="rId41"/>
-    <p:sldId id="299" r:id="rId42"/>
-    <p:sldId id="300" r:id="rId43"/>
-    <p:sldId id="301" r:id="rId44"/>
-    <p:sldId id="302" r:id="rId45"/>
-    <p:sldId id="316" r:id="rId46"/>
-    <p:sldId id="314" r:id="rId47"/>
-    <p:sldId id="315" r:id="rId48"/>
-    <p:sldId id="317" r:id="rId49"/>
-    <p:sldId id="318" r:id="rId50"/>
-    <p:sldId id="319" r:id="rId51"/>
-    <p:sldId id="320" r:id="rId52"/>
-    <p:sldId id="321" r:id="rId53"/>
-    <p:sldId id="322" r:id="rId54"/>
+    <p:sldId id="256" r:id="rId3"/>
+    <p:sldId id="284" r:id="rId4"/>
+    <p:sldId id="285" r:id="rId6"/>
+    <p:sldId id="286" r:id="rId7"/>
+    <p:sldId id="287" r:id="rId8"/>
+    <p:sldId id="288" r:id="rId9"/>
+    <p:sldId id="289" r:id="rId10"/>
+    <p:sldId id="290" r:id="rId11"/>
+    <p:sldId id="283" r:id="rId12"/>
+    <p:sldId id="261" r:id="rId13"/>
+    <p:sldId id="262" r:id="rId14"/>
+    <p:sldId id="258" r:id="rId15"/>
+    <p:sldId id="260" r:id="rId16"/>
+    <p:sldId id="267" r:id="rId17"/>
+    <p:sldId id="259" r:id="rId18"/>
+    <p:sldId id="281" r:id="rId19"/>
+    <p:sldId id="272" r:id="rId20"/>
+    <p:sldId id="273" r:id="rId21"/>
+    <p:sldId id="274" r:id="rId22"/>
+    <p:sldId id="275" r:id="rId23"/>
+    <p:sldId id="276" r:id="rId24"/>
+    <p:sldId id="277" r:id="rId25"/>
+    <p:sldId id="270" r:id="rId26"/>
+    <p:sldId id="280" r:id="rId27"/>
+    <p:sldId id="339" r:id="rId28"/>
+    <p:sldId id="279" r:id="rId29"/>
+    <p:sldId id="310" r:id="rId30"/>
+    <p:sldId id="311" r:id="rId31"/>
+    <p:sldId id="313" r:id="rId32"/>
+    <p:sldId id="312" r:id="rId33"/>
+    <p:sldId id="303" r:id="rId34"/>
+    <p:sldId id="304" r:id="rId35"/>
+    <p:sldId id="305" r:id="rId36"/>
+    <p:sldId id="306" r:id="rId37"/>
+    <p:sldId id="292" r:id="rId38"/>
+    <p:sldId id="293" r:id="rId39"/>
+    <p:sldId id="294" r:id="rId40"/>
+    <p:sldId id="295" r:id="rId41"/>
+    <p:sldId id="296" r:id="rId42"/>
+    <p:sldId id="297" r:id="rId43"/>
+    <p:sldId id="298" r:id="rId44"/>
+    <p:sldId id="299" r:id="rId45"/>
+    <p:sldId id="300" r:id="rId46"/>
+    <p:sldId id="301" r:id="rId47"/>
+    <p:sldId id="302" r:id="rId48"/>
+    <p:sldId id="316" r:id="rId49"/>
+    <p:sldId id="314" r:id="rId50"/>
+    <p:sldId id="315" r:id="rId51"/>
+    <p:sldId id="317" r:id="rId52"/>
+    <p:sldId id="318" r:id="rId53"/>
+    <p:sldId id="319" r:id="rId54"/>
+    <p:sldId id="320" r:id="rId55"/>
+    <p:sldId id="321" r:id="rId56"/>
+    <p:sldId id="322" r:id="rId57"/>
   </p:sldIdLst>
   <p:sldSz cx="9144000" cy="6858000" type="screen4x3"/>
   <p:notesSz cx="6858000" cy="9144000"/>
@@ -159,22 +160,6 @@
       </a:defRPr>
     </a:lvl9pPr>
   </p:defaultTextStyle>
-  <p:extLst>
-    <p:ext uri="{EFAFB233-063F-42B5-8137-9DF3F51BA10A}">
-      <p15:sldGuideLst xmlns:p15="http://schemas.microsoft.com/office/powerpoint/2012/main">
-        <p15:guide id="1" orient="horz" pos="2160">
-          <p15:clr>
-            <a:srgbClr val="A4A3A4"/>
-          </p15:clr>
-        </p15:guide>
-        <p15:guide id="2" pos="2880">
-          <p15:clr>
-            <a:srgbClr val="A4A3A4"/>
-          </p15:clr>
-        </p15:guide>
-      </p15:sldGuideLst>
-    </p:ext>
-  </p:extLst>
 </p:presentation>
 </file>
 
@@ -260,7 +245,6 @@
           <a:p>
             <a:fld id="{FB3FDD39-50E3-4F82-B2CD-EB5B32341115}" type="datetimeFigureOut">
               <a:rPr lang="en-US" smtClean="0"/>
-              <a:t>15/12/2021</a:t>
             </a:fld>
             <a:endParaRPr lang="en-US"/>
           </a:p>
@@ -327,6 +311,7 @@
               <a:rPr lang="en-US" smtClean="0"/>
               <a:t>Click to edit Master text styles</a:t>
             </a:r>
+            <a:endParaRPr lang="en-US" smtClean="0"/>
           </a:p>
           <a:p>
             <a:pPr lvl="1"/>
@@ -334,6 +319,7 @@
               <a:rPr lang="en-US" smtClean="0"/>
               <a:t>Second level</a:t>
             </a:r>
+            <a:endParaRPr lang="en-US" smtClean="0"/>
           </a:p>
           <a:p>
             <a:pPr lvl="2"/>
@@ -341,6 +327,7 @@
               <a:rPr lang="en-US" smtClean="0"/>
               <a:t>Third level</a:t>
             </a:r>
+            <a:endParaRPr lang="en-US" smtClean="0"/>
           </a:p>
           <a:p>
             <a:pPr lvl="3"/>
@@ -348,6 +335,7 @@
               <a:rPr lang="en-US" smtClean="0"/>
               <a:t>Fourth level</a:t>
             </a:r>
+            <a:endParaRPr lang="en-US" smtClean="0"/>
           </a:p>
           <a:p>
             <a:pPr lvl="4"/>
@@ -419,18 +407,12 @@
           <a:p>
             <a:fld id="{18F00883-AE89-4D94-A61D-16079C2E532E}" type="slidenum">
               <a:rPr lang="en-US" smtClean="0"/>
-              <a:t>‹#›</a:t>
             </a:fld>
             <a:endParaRPr lang="en-US"/>
           </a:p>
         </p:txBody>
       </p:sp>
     </p:spTree>
-    <p:extLst>
-      <p:ext uri="{BB962C8B-B14F-4D97-AF65-F5344CB8AC3E}">
-        <p14:creationId xmlns:p14="http://schemas.microsoft.com/office/powerpoint/2010/main" val="2916292717"/>
-      </p:ext>
-    </p:extLst>
   </p:cSld>
   <p:clrMap bg1="lt1" tx1="dk1" bg2="lt2" tx2="dk2" accent1="accent1" accent2="accent2" accent3="accent3" accent4="accent4" accent5="accent5" accent6="accent6" hlink="hlink" folHlink="folHlink"/>
   <p:notesStyle>
@@ -560,7 +542,6 @@
             <a:off x="1150938" y="692150"/>
             <a:ext cx="4556125" cy="3416300"/>
           </a:xfrm>
-          <a:ln/>
         </p:spPr>
       </p:sp>
       <p:sp>
@@ -608,11 +589,6 @@
         </p:txBody>
       </p:sp>
     </p:spTree>
-    <p:extLst>
-      <p:ext uri="{BB962C8B-B14F-4D97-AF65-F5344CB8AC3E}">
-        <p14:creationId xmlns:p14="http://schemas.microsoft.com/office/powerpoint/2010/main" val="1506083192"/>
-      </p:ext>
-    </p:extLst>
   </p:cSld>
   <p:clrMapOvr>
     <a:masterClrMapping/>
@@ -652,7 +628,6 @@
             <a:off x="1150938" y="692150"/>
             <a:ext cx="4556125" cy="3416300"/>
           </a:xfrm>
-          <a:ln/>
         </p:spPr>
       </p:sp>
       <p:sp>
@@ -700,11 +675,6 @@
         </p:txBody>
       </p:sp>
     </p:spTree>
-    <p:extLst>
-      <p:ext uri="{BB962C8B-B14F-4D97-AF65-F5344CB8AC3E}">
-        <p14:creationId xmlns:p14="http://schemas.microsoft.com/office/powerpoint/2010/main" val="1381179962"/>
-      </p:ext>
-    </p:extLst>
   </p:cSld>
   <p:clrMapOvr>
     <a:masterClrMapping/>
@@ -744,7 +714,6 @@
             <a:off x="1150938" y="692150"/>
             <a:ext cx="4556125" cy="3416300"/>
           </a:xfrm>
-          <a:ln/>
         </p:spPr>
       </p:sp>
       <p:sp>
@@ -792,11 +761,6 @@
         </p:txBody>
       </p:sp>
     </p:spTree>
-    <p:extLst>
-      <p:ext uri="{BB962C8B-B14F-4D97-AF65-F5344CB8AC3E}">
-        <p14:creationId xmlns:p14="http://schemas.microsoft.com/office/powerpoint/2010/main" val="1361908747"/>
-      </p:ext>
-    </p:extLst>
   </p:cSld>
   <p:clrMapOvr>
     <a:masterClrMapping/>
@@ -836,7 +800,6 @@
             <a:off x="1150938" y="692150"/>
             <a:ext cx="4556125" cy="3416300"/>
           </a:xfrm>
-          <a:ln/>
         </p:spPr>
       </p:sp>
       <p:sp>
@@ -884,11 +847,6 @@
         </p:txBody>
       </p:sp>
     </p:spTree>
-    <p:extLst>
-      <p:ext uri="{BB962C8B-B14F-4D97-AF65-F5344CB8AC3E}">
-        <p14:creationId xmlns:p14="http://schemas.microsoft.com/office/powerpoint/2010/main" val="801757467"/>
-      </p:ext>
-    </p:extLst>
   </p:cSld>
   <p:clrMapOvr>
     <a:masterClrMapping/>
@@ -928,7 +886,6 @@
             <a:off x="1150938" y="692150"/>
             <a:ext cx="4556125" cy="3416300"/>
           </a:xfrm>
-          <a:ln/>
         </p:spPr>
       </p:sp>
       <p:sp>
@@ -976,11 +933,6 @@
         </p:txBody>
       </p:sp>
     </p:spTree>
-    <p:extLst>
-      <p:ext uri="{BB962C8B-B14F-4D97-AF65-F5344CB8AC3E}">
-        <p14:creationId xmlns:p14="http://schemas.microsoft.com/office/powerpoint/2010/main" val="1757414143"/>
-      </p:ext>
-    </p:extLst>
   </p:cSld>
   <p:clrMapOvr>
     <a:masterClrMapping/>
@@ -1020,7 +972,6 @@
             <a:off x="1150938" y="692150"/>
             <a:ext cx="4556125" cy="3416300"/>
           </a:xfrm>
-          <a:ln/>
         </p:spPr>
       </p:sp>
       <p:sp>
@@ -1068,11 +1019,6 @@
         </p:txBody>
       </p:sp>
     </p:spTree>
-    <p:extLst>
-      <p:ext uri="{BB962C8B-B14F-4D97-AF65-F5344CB8AC3E}">
-        <p14:creationId xmlns:p14="http://schemas.microsoft.com/office/powerpoint/2010/main" val="918279027"/>
-      </p:ext>
-    </p:extLst>
   </p:cSld>
   <p:clrMapOvr>
     <a:masterClrMapping/>
@@ -1112,7 +1058,6 @@
             <a:off x="1150938" y="692150"/>
             <a:ext cx="4556125" cy="3416300"/>
           </a:xfrm>
-          <a:ln/>
         </p:spPr>
       </p:sp>
       <p:sp>
@@ -1160,11 +1105,6 @@
         </p:txBody>
       </p:sp>
     </p:spTree>
-    <p:extLst>
-      <p:ext uri="{BB962C8B-B14F-4D97-AF65-F5344CB8AC3E}">
-        <p14:creationId xmlns:p14="http://schemas.microsoft.com/office/powerpoint/2010/main" val="3953283663"/>
-      </p:ext>
-    </p:extLst>
   </p:cSld>
   <p:clrMapOvr>
     <a:masterClrMapping/>
@@ -1353,8 +1293,6 @@
           <a:p>
             <a:fld id="{E9F1F6F0-065E-44BA-8D3C-C42F5F878AE1}" type="datetimeFigureOut">
               <a:rPr lang="en-US" smtClean="0"/>
-              <a:pPr/>
-              <a:t>15/12/2021</a:t>
             </a:fld>
             <a:endParaRPr lang="en-US"/>
           </a:p>
@@ -1396,8 +1334,6 @@
           <a:p>
             <a:fld id="{5C14F7EC-898F-4297-8F40-4173BA31DFB0}" type="slidenum">
               <a:rPr lang="en-US" smtClean="0"/>
-              <a:pPr/>
-              <a:t>‹#›</a:t>
             </a:fld>
             <a:endParaRPr lang="en-US"/>
           </a:p>
@@ -1471,6 +1407,7 @@
               <a:rPr lang="en-US" smtClean="0"/>
               <a:t>Click to edit Master text styles</a:t>
             </a:r>
+            <a:endParaRPr lang="en-US" smtClean="0"/>
           </a:p>
           <a:p>
             <a:pPr lvl="1"/>
@@ -1478,6 +1415,7 @@
               <a:rPr lang="en-US" smtClean="0"/>
               <a:t>Second level</a:t>
             </a:r>
+            <a:endParaRPr lang="en-US" smtClean="0"/>
           </a:p>
           <a:p>
             <a:pPr lvl="2"/>
@@ -1485,6 +1423,7 @@
               <a:rPr lang="en-US" smtClean="0"/>
               <a:t>Third level</a:t>
             </a:r>
+            <a:endParaRPr lang="en-US" smtClean="0"/>
           </a:p>
           <a:p>
             <a:pPr lvl="3"/>
@@ -1492,6 +1431,7 @@
               <a:rPr lang="en-US" smtClean="0"/>
               <a:t>Fourth level</a:t>
             </a:r>
+            <a:endParaRPr lang="en-US" smtClean="0"/>
           </a:p>
           <a:p>
             <a:pPr lvl="4"/>
@@ -1520,8 +1460,6 @@
           <a:p>
             <a:fld id="{E9F1F6F0-065E-44BA-8D3C-C42F5F878AE1}" type="datetimeFigureOut">
               <a:rPr lang="en-US" smtClean="0"/>
-              <a:pPr/>
-              <a:t>15/12/2021</a:t>
             </a:fld>
             <a:endParaRPr lang="en-US"/>
           </a:p>
@@ -1563,8 +1501,6 @@
           <a:p>
             <a:fld id="{5C14F7EC-898F-4297-8F40-4173BA31DFB0}" type="slidenum">
               <a:rPr lang="en-US" smtClean="0"/>
-              <a:pPr/>
-              <a:t>‹#›</a:t>
             </a:fld>
             <a:endParaRPr lang="en-US"/>
           </a:p>
@@ -1648,6 +1584,7 @@
               <a:rPr lang="en-US" smtClean="0"/>
               <a:t>Click to edit Master text styles</a:t>
             </a:r>
+            <a:endParaRPr lang="en-US" smtClean="0"/>
           </a:p>
           <a:p>
             <a:pPr lvl="1"/>
@@ -1655,6 +1592,7 @@
               <a:rPr lang="en-US" smtClean="0"/>
               <a:t>Second level</a:t>
             </a:r>
+            <a:endParaRPr lang="en-US" smtClean="0"/>
           </a:p>
           <a:p>
             <a:pPr lvl="2"/>
@@ -1662,6 +1600,7 @@
               <a:rPr lang="en-US" smtClean="0"/>
               <a:t>Third level</a:t>
             </a:r>
+            <a:endParaRPr lang="en-US" smtClean="0"/>
           </a:p>
           <a:p>
             <a:pPr lvl="3"/>
@@ -1669,6 +1608,7 @@
               <a:rPr lang="en-US" smtClean="0"/>
               <a:t>Fourth level</a:t>
             </a:r>
+            <a:endParaRPr lang="en-US" smtClean="0"/>
           </a:p>
           <a:p>
             <a:pPr lvl="4"/>
@@ -1697,8 +1637,6 @@
           <a:p>
             <a:fld id="{E9F1F6F0-065E-44BA-8D3C-C42F5F878AE1}" type="datetimeFigureOut">
               <a:rPr lang="en-US" smtClean="0"/>
-              <a:pPr/>
-              <a:t>15/12/2021</a:t>
             </a:fld>
             <a:endParaRPr lang="en-US"/>
           </a:p>
@@ -1740,8 +1678,6 @@
           <a:p>
             <a:fld id="{5C14F7EC-898F-4297-8F40-4173BA31DFB0}" type="slidenum">
               <a:rPr lang="en-US" smtClean="0"/>
-              <a:pPr/>
-              <a:t>‹#›</a:t>
             </a:fld>
             <a:endParaRPr lang="en-US"/>
           </a:p>
@@ -1815,6 +1751,7 @@
               <a:rPr lang="en-US" smtClean="0"/>
               <a:t>Click to edit Master text styles</a:t>
             </a:r>
+            <a:endParaRPr lang="en-US" smtClean="0"/>
           </a:p>
           <a:p>
             <a:pPr lvl="1"/>
@@ -1822,6 +1759,7 @@
               <a:rPr lang="en-US" smtClean="0"/>
               <a:t>Second level</a:t>
             </a:r>
+            <a:endParaRPr lang="en-US" smtClean="0"/>
           </a:p>
           <a:p>
             <a:pPr lvl="2"/>
@@ -1829,6 +1767,7 @@
               <a:rPr lang="en-US" smtClean="0"/>
               <a:t>Third level</a:t>
             </a:r>
+            <a:endParaRPr lang="en-US" smtClean="0"/>
           </a:p>
           <a:p>
             <a:pPr lvl="3"/>
@@ -1836,6 +1775,7 @@
               <a:rPr lang="en-US" smtClean="0"/>
               <a:t>Fourth level</a:t>
             </a:r>
+            <a:endParaRPr lang="en-US" smtClean="0"/>
           </a:p>
           <a:p>
             <a:pPr lvl="4"/>
@@ -1864,8 +1804,6 @@
           <a:p>
             <a:fld id="{E9F1F6F0-065E-44BA-8D3C-C42F5F878AE1}" type="datetimeFigureOut">
               <a:rPr lang="en-US" smtClean="0"/>
-              <a:pPr/>
-              <a:t>15/12/2021</a:t>
             </a:fld>
             <a:endParaRPr lang="en-US"/>
           </a:p>
@@ -1907,8 +1845,6 @@
           <a:p>
             <a:fld id="{5C14F7EC-898F-4297-8F40-4173BA31DFB0}" type="slidenum">
               <a:rPr lang="en-US" smtClean="0"/>
-              <a:pPr/>
-              <a:t>‹#›</a:t>
             </a:fld>
             <a:endParaRPr lang="en-US"/>
           </a:p>
@@ -2087,6 +2023,7 @@
               <a:rPr lang="en-US" smtClean="0"/>
               <a:t>Click to edit Master text styles</a:t>
             </a:r>
+            <a:endParaRPr lang="en-US" smtClean="0"/>
           </a:p>
         </p:txBody>
       </p:sp>
@@ -2107,8 +2044,6 @@
           <a:p>
             <a:fld id="{E9F1F6F0-065E-44BA-8D3C-C42F5F878AE1}" type="datetimeFigureOut">
               <a:rPr lang="en-US" smtClean="0"/>
-              <a:pPr/>
-              <a:t>15/12/2021</a:t>
             </a:fld>
             <a:endParaRPr lang="en-US"/>
           </a:p>
@@ -2150,8 +2085,6 @@
           <a:p>
             <a:fld id="{5C14F7EC-898F-4297-8F40-4173BA31DFB0}" type="slidenum">
               <a:rPr lang="en-US" smtClean="0"/>
-              <a:pPr/>
-              <a:t>‹#›</a:t>
             </a:fld>
             <a:endParaRPr lang="en-US"/>
           </a:p>
@@ -2258,6 +2191,7 @@
               <a:rPr lang="en-US" smtClean="0"/>
               <a:t>Click to edit Master text styles</a:t>
             </a:r>
+            <a:endParaRPr lang="en-US" smtClean="0"/>
           </a:p>
           <a:p>
             <a:pPr lvl="1"/>
@@ -2265,6 +2199,7 @@
               <a:rPr lang="en-US" smtClean="0"/>
               <a:t>Second level</a:t>
             </a:r>
+            <a:endParaRPr lang="en-US" smtClean="0"/>
           </a:p>
           <a:p>
             <a:pPr lvl="2"/>
@@ -2272,6 +2207,7 @@
               <a:rPr lang="en-US" smtClean="0"/>
               <a:t>Third level</a:t>
             </a:r>
+            <a:endParaRPr lang="en-US" smtClean="0"/>
           </a:p>
           <a:p>
             <a:pPr lvl="3"/>
@@ -2279,6 +2215,7 @@
               <a:rPr lang="en-US" smtClean="0"/>
               <a:t>Fourth level</a:t>
             </a:r>
+            <a:endParaRPr lang="en-US" smtClean="0"/>
           </a:p>
           <a:p>
             <a:pPr lvl="4"/>
@@ -2343,6 +2280,7 @@
               <a:rPr lang="en-US" smtClean="0"/>
               <a:t>Click to edit Master text styles</a:t>
             </a:r>
+            <a:endParaRPr lang="en-US" smtClean="0"/>
           </a:p>
           <a:p>
             <a:pPr lvl="1"/>
@@ -2350,6 +2288,7 @@
               <a:rPr lang="en-US" smtClean="0"/>
               <a:t>Second level</a:t>
             </a:r>
+            <a:endParaRPr lang="en-US" smtClean="0"/>
           </a:p>
           <a:p>
             <a:pPr lvl="2"/>
@@ -2357,6 +2296,7 @@
               <a:rPr lang="en-US" smtClean="0"/>
               <a:t>Third level</a:t>
             </a:r>
+            <a:endParaRPr lang="en-US" smtClean="0"/>
           </a:p>
           <a:p>
             <a:pPr lvl="3"/>
@@ -2364,6 +2304,7 @@
               <a:rPr lang="en-US" smtClean="0"/>
               <a:t>Fourth level</a:t>
             </a:r>
+            <a:endParaRPr lang="en-US" smtClean="0"/>
           </a:p>
           <a:p>
             <a:pPr lvl="4"/>
@@ -2392,8 +2333,6 @@
           <a:p>
             <a:fld id="{E9F1F6F0-065E-44BA-8D3C-C42F5F878AE1}" type="datetimeFigureOut">
               <a:rPr lang="en-US" smtClean="0"/>
-              <a:pPr/>
-              <a:t>15/12/2021</a:t>
             </a:fld>
             <a:endParaRPr lang="en-US"/>
           </a:p>
@@ -2435,8 +2374,6 @@
           <a:p>
             <a:fld id="{5C14F7EC-898F-4297-8F40-4173BA31DFB0}" type="slidenum">
               <a:rPr lang="en-US" smtClean="0"/>
-              <a:pPr/>
-              <a:t>‹#›</a:t>
             </a:fld>
             <a:endParaRPr lang="en-US"/>
           </a:p>
@@ -2556,6 +2493,7 @@
               <a:rPr lang="en-US" smtClean="0"/>
               <a:t>Click to edit Master text styles</a:t>
             </a:r>
+            <a:endParaRPr lang="en-US" smtClean="0"/>
           </a:p>
         </p:txBody>
       </p:sp>
@@ -2612,6 +2550,7 @@
               <a:rPr lang="en-US" smtClean="0"/>
               <a:t>Click to edit Master text styles</a:t>
             </a:r>
+            <a:endParaRPr lang="en-US" smtClean="0"/>
           </a:p>
           <a:p>
             <a:pPr lvl="1"/>
@@ -2619,6 +2558,7 @@
               <a:rPr lang="en-US" smtClean="0"/>
               <a:t>Second level</a:t>
             </a:r>
+            <a:endParaRPr lang="en-US" smtClean="0"/>
           </a:p>
           <a:p>
             <a:pPr lvl="2"/>
@@ -2626,6 +2566,7 @@
               <a:rPr lang="en-US" smtClean="0"/>
               <a:t>Third level</a:t>
             </a:r>
+            <a:endParaRPr lang="en-US" smtClean="0"/>
           </a:p>
           <a:p>
             <a:pPr lvl="3"/>
@@ -2633,6 +2574,7 @@
               <a:rPr lang="en-US" smtClean="0"/>
               <a:t>Fourth level</a:t>
             </a:r>
+            <a:endParaRPr lang="en-US" smtClean="0"/>
           </a:p>
           <a:p>
             <a:pPr lvl="4"/>
@@ -2706,6 +2648,7 @@
               <a:rPr lang="en-US" smtClean="0"/>
               <a:t>Click to edit Master text styles</a:t>
             </a:r>
+            <a:endParaRPr lang="en-US" smtClean="0"/>
           </a:p>
         </p:txBody>
       </p:sp>
@@ -2762,6 +2705,7 @@
               <a:rPr lang="en-US" smtClean="0"/>
               <a:t>Click to edit Master text styles</a:t>
             </a:r>
+            <a:endParaRPr lang="en-US" smtClean="0"/>
           </a:p>
           <a:p>
             <a:pPr lvl="1"/>
@@ -2769,6 +2713,7 @@
               <a:rPr lang="en-US" smtClean="0"/>
               <a:t>Second level</a:t>
             </a:r>
+            <a:endParaRPr lang="en-US" smtClean="0"/>
           </a:p>
           <a:p>
             <a:pPr lvl="2"/>
@@ -2776,6 +2721,7 @@
               <a:rPr lang="en-US" smtClean="0"/>
               <a:t>Third level</a:t>
             </a:r>
+            <a:endParaRPr lang="en-US" smtClean="0"/>
           </a:p>
           <a:p>
             <a:pPr lvl="3"/>
@@ -2783,6 +2729,7 @@
               <a:rPr lang="en-US" smtClean="0"/>
               <a:t>Fourth level</a:t>
             </a:r>
+            <a:endParaRPr lang="en-US" smtClean="0"/>
           </a:p>
           <a:p>
             <a:pPr lvl="4"/>
@@ -2811,8 +2758,6 @@
           <a:p>
             <a:fld id="{E9F1F6F0-065E-44BA-8D3C-C42F5F878AE1}" type="datetimeFigureOut">
               <a:rPr lang="en-US" smtClean="0"/>
-              <a:pPr/>
-              <a:t>15/12/2021</a:t>
             </a:fld>
             <a:endParaRPr lang="en-US"/>
           </a:p>
@@ -2854,8 +2799,6 @@
           <a:p>
             <a:fld id="{5C14F7EC-898F-4297-8F40-4173BA31DFB0}" type="slidenum">
               <a:rPr lang="en-US" smtClean="0"/>
-              <a:pPr/>
-              <a:t>‹#›</a:t>
             </a:fld>
             <a:endParaRPr lang="en-US"/>
           </a:p>
@@ -2926,8 +2869,6 @@
           <a:p>
             <a:fld id="{E9F1F6F0-065E-44BA-8D3C-C42F5F878AE1}" type="datetimeFigureOut">
               <a:rPr lang="en-US" smtClean="0"/>
-              <a:pPr/>
-              <a:t>15/12/2021</a:t>
             </a:fld>
             <a:endParaRPr lang="en-US"/>
           </a:p>
@@ -2969,8 +2910,6 @@
           <a:p>
             <a:fld id="{5C14F7EC-898F-4297-8F40-4173BA31DFB0}" type="slidenum">
               <a:rPr lang="en-US" smtClean="0"/>
-              <a:pPr/>
-              <a:t>‹#›</a:t>
             </a:fld>
             <a:endParaRPr lang="en-US"/>
           </a:p>
@@ -3018,8 +2957,6 @@
           <a:p>
             <a:fld id="{E9F1F6F0-065E-44BA-8D3C-C42F5F878AE1}" type="datetimeFigureOut">
               <a:rPr lang="en-US" smtClean="0"/>
-              <a:pPr/>
-              <a:t>15/12/2021</a:t>
             </a:fld>
             <a:endParaRPr lang="en-US"/>
           </a:p>
@@ -3061,8 +2998,6 @@
           <a:p>
             <a:fld id="{5C14F7EC-898F-4297-8F40-4173BA31DFB0}" type="slidenum">
               <a:rPr lang="en-US" smtClean="0"/>
-              <a:pPr/>
-              <a:t>‹#›</a:t>
             </a:fld>
             <a:endParaRPr lang="en-US"/>
           </a:p>
@@ -3178,6 +3113,7 @@
               <a:rPr lang="en-US" smtClean="0"/>
               <a:t>Click to edit Master text styles</a:t>
             </a:r>
+            <a:endParaRPr lang="en-US" smtClean="0"/>
           </a:p>
           <a:p>
             <a:pPr lvl="1"/>
@@ -3185,6 +3121,7 @@
               <a:rPr lang="en-US" smtClean="0"/>
               <a:t>Second level</a:t>
             </a:r>
+            <a:endParaRPr lang="en-US" smtClean="0"/>
           </a:p>
           <a:p>
             <a:pPr lvl="2"/>
@@ -3192,6 +3129,7 @@
               <a:rPr lang="en-US" smtClean="0"/>
               <a:t>Third level</a:t>
             </a:r>
+            <a:endParaRPr lang="en-US" smtClean="0"/>
           </a:p>
           <a:p>
             <a:pPr lvl="3"/>
@@ -3199,6 +3137,7 @@
               <a:rPr lang="en-US" smtClean="0"/>
               <a:t>Fourth level</a:t>
             </a:r>
+            <a:endParaRPr lang="en-US" smtClean="0"/>
           </a:p>
           <a:p>
             <a:pPr lvl="4"/>
@@ -3272,6 +3211,7 @@
               <a:rPr lang="en-US" smtClean="0"/>
               <a:t>Click to edit Master text styles</a:t>
             </a:r>
+            <a:endParaRPr lang="en-US" smtClean="0"/>
           </a:p>
         </p:txBody>
       </p:sp>
@@ -3292,8 +3232,6 @@
           <a:p>
             <a:fld id="{E9F1F6F0-065E-44BA-8D3C-C42F5F878AE1}" type="datetimeFigureOut">
               <a:rPr lang="en-US" smtClean="0"/>
-              <a:pPr/>
-              <a:t>15/12/2021</a:t>
             </a:fld>
             <a:endParaRPr lang="en-US"/>
           </a:p>
@@ -3335,8 +3273,6 @@
           <a:p>
             <a:fld id="{5C14F7EC-898F-4297-8F40-4173BA31DFB0}" type="slidenum">
               <a:rPr lang="en-US" smtClean="0"/>
-              <a:pPr/>
-              <a:t>‹#›</a:t>
             </a:fld>
             <a:endParaRPr lang="en-US"/>
           </a:p>
@@ -3522,6 +3458,7 @@
               <a:rPr lang="en-US" smtClean="0"/>
               <a:t>Click to edit Master text styles</a:t>
             </a:r>
+            <a:endParaRPr lang="en-US" smtClean="0"/>
           </a:p>
         </p:txBody>
       </p:sp>
@@ -3542,8 +3479,6 @@
           <a:p>
             <a:fld id="{E9F1F6F0-065E-44BA-8D3C-C42F5F878AE1}" type="datetimeFigureOut">
               <a:rPr lang="en-US" smtClean="0"/>
-              <a:pPr/>
-              <a:t>15/12/2021</a:t>
             </a:fld>
             <a:endParaRPr lang="en-US"/>
           </a:p>
@@ -3585,8 +3520,6 @@
           <a:p>
             <a:fld id="{5C14F7EC-898F-4297-8F40-4173BA31DFB0}" type="slidenum">
               <a:rPr lang="en-US" smtClean="0"/>
-              <a:pPr/>
-              <a:t>‹#›</a:t>
             </a:fld>
             <a:endParaRPr lang="en-US"/>
           </a:p>
@@ -3685,6 +3618,7 @@
               <a:rPr lang="en-US" smtClean="0"/>
               <a:t>Click to edit Master text styles</a:t>
             </a:r>
+            <a:endParaRPr lang="en-US" smtClean="0"/>
           </a:p>
           <a:p>
             <a:pPr lvl="1"/>
@@ -3692,6 +3626,7 @@
               <a:rPr lang="en-US" smtClean="0"/>
               <a:t>Second level</a:t>
             </a:r>
+            <a:endParaRPr lang="en-US" smtClean="0"/>
           </a:p>
           <a:p>
             <a:pPr lvl="2"/>
@@ -3699,6 +3634,7 @@
               <a:rPr lang="en-US" smtClean="0"/>
               <a:t>Third level</a:t>
             </a:r>
+            <a:endParaRPr lang="en-US" smtClean="0"/>
           </a:p>
           <a:p>
             <a:pPr lvl="3"/>
@@ -3706,6 +3642,7 @@
               <a:rPr lang="en-US" smtClean="0"/>
               <a:t>Fourth level</a:t>
             </a:r>
+            <a:endParaRPr lang="en-US" smtClean="0"/>
           </a:p>
           <a:p>
             <a:pPr lvl="4"/>
@@ -3752,8 +3689,6 @@
           <a:p>
             <a:fld id="{E9F1F6F0-065E-44BA-8D3C-C42F5F878AE1}" type="datetimeFigureOut">
               <a:rPr lang="en-US" smtClean="0"/>
-              <a:pPr/>
-              <a:t>15/12/2021</a:t>
             </a:fld>
             <a:endParaRPr lang="en-US"/>
           </a:p>
@@ -3831,8 +3766,6 @@
           <a:p>
             <a:fld id="{5C14F7EC-898F-4297-8F40-4173BA31DFB0}" type="slidenum">
               <a:rPr lang="en-US" smtClean="0"/>
-              <a:pPr/>
-              <a:t>‹#›</a:t>
             </a:fld>
             <a:endParaRPr lang="en-US"/>
           </a:p>
@@ -3876,7 +3809,7 @@
         <a:spcBef>
           <a:spcPct val="20000"/>
         </a:spcBef>
-        <a:buFont typeface="Arial" pitchFamily="34" charset="0"/>
+        <a:buFont typeface="Arial" panose="020B0604020202020204" pitchFamily="34" charset="0"/>
         <a:buChar char="•"/>
         <a:defRPr sz="3200" kern="1200">
           <a:solidFill>
@@ -3891,7 +3824,7 @@
         <a:spcBef>
           <a:spcPct val="20000"/>
         </a:spcBef>
-        <a:buFont typeface="Arial" pitchFamily="34" charset="0"/>
+        <a:buFont typeface="Arial" panose="020B0604020202020204" pitchFamily="34" charset="0"/>
         <a:buChar char="–"/>
         <a:defRPr sz="2800" kern="1200">
           <a:solidFill>
@@ -3906,7 +3839,7 @@
         <a:spcBef>
           <a:spcPct val="20000"/>
         </a:spcBef>
-        <a:buFont typeface="Arial" pitchFamily="34" charset="0"/>
+        <a:buFont typeface="Arial" panose="020B0604020202020204" pitchFamily="34" charset="0"/>
         <a:buChar char="•"/>
         <a:defRPr sz="2400" kern="1200">
           <a:solidFill>
@@ -3921,7 +3854,7 @@
         <a:spcBef>
           <a:spcPct val="20000"/>
         </a:spcBef>
-        <a:buFont typeface="Arial" pitchFamily="34" charset="0"/>
+        <a:buFont typeface="Arial" panose="020B0604020202020204" pitchFamily="34" charset="0"/>
         <a:buChar char="–"/>
         <a:defRPr sz="2000" kern="1200">
           <a:solidFill>
@@ -3936,7 +3869,7 @@
         <a:spcBef>
           <a:spcPct val="20000"/>
         </a:spcBef>
-        <a:buFont typeface="Arial" pitchFamily="34" charset="0"/>
+        <a:buFont typeface="Arial" panose="020B0604020202020204" pitchFamily="34" charset="0"/>
         <a:buChar char="»"/>
         <a:defRPr sz="2000" kern="1200">
           <a:solidFill>
@@ -3951,7 +3884,7 @@
         <a:spcBef>
           <a:spcPct val="20000"/>
         </a:spcBef>
-        <a:buFont typeface="Arial" pitchFamily="34" charset="0"/>
+        <a:buFont typeface="Arial" panose="020B0604020202020204" pitchFamily="34" charset="0"/>
         <a:buChar char="•"/>
         <a:defRPr sz="2000" kern="1200">
           <a:solidFill>
@@ -3966,7 +3899,7 @@
         <a:spcBef>
           <a:spcPct val="20000"/>
         </a:spcBef>
-        <a:buFont typeface="Arial" pitchFamily="34" charset="0"/>
+        <a:buFont typeface="Arial" panose="020B0604020202020204" pitchFamily="34" charset="0"/>
         <a:buChar char="•"/>
         <a:defRPr sz="2000" kern="1200">
           <a:solidFill>
@@ -3981,7 +3914,7 @@
         <a:spcBef>
           <a:spcPct val="20000"/>
         </a:spcBef>
-        <a:buFont typeface="Arial" pitchFamily="34" charset="0"/>
+        <a:buFont typeface="Arial" panose="020B0604020202020204" pitchFamily="34" charset="0"/>
         <a:buChar char="•"/>
         <a:defRPr sz="2000" kern="1200">
           <a:solidFill>
@@ -3996,7 +3929,7 @@
         <a:spcBef>
           <a:spcPct val="20000"/>
         </a:spcBef>
-        <a:buFont typeface="Arial" pitchFamily="34" charset="0"/>
+        <a:buFont typeface="Arial" panose="020B0604020202020204" pitchFamily="34" charset="0"/>
         <a:buChar char="•"/>
         <a:defRPr sz="2000" kern="1200">
           <a:solidFill>
@@ -4242,6 +4175,7 @@
               <a:rPr lang="en-US" dirty="0" smtClean="0"/>
               <a:t>CREATE DATABASE &lt;database name&gt;;</a:t>
             </a:r>
+            <a:endParaRPr lang="en-US" dirty="0" smtClean="0"/>
           </a:p>
           <a:p>
             <a:endParaRPr lang="en-US" dirty="0"/>
@@ -4251,6 +4185,7 @@
               <a:rPr lang="en-US" dirty="0" smtClean="0"/>
               <a:t>CREATE DATABASE username;</a:t>
             </a:r>
+            <a:endParaRPr lang="en-US" dirty="0" smtClean="0"/>
           </a:p>
           <a:p>
             <a:endParaRPr lang="en-US" dirty="0"/>
@@ -4326,6 +4261,7 @@
               <a:rPr lang="en-US" dirty="0" smtClean="0"/>
               <a:t>USE &lt;database name&gt;;</a:t>
             </a:r>
+            <a:endParaRPr lang="en-US" dirty="0" smtClean="0"/>
           </a:p>
           <a:p>
             <a:endParaRPr lang="en-US" dirty="0"/>
@@ -4335,6 +4271,7 @@
               <a:rPr lang="en-US" dirty="0" smtClean="0"/>
               <a:t>USE username;</a:t>
             </a:r>
+            <a:endParaRPr lang="en-US" dirty="0" smtClean="0"/>
           </a:p>
           <a:p>
             <a:endParaRPr lang="en-US" dirty="0"/>
@@ -4347,6 +4284,7 @@
               <a:rPr lang="en-US" dirty="0" smtClean="0"/>
               <a:t>DROP &lt;database name&gt;;</a:t>
             </a:r>
+            <a:endParaRPr lang="en-US" dirty="0" smtClean="0"/>
           </a:p>
           <a:p>
             <a:endParaRPr lang="en-US" dirty="0"/>
@@ -4356,6 +4294,7 @@
               <a:rPr lang="en-US" dirty="0" smtClean="0"/>
               <a:t>DROP username;</a:t>
             </a:r>
+            <a:endParaRPr lang="en-US" dirty="0" smtClean="0"/>
           </a:p>
           <a:p>
             <a:endParaRPr lang="en-US" dirty="0" smtClean="0"/>
@@ -4470,6 +4409,7 @@
               <a:rPr lang="en-US" dirty="0"/>
               <a:t>(</a:t>
             </a:r>
+            <a:endParaRPr lang="en-US" dirty="0"/>
           </a:p>
           <a:p>
             <a:pPr>
@@ -4487,6 +4427,7 @@
               <a:rPr lang="en-US" dirty="0"/>
               <a:t>INT NOT NULL,</a:t>
             </a:r>
+            <a:endParaRPr lang="en-US" dirty="0"/>
           </a:p>
           <a:p>
             <a:pPr>
@@ -4500,6 +4441,7 @@
               <a:rPr lang="en-US" dirty="0"/>
               <a:t> VARCHAR(40) NOT NULL,</a:t>
             </a:r>
+            <a:endParaRPr lang="en-US" dirty="0"/>
           </a:p>
           <a:p>
             <a:pPr>
@@ -4513,6 +4455,7 @@
               <a:rPr lang="en-US" dirty="0"/>
               <a:t> INT NOT NULL,</a:t>
             </a:r>
+            <a:endParaRPr lang="en-US" dirty="0"/>
           </a:p>
           <a:p>
             <a:pPr>
@@ -4530,6 +4473,7 @@
               <a:rPr lang="en-US" dirty="0"/>
               <a:t>)</a:t>
             </a:r>
+            <a:endParaRPr lang="en-US" dirty="0"/>
           </a:p>
           <a:p>
             <a:pPr>
@@ -4801,6 +4745,7 @@
               <a:rPr lang="en-US" dirty="0" smtClean="0"/>
               <a:t>)                        </a:t>
             </a:r>
+            <a:endParaRPr lang="en-US" dirty="0" smtClean="0"/>
           </a:p>
           <a:p>
             <a:pPr>
@@ -4810,6 +4755,7 @@
               <a:rPr lang="en-US" dirty="0" smtClean="0"/>
               <a:t>VALUES                                                            </a:t>
             </a:r>
+            <a:endParaRPr lang="en-US" dirty="0" smtClean="0"/>
           </a:p>
           <a:p>
             <a:pPr>
@@ -4823,6 +4769,7 @@
               <a:rPr lang="en-US" dirty="0" smtClean="0"/>
               <a:t>(1001,'Guy wire assembly',503),            </a:t>
             </a:r>
+            <a:endParaRPr lang="en-US" dirty="0" smtClean="0"/>
           </a:p>
           <a:p>
             <a:pPr>
@@ -4836,6 +4783,7 @@
               <a:rPr lang="en-US" dirty="0" smtClean="0"/>
               <a:t>(1002,'Magnet',504);</a:t>
             </a:r>
+            <a:endParaRPr lang="en-US" dirty="0" smtClean="0"/>
           </a:p>
           <a:p>
             <a:pPr>
@@ -4869,6 +4817,7 @@
               <a:rPr lang="en-US" dirty="0" smtClean="0"/>
               <a:t>VALUES                                                              </a:t>
             </a:r>
+            <a:endParaRPr lang="en-US" dirty="0" smtClean="0"/>
           </a:p>
           <a:p>
             <a:pPr>
@@ -4882,6 +4831,7 @@
               <a:rPr lang="en-US" dirty="0" smtClean="0"/>
               <a:t>(1003,'Regulator',505);                             </a:t>
             </a:r>
+            <a:endParaRPr lang="en-US" dirty="0" smtClean="0"/>
           </a:p>
           <a:p>
             <a:pPr>
@@ -4891,6 +4841,7 @@
               <a:rPr lang="en-US" dirty="0" smtClean="0"/>
               <a:t>	                                                                      </a:t>
             </a:r>
+            <a:endParaRPr lang="en-US" dirty="0" smtClean="0"/>
           </a:p>
         </p:txBody>
       </p:sp>
@@ -5438,12 +5389,14 @@
               <a:rPr lang="en-US" dirty="0" smtClean="0"/>
               <a:t>Books</a:t>
             </a:r>
+            <a:endParaRPr lang="en-US" dirty="0" smtClean="0"/>
           </a:p>
           <a:p>
             <a:r>
               <a:rPr lang="en-US" dirty="0" smtClean="0"/>
               <a:t>Authors</a:t>
             </a:r>
+            <a:endParaRPr lang="en-US" dirty="0" smtClean="0"/>
           </a:p>
           <a:p>
             <a:r>
@@ -5536,6 +5489,7 @@
               <a:rPr lang="en-US" dirty="0"/>
               <a:t>CREATE TABLE Books</a:t>
             </a:r>
+            <a:endParaRPr lang="en-US" dirty="0"/>
           </a:p>
           <a:p>
             <a:pPr>
@@ -5545,6 +5499,7 @@
               <a:rPr lang="en-US" dirty="0"/>
               <a:t>(</a:t>
             </a:r>
+            <a:endParaRPr lang="en-US" dirty="0"/>
           </a:p>
           <a:p>
             <a:pPr>
@@ -5558,6 +5513,7 @@
               <a:rPr lang="en-US" dirty="0"/>
               <a:t> SMALLINT NOT NULL PRIMARY KEY,</a:t>
             </a:r>
+            <a:endParaRPr lang="en-US" dirty="0"/>
           </a:p>
           <a:p>
             <a:pPr>
@@ -5571,6 +5527,7 @@
               <a:rPr lang="en-US" dirty="0"/>
               <a:t> VARCHAR(60) NOT NULL,</a:t>
             </a:r>
+            <a:endParaRPr lang="en-US" dirty="0"/>
           </a:p>
           <a:p>
             <a:pPr>
@@ -5580,6 +5537,7 @@
               <a:rPr lang="en-US" dirty="0"/>
               <a:t>Copyright YEAR NOT NULL</a:t>
             </a:r>
+            <a:endParaRPr lang="en-US" dirty="0"/>
           </a:p>
           <a:p>
             <a:pPr>
@@ -5672,6 +5630,7 @@
               <a:rPr lang="en-US" dirty="0"/>
               <a:t>INSERT INTO Books</a:t>
             </a:r>
+            <a:endParaRPr lang="en-US" dirty="0"/>
           </a:p>
           <a:p>
             <a:pPr>
@@ -5697,6 +5656,7 @@
               <a:rPr lang="en-US" dirty="0"/>
               <a:t>1934),</a:t>
             </a:r>
+            <a:endParaRPr lang="en-US" dirty="0"/>
           </a:p>
           <a:p>
             <a:pPr>
@@ -5726,6 +5686,7 @@
               <a:rPr lang="en-US" dirty="0"/>
               <a:t>1919),</a:t>
             </a:r>
+            <a:endParaRPr lang="en-US" dirty="0"/>
           </a:p>
           <a:p>
             <a:pPr>
@@ -5743,6 +5704,7 @@
               <a:rPr lang="en-US" dirty="0"/>
               <a:t>1966),</a:t>
             </a:r>
+            <a:endParaRPr lang="en-US" dirty="0"/>
           </a:p>
           <a:p>
             <a:pPr>
@@ -5768,6 +5730,7 @@
               <a:rPr lang="en-US" dirty="0"/>
               <a:t>1932),</a:t>
             </a:r>
+            <a:endParaRPr lang="en-US" dirty="0"/>
           </a:p>
           <a:p>
             <a:pPr>
@@ -5793,6 +5756,7 @@
               <a:rPr lang="en-US" dirty="0"/>
               <a:t>1996),</a:t>
             </a:r>
+            <a:endParaRPr lang="en-US" dirty="0"/>
           </a:p>
           <a:p>
             <a:pPr>
@@ -5818,6 +5782,7 @@
               <a:rPr lang="en-US" dirty="0"/>
               <a:t>1980),</a:t>
             </a:r>
+            <a:endParaRPr lang="en-US" dirty="0"/>
           </a:p>
           <a:p>
             <a:pPr>
@@ -5835,6 +5800,7 @@
               <a:rPr lang="en-US" dirty="0"/>
               <a:t>1992),</a:t>
             </a:r>
+            <a:endParaRPr lang="en-US" dirty="0"/>
           </a:p>
           <a:p>
             <a:pPr>
@@ -5947,6 +5913,7 @@
               <a:rPr lang="en-US" dirty="0"/>
               <a:t>CREATE TABLE Authors</a:t>
             </a:r>
+            <a:endParaRPr lang="en-US" dirty="0"/>
           </a:p>
           <a:p>
             <a:pPr>
@@ -5956,6 +5923,7 @@
               <a:rPr lang="en-US" dirty="0"/>
               <a:t>(</a:t>
             </a:r>
+            <a:endParaRPr lang="en-US" dirty="0"/>
           </a:p>
           <a:p>
             <a:pPr>
@@ -5969,6 +5937,7 @@
               <a:rPr lang="en-US" dirty="0"/>
               <a:t> SMALLINT NOT NULL PRIMARY KEY,</a:t>
             </a:r>
+            <a:endParaRPr lang="en-US" dirty="0"/>
           </a:p>
           <a:p>
             <a:pPr>
@@ -5982,6 +5951,7 @@
               <a:rPr lang="en-US" dirty="0"/>
               <a:t> VARCHAR(20),</a:t>
             </a:r>
+            <a:endParaRPr lang="en-US" dirty="0"/>
           </a:p>
           <a:p>
             <a:pPr>
@@ -5995,6 +5965,7 @@
               <a:rPr lang="en-US" dirty="0"/>
               <a:t> VARCHAR(20),</a:t>
             </a:r>
+            <a:endParaRPr lang="en-US" dirty="0"/>
           </a:p>
           <a:p>
             <a:pPr>
@@ -6008,6 +5979,7 @@
               <a:rPr lang="en-US" dirty="0"/>
               <a:t> VARCHAR(20)</a:t>
             </a:r>
+            <a:endParaRPr lang="en-US" dirty="0"/>
           </a:p>
           <a:p>
             <a:pPr>
@@ -6085,6 +6057,7 @@
               <a:rPr smtClean="0"/>
               <a:t>History of SQL</a:t>
             </a:r>
+            <a:endParaRPr smtClean="0"/>
           </a:p>
         </p:txBody>
       </p:sp>
@@ -6127,6 +6100,7 @@
               <a:rPr lang="en-US" sz="2400" smtClean="0"/>
               <a:t>1970–E. F. Codd develops relational database concept</a:t>
             </a:r>
+            <a:endParaRPr lang="en-US" sz="2400" smtClean="0"/>
           </a:p>
           <a:p>
             <a:pPr eaLnBrk="1" hangingPunct="1">
@@ -6138,6 +6112,7 @@
               <a:rPr lang="en-US" sz="2400" smtClean="0"/>
               <a:t>1974-1979–System R with Sequel (later SQL) created at IBM Research Lab</a:t>
             </a:r>
+            <a:endParaRPr lang="en-US" sz="2400" smtClean="0"/>
           </a:p>
           <a:p>
             <a:pPr eaLnBrk="1" hangingPunct="1">
@@ -6149,6 +6124,7 @@
               <a:rPr lang="en-US" sz="2400" smtClean="0"/>
               <a:t>1979–Oracle markets first relational DB with SQL</a:t>
             </a:r>
+            <a:endParaRPr lang="en-US" sz="2400" smtClean="0"/>
           </a:p>
           <a:p>
             <a:pPr eaLnBrk="1" hangingPunct="1">
@@ -6160,6 +6136,7 @@
               <a:rPr lang="en-US" sz="2400" smtClean="0"/>
               <a:t>1981 – SQL/DS first available RDBMS system on DOS/VSE</a:t>
             </a:r>
+            <a:endParaRPr lang="en-US" sz="2400" smtClean="0"/>
           </a:p>
           <a:p>
             <a:pPr eaLnBrk="1" hangingPunct="1">
@@ -6171,6 +6148,7 @@
               <a:rPr lang="en-US" sz="2400" smtClean="0"/>
               <a:t>Others followed: INGRES (1981), IDM (1982), DG/SGL (1984), Sybase (1986)</a:t>
             </a:r>
+            <a:endParaRPr lang="en-US" sz="2400" smtClean="0"/>
           </a:p>
           <a:p>
             <a:pPr eaLnBrk="1" hangingPunct="1">
@@ -6182,6 +6160,7 @@
               <a:rPr lang="en-US" sz="2400" smtClean="0"/>
               <a:t>1986–ANSI SQL standard released</a:t>
             </a:r>
+            <a:endParaRPr lang="en-US" sz="2400" smtClean="0"/>
           </a:p>
           <a:p>
             <a:pPr eaLnBrk="1" hangingPunct="1">
@@ -6193,6 +6172,7 @@
               <a:rPr lang="en-US" sz="2400" smtClean="0"/>
               <a:t>1989, 1992, 1999, 2003, 2006, 2008–Major ANSI standard updates</a:t>
             </a:r>
+            <a:endParaRPr lang="en-US" sz="2400" smtClean="0"/>
           </a:p>
           <a:p>
             <a:pPr eaLnBrk="1" hangingPunct="1">
@@ -6204,6 +6184,7 @@
               <a:rPr lang="en-US" sz="2400" smtClean="0"/>
               <a:t>Current–SQL is supported by most major database vendors</a:t>
             </a:r>
+            <a:endParaRPr lang="en-US" sz="2400" smtClean="0"/>
           </a:p>
           <a:p>
             <a:pPr eaLnBrk="1" hangingPunct="1">
@@ -6441,16 +6422,6 @@
                 </a:solidFill>
                 <a:latin typeface="Tahoma" panose="020B0604030504040204" pitchFamily="34" charset="0"/>
               </a:rPr>
-              <a:pPr>
-                <a:spcBef>
-                  <a:spcPct val="0"/>
-                </a:spcBef>
-                <a:buClrTx/>
-                <a:buSzTx/>
-                <a:buFontTx/>
-                <a:buNone/>
-              </a:pPr>
-              <a:t>2</a:t>
             </a:fld>
             <a:endParaRPr lang="en-US" sz="1200">
               <a:solidFill>
@@ -6462,11 +6433,6 @@
         </p:txBody>
       </p:sp>
     </p:spTree>
-    <p:extLst>
-      <p:ext uri="{BB962C8B-B14F-4D97-AF65-F5344CB8AC3E}">
-        <p14:creationId xmlns:p14="http://schemas.microsoft.com/office/powerpoint/2010/main" val="1678465757"/>
-      </p:ext>
-    </p:extLst>
   </p:cSld>
   <p:clrMapOvr>
     <a:masterClrMapping/>
@@ -6545,6 +6511,7 @@
               <a:rPr lang="en-US" dirty="0"/>
               <a:t>INSERT INTO Authors</a:t>
             </a:r>
+            <a:endParaRPr lang="en-US" dirty="0"/>
           </a:p>
           <a:p>
             <a:pPr>
@@ -6823,6 +6790,7 @@
               <a:rPr lang="en-US" dirty="0"/>
               <a:t>(</a:t>
             </a:r>
+            <a:endParaRPr lang="en-US" dirty="0"/>
           </a:p>
           <a:p>
             <a:pPr>
@@ -6836,6 +6804,7 @@
               <a:rPr lang="en-US" dirty="0"/>
               <a:t> SMALLINT NOT NULL,</a:t>
             </a:r>
+            <a:endParaRPr lang="en-US" dirty="0"/>
           </a:p>
           <a:p>
             <a:pPr>
@@ -6853,6 +6822,7 @@
               <a:rPr lang="en-US" dirty="0"/>
               <a:t>SMALLINT NOT NULL,</a:t>
             </a:r>
+            <a:endParaRPr lang="en-US" dirty="0"/>
           </a:p>
           <a:p>
             <a:pPr>
@@ -6878,6 +6848,7 @@
               <a:rPr lang="en-US" dirty="0"/>
               <a:t>),</a:t>
             </a:r>
+            <a:endParaRPr lang="en-US" dirty="0"/>
           </a:p>
           <a:p>
             <a:pPr>
@@ -6903,6 +6874,7 @@
               <a:rPr lang="en-US" dirty="0"/>
               <a:t>),</a:t>
             </a:r>
+            <a:endParaRPr lang="en-US" dirty="0"/>
           </a:p>
           <a:p>
             <a:pPr>
@@ -6928,6 +6900,7 @@
               <a:rPr lang="en-US" dirty="0"/>
               <a:t>)</a:t>
             </a:r>
+            <a:endParaRPr lang="en-US" dirty="0"/>
           </a:p>
           <a:p>
             <a:pPr>
@@ -7054,6 +7027,7 @@
               <a:rPr lang="en-US" dirty="0"/>
               <a:t>1009, 12786), (1010, 17695),</a:t>
             </a:r>
+            <a:endParaRPr lang="en-US" dirty="0"/>
           </a:p>
           <a:p>
             <a:pPr>
@@ -7085,6 +7059,7 @@
               <a:rPr lang="en-US" dirty="0"/>
               <a:t>1012, 19354), (1014, 16284);</a:t>
             </a:r>
+            <a:endParaRPr lang="en-US" dirty="0"/>
           </a:p>
         </p:txBody>
       </p:sp>
@@ -7165,6 +7140,7 @@
               <a:rPr lang="en-US" dirty="0" smtClean="0"/>
               <a:t>SELECT * FROM Parts;</a:t>
             </a:r>
+            <a:endParaRPr lang="en-US" dirty="0" smtClean="0"/>
           </a:p>
           <a:p>
             <a:pPr>
@@ -7196,6 +7172,7 @@
               <a:rPr lang="en-US" dirty="0" smtClean="0"/>
               <a:t> FROM Parts;</a:t>
             </a:r>
+            <a:endParaRPr lang="en-US" dirty="0" smtClean="0"/>
           </a:p>
           <a:p>
             <a:pPr>
@@ -7227,6 +7204,7 @@
               <a:rPr lang="en-US" dirty="0" smtClean="0"/>
               <a:t> FROM Parts</a:t>
             </a:r>
+            <a:endParaRPr lang="en-US" dirty="0" smtClean="0"/>
           </a:p>
           <a:p>
             <a:pPr>
@@ -7236,6 +7214,7 @@
               <a:rPr lang="en-US" dirty="0" smtClean="0"/>
               <a:t>WHERE</a:t>
             </a:r>
+            <a:endParaRPr lang="en-US" dirty="0" smtClean="0"/>
           </a:p>
           <a:p>
             <a:pPr>
@@ -7253,6 +7232,7 @@
               <a:rPr lang="en-US" dirty="0" smtClean="0"/>
               <a:t> = 504;</a:t>
             </a:r>
+            <a:endParaRPr lang="en-US" dirty="0" smtClean="0"/>
           </a:p>
           <a:p>
             <a:pPr>
@@ -7440,6 +7420,7 @@
               <a:rPr lang="en-US" dirty="0" smtClean="0"/>
               <a:t>, Authors</a:t>
             </a:r>
+            <a:endParaRPr lang="en-US" dirty="0" smtClean="0"/>
           </a:p>
           <a:p>
             <a:pPr>
@@ -7449,6 +7430,7 @@
               <a:rPr lang="en-US" dirty="0" smtClean="0"/>
               <a:t>WHERE</a:t>
             </a:r>
+            <a:endParaRPr lang="en-US" dirty="0" smtClean="0"/>
           </a:p>
           <a:p>
             <a:pPr>
@@ -7480,6 +7462,7 @@
               <a:rPr lang="en-US" dirty="0" smtClean="0"/>
               <a:t>AND</a:t>
             </a:r>
+            <a:endParaRPr lang="en-US" dirty="0" smtClean="0"/>
           </a:p>
           <a:p>
             <a:pPr>
@@ -7519,6 +7502,7 @@
               <a:rPr lang="en-US" dirty="0" smtClean="0"/>
               <a:t>;</a:t>
             </a:r>
+            <a:endParaRPr lang="en-US" dirty="0" smtClean="0"/>
           </a:p>
           <a:p>
             <a:pPr>
@@ -7552,14 +7536,7 @@
         <p:cNvGrpSpPr/>
         <p:nvPr/>
       </p:nvGrpSpPr>
-      <p:grpSpPr>
-        <a:xfrm>
-          <a:off x="0" y="0"/>
-          <a:ext cx="0" cy="0"/>
-          <a:chOff x="0" y="0"/>
-          <a:chExt cx="0" cy="0"/>
-        </a:xfrm>
-      </p:grpSpPr>
+      <p:grpSpPr/>
       <p:sp>
         <p:nvSpPr>
           <p:cNvPr id="2" name="Title 1"/>
@@ -7573,13 +7550,8 @@
         <p:spPr/>
         <p:txBody>
           <a:bodyPr/>
-          <a:lstStyle/>
-          <a:p>
-            <a:r>
-              <a:rPr lang="en-US" dirty="0" smtClean="0"/>
-              <a:t>Basic Join</a:t>
-            </a:r>
-            <a:endParaRPr lang="en-US" dirty="0"/>
+          <a:p>
+            <a:endParaRPr lang="en-US"/>
           </a:p>
         </p:txBody>
       </p:sp>
@@ -7596,101 +7568,8 @@
         <p:spPr/>
         <p:txBody>
           <a:bodyPr/>
-          <a:lstStyle/>
-          <a:p>
-            <a:pPr>
-              <a:buNone/>
-            </a:pPr>
-            <a:r>
-              <a:rPr lang="en-US" dirty="0"/>
-              <a:t>SELECT </a:t>
-            </a:r>
-            <a:r>
-              <a:rPr lang="en-US" dirty="0" err="1"/>
-              <a:t>BookTitle</a:t>
-            </a:r>
-            <a:r>
-              <a:rPr lang="en-US" dirty="0"/>
-              <a:t>, Copyright, </a:t>
-            </a:r>
-            <a:r>
-              <a:rPr lang="en-US" dirty="0" err="1"/>
-              <a:t>AuthID</a:t>
-            </a:r>
-            <a:endParaRPr lang="en-US" dirty="0"/>
-          </a:p>
-          <a:p>
-            <a:pPr>
-              <a:buNone/>
-            </a:pPr>
-            <a:r>
-              <a:rPr lang="en-US" dirty="0"/>
-              <a:t>FROM Books AS b, </a:t>
-            </a:r>
-            <a:r>
-              <a:rPr lang="en-US" dirty="0" err="1"/>
-              <a:t>AuthorBook</a:t>
-            </a:r>
-            <a:r>
-              <a:rPr lang="en-US" dirty="0"/>
-              <a:t> AS </a:t>
-            </a:r>
-            <a:r>
-              <a:rPr lang="en-US" dirty="0" err="1"/>
-              <a:t>ab</a:t>
-            </a:r>
-            <a:endParaRPr lang="en-US" dirty="0"/>
-          </a:p>
-          <a:p>
-            <a:pPr>
-              <a:buNone/>
-            </a:pPr>
-            <a:r>
-              <a:rPr lang="en-US" dirty="0"/>
-              <a:t>WHERE </a:t>
-            </a:r>
-            <a:r>
-              <a:rPr lang="en-US" dirty="0" err="1"/>
-              <a:t>b.BookID</a:t>
-            </a:r>
-            <a:r>
-              <a:rPr lang="en-US" dirty="0"/>
-              <a:t>=</a:t>
-            </a:r>
-            <a:r>
-              <a:rPr lang="en-US" dirty="0" err="1"/>
-              <a:t>ab.BookID</a:t>
-            </a:r>
-            <a:endParaRPr lang="en-US" dirty="0"/>
-          </a:p>
-          <a:p>
-            <a:pPr>
-              <a:buNone/>
-            </a:pPr>
-            <a:r>
-              <a:rPr lang="en-US" dirty="0"/>
-              <a:t>ORDER BY </a:t>
-            </a:r>
-            <a:r>
-              <a:rPr lang="en-US" dirty="0" err="1"/>
-              <a:t>BookTitle</a:t>
-            </a:r>
-            <a:r>
-              <a:rPr lang="en-US" dirty="0" smtClean="0"/>
-              <a:t>;</a:t>
-            </a:r>
-          </a:p>
-          <a:p>
-            <a:pPr>
-              <a:buNone/>
-            </a:pPr>
-            <a:endParaRPr lang="en-US" dirty="0"/>
-          </a:p>
-          <a:p>
-            <a:pPr>
-              <a:buNone/>
-            </a:pPr>
-            <a:endParaRPr lang="en-US" dirty="0"/>
+          <a:p>
+            <a:endParaRPr lang="en-US"/>
           </a:p>
         </p:txBody>
       </p:sp>
@@ -7699,13 +7578,6 @@
   <p:clrMapOvr>
     <a:masterClrMapping/>
   </p:clrMapOvr>
-  <p:timing>
-    <p:tnLst>
-      <p:par>
-        <p:cTn id="1" dur="indefinite" restart="never" nodeType="tmRoot"/>
-      </p:par>
-    </p:tnLst>
-  </p:timing>
 </p:sld>
 </file>
 
@@ -7741,6 +7613,173 @@
           <a:bodyPr/>
           <a:lstStyle/>
           <a:p>
+            <a:r>
+              <a:rPr lang="en-US" dirty="0" smtClean="0"/>
+              <a:t>Basic Join</a:t>
+            </a:r>
+            <a:endParaRPr lang="en-US" dirty="0"/>
+          </a:p>
+        </p:txBody>
+      </p:sp>
+      <p:sp>
+        <p:nvSpPr>
+          <p:cNvPr id="3" name="Content Placeholder 2"/>
+          <p:cNvSpPr>
+            <a:spLocks noGrp="1"/>
+          </p:cNvSpPr>
+          <p:nvPr>
+            <p:ph idx="1"/>
+          </p:nvPr>
+        </p:nvSpPr>
+        <p:spPr/>
+        <p:txBody>
+          <a:bodyPr/>
+          <a:lstStyle/>
+          <a:p>
+            <a:pPr>
+              <a:buNone/>
+            </a:pPr>
+            <a:r>
+              <a:rPr lang="en-US" dirty="0"/>
+              <a:t>SELECT </a:t>
+            </a:r>
+            <a:r>
+              <a:rPr lang="en-US" dirty="0" err="1"/>
+              <a:t>BookTitle</a:t>
+            </a:r>
+            <a:r>
+              <a:rPr lang="en-US" dirty="0"/>
+              <a:t>, Copyright, </a:t>
+            </a:r>
+            <a:r>
+              <a:rPr lang="en-US" dirty="0" err="1"/>
+              <a:t>AuthID</a:t>
+            </a:r>
+            <a:endParaRPr lang="en-US" dirty="0"/>
+          </a:p>
+          <a:p>
+            <a:pPr>
+              <a:buNone/>
+            </a:pPr>
+            <a:r>
+              <a:rPr lang="en-US" dirty="0"/>
+              <a:t>FROM Books AS b, </a:t>
+            </a:r>
+            <a:r>
+              <a:rPr lang="en-US" dirty="0" err="1"/>
+              <a:t>AuthorBook</a:t>
+            </a:r>
+            <a:r>
+              <a:rPr lang="en-US" dirty="0"/>
+              <a:t> AS </a:t>
+            </a:r>
+            <a:r>
+              <a:rPr lang="en-US" dirty="0" err="1"/>
+              <a:t>ab</a:t>
+            </a:r>
+            <a:endParaRPr lang="en-US" dirty="0"/>
+          </a:p>
+          <a:p>
+            <a:pPr>
+              <a:buNone/>
+            </a:pPr>
+            <a:r>
+              <a:rPr lang="en-US" dirty="0"/>
+              <a:t>WHERE </a:t>
+            </a:r>
+            <a:r>
+              <a:rPr lang="en-US" dirty="0" err="1"/>
+              <a:t>b.BookID</a:t>
+            </a:r>
+            <a:r>
+              <a:rPr lang="en-US" dirty="0"/>
+              <a:t>=</a:t>
+            </a:r>
+            <a:r>
+              <a:rPr lang="en-US" dirty="0" err="1"/>
+              <a:t>ab.BookID</a:t>
+            </a:r>
+            <a:endParaRPr lang="en-US" dirty="0"/>
+          </a:p>
+          <a:p>
+            <a:pPr>
+              <a:buNone/>
+            </a:pPr>
+            <a:r>
+              <a:rPr lang="en-US" dirty="0"/>
+              <a:t>ORDER BY </a:t>
+            </a:r>
+            <a:r>
+              <a:rPr lang="en-US" dirty="0" err="1"/>
+              <a:t>BookTitle</a:t>
+            </a:r>
+            <a:r>
+              <a:rPr lang="en-US" dirty="0" smtClean="0"/>
+              <a:t>;</a:t>
+            </a:r>
+            <a:endParaRPr lang="en-US" dirty="0" smtClean="0"/>
+          </a:p>
+          <a:p>
+            <a:pPr>
+              <a:buNone/>
+            </a:pPr>
+            <a:endParaRPr lang="en-US" dirty="0"/>
+          </a:p>
+          <a:p>
+            <a:pPr>
+              <a:buNone/>
+            </a:pPr>
+            <a:endParaRPr lang="en-US" dirty="0"/>
+          </a:p>
+        </p:txBody>
+      </p:sp>
+    </p:spTree>
+  </p:cSld>
+  <p:clrMapOvr>
+    <a:masterClrMapping/>
+  </p:clrMapOvr>
+  <p:timing>
+    <p:tnLst>
+      <p:par>
+        <p:cTn id="1" dur="indefinite" restart="never" nodeType="tmRoot"/>
+      </p:par>
+    </p:tnLst>
+  </p:timing>
+</p:sld>
+</file>
+
+<file path=ppt/slides/slide27.xml><?xml version="1.0" encoding="utf-8"?>
+<p:sld xmlns:a="http://schemas.openxmlformats.org/drawingml/2006/main" xmlns:r="http://schemas.openxmlformats.org/officeDocument/2006/relationships" xmlns:p="http://schemas.openxmlformats.org/presentationml/2006/main">
+  <p:cSld>
+    <p:spTree>
+      <p:nvGrpSpPr>
+        <p:cNvPr id="1" name=""/>
+        <p:cNvGrpSpPr/>
+        <p:nvPr/>
+      </p:nvGrpSpPr>
+      <p:grpSpPr>
+        <a:xfrm>
+          <a:off x="0" y="0"/>
+          <a:ext cx="0" cy="0"/>
+          <a:chOff x="0" y="0"/>
+          <a:chExt cx="0" cy="0"/>
+        </a:xfrm>
+      </p:grpSpPr>
+      <p:sp>
+        <p:nvSpPr>
+          <p:cNvPr id="2" name="Title 1"/>
+          <p:cNvSpPr>
+            <a:spLocks noGrp="1"/>
+          </p:cNvSpPr>
+          <p:nvPr>
+            <p:ph type="title"/>
+          </p:nvPr>
+        </p:nvSpPr>
+        <p:spPr/>
+        <p:txBody>
+          <a:bodyPr/>
+          <a:lstStyle/>
+          <a:p>
             <a:endParaRPr lang="en-US"/>
           </a:p>
         </p:txBody>
@@ -7773,6 +7812,7 @@
               <a:rPr lang="en-US" b="1" dirty="0" smtClean="0"/>
               <a:t>database</a:t>
             </a:r>
+            <a:endParaRPr lang="en-US" b="1" dirty="0" smtClean="0"/>
           </a:p>
           <a:p>
             <a:pPr marL="0" lvl="0" indent="0">
@@ -7788,6 +7828,7 @@
               <a:rPr lang="en-US" dirty="0"/>
               <a:t>CREATE DATABASE DATABASE_NAME;</a:t>
             </a:r>
+            <a:endParaRPr lang="en-US" dirty="0"/>
           </a:p>
           <a:p>
             <a:pPr marL="0" indent="0">
@@ -7797,6 +7838,7 @@
               <a:rPr lang="en-US" dirty="0"/>
               <a:t> </a:t>
             </a:r>
+            <a:endParaRPr lang="en-US" dirty="0"/>
           </a:p>
           <a:p>
             <a:pPr marL="0" lvl="0" indent="0">
@@ -7806,6 +7848,7 @@
               <a:rPr lang="en-US" b="1" dirty="0"/>
               <a:t>Use database</a:t>
             </a:r>
+            <a:endParaRPr lang="en-US" b="1" dirty="0"/>
           </a:p>
           <a:p>
             <a:pPr marL="0" indent="0">
@@ -7815,6 +7858,7 @@
               <a:rPr lang="en-US" dirty="0"/>
               <a:t>USE DATABASE_NAME;</a:t>
             </a:r>
+            <a:endParaRPr lang="en-US" dirty="0"/>
           </a:p>
           <a:p>
             <a:pPr marL="0" indent="0">
@@ -7824,6 +7868,7 @@
               <a:rPr lang="en-US" dirty="0"/>
               <a:t> </a:t>
             </a:r>
+            <a:endParaRPr lang="en-US" dirty="0"/>
           </a:p>
           <a:p>
             <a:pPr marL="0" lvl="0" indent="0">
@@ -7833,6 +7878,7 @@
               <a:rPr lang="en-US" b="1" dirty="0"/>
               <a:t>Create your table of interest </a:t>
             </a:r>
+            <a:endParaRPr lang="en-US" b="1" dirty="0"/>
           </a:p>
           <a:p>
             <a:pPr marL="0" indent="0">
@@ -7842,6 +7888,7 @@
               <a:rPr lang="en-US" dirty="0"/>
               <a:t>CREATE TABLE TABLE_NAME</a:t>
             </a:r>
+            <a:endParaRPr lang="en-US" dirty="0"/>
           </a:p>
           <a:p>
             <a:pPr marL="0" indent="0">
@@ -7851,6 +7898,7 @@
               <a:rPr lang="en-US" dirty="0"/>
               <a:t>(</a:t>
             </a:r>
+            <a:endParaRPr lang="en-US" dirty="0"/>
           </a:p>
           <a:p>
             <a:pPr marL="0" indent="0">
@@ -7860,6 +7908,7 @@
               <a:rPr lang="en-US" dirty="0"/>
               <a:t>	ATTRIBUTE1 DATA_TYPE(SIZE),</a:t>
             </a:r>
+            <a:endParaRPr lang="en-US" dirty="0"/>
           </a:p>
           <a:p>
             <a:pPr marL="0" indent="0">
@@ -7869,6 +7918,7 @@
               <a:rPr lang="en-US" dirty="0"/>
               <a:t>	ATTRIBUTE1 DATA_TYPE(SIZE),</a:t>
             </a:r>
+            <a:endParaRPr lang="en-US" dirty="0"/>
           </a:p>
           <a:p>
             <a:pPr marL="0" indent="0">
@@ -7878,6 +7928,7 @@
               <a:rPr lang="en-US" dirty="0"/>
               <a:t>	ATTRIBUTE1 DATA_TYPE(SIZE),</a:t>
             </a:r>
+            <a:endParaRPr lang="en-US" dirty="0"/>
           </a:p>
           <a:p>
             <a:pPr marL="0" indent="0">
@@ -7887,6 +7938,7 @@
               <a:rPr lang="en-US" dirty="0"/>
               <a:t>	…....</a:t>
             </a:r>
+            <a:endParaRPr lang="en-US" dirty="0"/>
           </a:p>
           <a:p>
             <a:pPr marL="0" indent="0">
@@ -7896,6 +7948,7 @@
               <a:rPr lang="en-US" dirty="0"/>
               <a:t>);</a:t>
             </a:r>
+            <a:endParaRPr lang="en-US" dirty="0"/>
           </a:p>
           <a:p>
             <a:pPr marL="0" indent="0">
@@ -7905,15 +7958,11 @@
               <a:rPr lang="en-US" dirty="0"/>
               <a:t> </a:t>
             </a:r>
+            <a:endParaRPr lang="en-US" dirty="0"/>
           </a:p>
         </p:txBody>
       </p:sp>
     </p:spTree>
-    <p:extLst>
-      <p:ext uri="{BB962C8B-B14F-4D97-AF65-F5344CB8AC3E}">
-        <p14:creationId xmlns:p14="http://schemas.microsoft.com/office/powerpoint/2010/main" val="2505719545"/>
-      </p:ext>
-    </p:extLst>
   </p:cSld>
   <p:clrMapOvr>
     <a:masterClrMapping/>
@@ -8431,7 +8480,7 @@
 </p:sld>
 </file>
 
-<file path=ppt/slides/slide27.xml><?xml version="1.0" encoding="utf-8"?>
+<file path=ppt/slides/slide28.xml><?xml version="1.0" encoding="utf-8"?>
 <p:sld xmlns:a="http://schemas.openxmlformats.org/drawingml/2006/main" xmlns:r="http://schemas.openxmlformats.org/officeDocument/2006/relationships" xmlns:p="http://schemas.openxmlformats.org/presentationml/2006/main">
   <p:cSld>
     <p:spTree>
@@ -8499,6 +8548,7 @@
               <a:rPr lang="en-US" b="1" dirty="0" smtClean="0"/>
               <a:t>key</a:t>
             </a:r>
+            <a:endParaRPr lang="en-US" b="1" dirty="0" smtClean="0"/>
           </a:p>
           <a:p>
             <a:pPr marL="0" lvl="0" indent="0">
@@ -8514,6 +8564,7 @@
               <a:rPr lang="en-US" dirty="0"/>
               <a:t>ALTER TABLE TABLE_NAME ADD  PRIMARY KEY (ATTRIBUTE_NAME);</a:t>
             </a:r>
+            <a:endParaRPr lang="en-US" dirty="0"/>
           </a:p>
           <a:p>
             <a:pPr marL="0" indent="0">
@@ -8523,6 +8574,7 @@
               <a:rPr lang="en-US" dirty="0"/>
               <a:t> </a:t>
             </a:r>
+            <a:endParaRPr lang="en-US" dirty="0"/>
           </a:p>
           <a:p>
             <a:pPr marL="0" lvl="0" indent="0">
@@ -8536,6 +8588,7 @@
               <a:rPr lang="en-US" b="1" dirty="0" smtClean="0"/>
               <a:t>increment</a:t>
             </a:r>
+            <a:endParaRPr lang="en-US" b="1" dirty="0" smtClean="0"/>
           </a:p>
           <a:p>
             <a:pPr marL="0" lvl="0" indent="0">
@@ -8551,6 +8604,7 @@
               <a:rPr lang="en-US" dirty="0"/>
               <a:t>ALTER TABLE TABLE_NAME MODIFY ATTRIBUTE_NAME DATA-TYPE NEW_CONSTRAINS;</a:t>
             </a:r>
+            <a:endParaRPr lang="en-US" dirty="0"/>
           </a:p>
           <a:p>
             <a:pPr marL="0" indent="0">
@@ -8567,11 +8621,6 @@
         </p:txBody>
       </p:sp>
     </p:spTree>
-    <p:extLst>
-      <p:ext uri="{BB962C8B-B14F-4D97-AF65-F5344CB8AC3E}">
-        <p14:creationId xmlns:p14="http://schemas.microsoft.com/office/powerpoint/2010/main" val="3265812500"/>
-      </p:ext>
-    </p:extLst>
   </p:cSld>
   <p:clrMapOvr>
     <a:masterClrMapping/>
@@ -8787,7 +8836,7 @@
 </p:sld>
 </file>
 
-<file path=ppt/slides/slide28.xml><?xml version="1.0" encoding="utf-8"?>
+<file path=ppt/slides/slide29.xml><?xml version="1.0" encoding="utf-8"?>
 <p:sld xmlns:a="http://schemas.openxmlformats.org/drawingml/2006/main" xmlns:r="http://schemas.openxmlformats.org/officeDocument/2006/relationships" xmlns:p="http://schemas.openxmlformats.org/presentationml/2006/main">
   <p:cSld>
     <p:spTree>
@@ -8851,6 +8900,7 @@
               <a:rPr lang="en-US" b="1" dirty="0" smtClean="0"/>
               <a:t>key</a:t>
             </a:r>
+            <a:endParaRPr lang="en-US" b="1" dirty="0" smtClean="0"/>
           </a:p>
           <a:p>
             <a:pPr marL="0" lvl="0" indent="0">
@@ -8866,6 +8916,7 @@
               <a:rPr lang="en-US" dirty="0"/>
               <a:t>ALTER TABLE TABLE_NAME DROP PRIMARY KEY ;</a:t>
             </a:r>
+            <a:endParaRPr lang="en-US" dirty="0"/>
           </a:p>
           <a:p>
             <a:pPr marL="0" indent="0">
@@ -8875,6 +8926,7 @@
               <a:rPr lang="en-US" dirty="0"/>
               <a:t>ALTER TABLE TABLE_NAME ADD  PRIMARY KEY (ATTRIBUTE_NAME);</a:t>
             </a:r>
+            <a:endParaRPr lang="en-US" dirty="0"/>
           </a:p>
           <a:p>
             <a:pPr marL="0" indent="0">
@@ -8884,6 +8936,7 @@
               <a:rPr lang="en-US" dirty="0"/>
               <a:t>(But before dropping the primary key the constraints of attribute must be removed.) </a:t>
             </a:r>
+            <a:endParaRPr lang="en-US" dirty="0"/>
           </a:p>
           <a:p>
             <a:pPr marL="0" indent="0">
@@ -8893,6 +8946,7 @@
               <a:rPr lang="en-US" dirty="0"/>
               <a:t> </a:t>
             </a:r>
+            <a:endParaRPr lang="en-US" dirty="0"/>
           </a:p>
           <a:p>
             <a:pPr marL="0" lvl="0" indent="0">
@@ -8922,6 +8976,7 @@
               <a:rPr lang="en-US" dirty="0" smtClean="0"/>
               <a:t>;</a:t>
             </a:r>
+            <a:endParaRPr lang="en-US" dirty="0" smtClean="0"/>
           </a:p>
           <a:p>
             <a:pPr marL="0" indent="0">
@@ -8951,6 +9006,7 @@
               <a:rPr lang="en-US" dirty="0"/>
               <a:t>ALTER TABLE TABLE_NAME CHANGE OLD_COLUMN NEW_COLUMN  CONSTRAINS;</a:t>
             </a:r>
+            <a:endParaRPr lang="en-US" dirty="0"/>
           </a:p>
           <a:p>
             <a:endParaRPr lang="en-US" dirty="0"/>
@@ -8961,11 +9017,6 @@
         </p:txBody>
       </p:sp>
     </p:spTree>
-    <p:extLst>
-      <p:ext uri="{BB962C8B-B14F-4D97-AF65-F5344CB8AC3E}">
-        <p14:creationId xmlns:p14="http://schemas.microsoft.com/office/powerpoint/2010/main" val="761662517"/>
-      </p:ext>
-    </p:extLst>
   </p:cSld>
   <p:clrMapOvr>
     <a:masterClrMapping/>
@@ -9292,7 +9343,388 @@
 </p:sld>
 </file>
 
-<file path=ppt/slides/slide29.xml><?xml version="1.0" encoding="utf-8"?>
+<file path=ppt/slides/slide3.xml><?xml version="1.0" encoding="utf-8"?>
+<p:sld xmlns:a="http://schemas.openxmlformats.org/drawingml/2006/main" xmlns:r="http://schemas.openxmlformats.org/officeDocument/2006/relationships" xmlns:p="http://schemas.openxmlformats.org/presentationml/2006/main" showMasterPhAnim="0">
+  <p:cSld>
+    <p:spTree>
+      <p:nvGrpSpPr>
+        <p:cNvPr id="1" name=""/>
+        <p:cNvGrpSpPr/>
+        <p:nvPr/>
+      </p:nvGrpSpPr>
+      <p:grpSpPr>
+        <a:xfrm>
+          <a:off x="0" y="0"/>
+          <a:ext cx="0" cy="0"/>
+          <a:chOff x="0" y="0"/>
+          <a:chExt cx="0" cy="0"/>
+        </a:xfrm>
+      </p:grpSpPr>
+      <p:sp>
+        <p:nvSpPr>
+          <p:cNvPr id="337922" name="Rectangle 2"/>
+          <p:cNvSpPr>
+            <a:spLocks noGrp="1" noChangeArrowheads="1"/>
+          </p:cNvSpPr>
+          <p:nvPr>
+            <p:ph type="title"/>
+          </p:nvPr>
+        </p:nvSpPr>
+        <p:spPr>
+          <a:xfrm>
+            <a:off x="685800" y="373063"/>
+            <a:ext cx="7772400" cy="817562"/>
+          </a:xfrm>
+        </p:spPr>
+        <p:txBody>
+          <a:bodyPr/>
+          <a:lstStyle/>
+          <a:p>
+            <a:pPr eaLnBrk="1" fontAlgn="auto" hangingPunct="1">
+              <a:spcAft>
+                <a:spcPts val="0"/>
+              </a:spcAft>
+              <a:defRPr/>
+            </a:pPr>
+            <a:r>
+              <a:rPr smtClean="0"/>
+              <a:t>Purpose of SQL Standard</a:t>
+            </a:r>
+            <a:endParaRPr smtClean="0"/>
+          </a:p>
+        </p:txBody>
+      </p:sp>
+      <p:sp>
+        <p:nvSpPr>
+          <p:cNvPr id="19459" name="Rectangle 3"/>
+          <p:cNvSpPr>
+            <a:spLocks noGrp="1" noChangeArrowheads="1"/>
+          </p:cNvSpPr>
+          <p:nvPr>
+            <p:ph idx="1"/>
+          </p:nvPr>
+        </p:nvSpPr>
+        <p:spPr>
+          <a:xfrm>
+            <a:off x="533400" y="1447800"/>
+            <a:ext cx="7772400" cy="4114800"/>
+          </a:xfrm>
+        </p:spPr>
+        <p:txBody>
+          <a:bodyPr>
+            <a:normAutofit/>
+          </a:bodyPr>
+          <a:lstStyle/>
+          <a:p>
+            <a:pPr eaLnBrk="1" hangingPunct="1">
+              <a:lnSpc>
+                <a:spcPct val="90000"/>
+              </a:lnSpc>
+            </a:pPr>
+            <a:r>
+              <a:rPr lang="en-US" sz="2800" dirty="0" smtClean="0"/>
+              <a:t>Specify syntax/semantics for data definition and manipulation</a:t>
+            </a:r>
+            <a:endParaRPr lang="en-US" sz="2800" dirty="0" smtClean="0"/>
+          </a:p>
+          <a:p>
+            <a:pPr eaLnBrk="1" hangingPunct="1">
+              <a:lnSpc>
+                <a:spcPct val="90000"/>
+              </a:lnSpc>
+            </a:pPr>
+            <a:r>
+              <a:rPr lang="en-US" sz="2800" dirty="0" smtClean="0"/>
+              <a:t>Define data structures and basic operations</a:t>
+            </a:r>
+            <a:endParaRPr lang="en-US" sz="2800" dirty="0" smtClean="0"/>
+          </a:p>
+          <a:p>
+            <a:pPr eaLnBrk="1" hangingPunct="1">
+              <a:lnSpc>
+                <a:spcPct val="90000"/>
+              </a:lnSpc>
+            </a:pPr>
+            <a:r>
+              <a:rPr lang="en-US" sz="2800" dirty="0" smtClean="0"/>
+              <a:t>Enable portability of database definition and application modules</a:t>
+            </a:r>
+            <a:endParaRPr lang="en-US" sz="2800" dirty="0" smtClean="0"/>
+          </a:p>
+          <a:p>
+            <a:pPr eaLnBrk="1" hangingPunct="1">
+              <a:lnSpc>
+                <a:spcPct val="90000"/>
+              </a:lnSpc>
+            </a:pPr>
+            <a:r>
+              <a:rPr lang="en-US" sz="2800" dirty="0" smtClean="0"/>
+              <a:t>Allow </a:t>
+            </a:r>
+            <a:r>
+              <a:rPr lang="en-US" sz="2800" dirty="0" smtClean="0"/>
+              <a:t>for later growth/enhancement to standard (referential integrity, transaction management</a:t>
+            </a:r>
+            <a:r>
+              <a:rPr lang="en-US" sz="2800" dirty="0" smtClean="0"/>
+              <a:t>, </a:t>
+            </a:r>
+            <a:r>
+              <a:rPr lang="en-US" sz="2800" dirty="0" smtClean="0"/>
+              <a:t>extended join </a:t>
+            </a:r>
+            <a:r>
+              <a:rPr lang="en-US" sz="2800" dirty="0" smtClean="0"/>
+              <a:t>operations)</a:t>
+            </a:r>
+            <a:endParaRPr lang="en-US" sz="2800" dirty="0" smtClean="0"/>
+          </a:p>
+        </p:txBody>
+      </p:sp>
+      <p:sp>
+        <p:nvSpPr>
+          <p:cNvPr id="19460" name="Slide Number Placeholder 3"/>
+          <p:cNvSpPr>
+            <a:spLocks noGrp="1"/>
+          </p:cNvSpPr>
+          <p:nvPr>
+            <p:ph type="sldNum" sz="quarter" idx="12"/>
+          </p:nvPr>
+        </p:nvSpPr>
+        <p:spPr bwMode="auto">
+          <a:noFill/>
+          <a:extLst>
+            <a:ext uri="{909E8E84-426E-40DD-AFC4-6F175D3DCCD1}">
+              <a14:hiddenFill xmlns:a14="http://schemas.microsoft.com/office/drawing/2010/main">
+                <a:solidFill>
+                  <a:srgbClr val="FFFFFF"/>
+                </a:solidFill>
+              </a14:hiddenFill>
+            </a:ext>
+            <a:ext uri="{91240B29-F687-4F45-9708-019B960494DF}">
+              <a14:hiddenLine xmlns:a14="http://schemas.microsoft.com/office/drawing/2010/main" w="9525">
+                <a:solidFill>
+                  <a:srgbClr val="000000"/>
+                </a:solidFill>
+                <a:miter lim="800000"/>
+                <a:headEnd/>
+                <a:tailEnd/>
+              </a14:hiddenLine>
+            </a:ext>
+          </a:extLst>
+        </p:spPr>
+        <p:txBody>
+          <a:bodyPr/>
+          <a:lstStyle>
+            <a:lvl1pPr>
+              <a:spcBef>
+                <a:spcPct val="20000"/>
+              </a:spcBef>
+              <a:buClr>
+                <a:schemeClr val="accent1"/>
+              </a:buClr>
+              <a:buSzPct val="70000"/>
+              <a:buFont typeface="Wingdings 2" panose="05020102010507070707" pitchFamily="18" charset="2"/>
+              <a:buChar char=""/>
+              <a:defRPr sz="3200">
+                <a:solidFill>
+                  <a:schemeClr val="tx2"/>
+                </a:solidFill>
+                <a:latin typeface="Franklin Gothic Book" panose="020B0503020102020204" pitchFamily="34" charset="0"/>
+              </a:defRPr>
+            </a:lvl1pPr>
+            <a:lvl2pPr marL="742950" indent="-285750">
+              <a:spcBef>
+                <a:spcPct val="20000"/>
+              </a:spcBef>
+              <a:buClr>
+                <a:schemeClr val="accent1"/>
+              </a:buClr>
+              <a:buSzPct val="70000"/>
+              <a:buFont typeface="Wingdings 2" panose="05020102010507070707" pitchFamily="18" charset="2"/>
+              <a:buChar char=""/>
+              <a:defRPr sz="2800">
+                <a:solidFill>
+                  <a:schemeClr val="tx2"/>
+                </a:solidFill>
+                <a:latin typeface="Franklin Gothic Book" panose="020B0503020102020204" pitchFamily="34" charset="0"/>
+              </a:defRPr>
+            </a:lvl2pPr>
+            <a:lvl3pPr marL="1143000" indent="-228600">
+              <a:spcBef>
+                <a:spcPct val="20000"/>
+              </a:spcBef>
+              <a:buClr>
+                <a:schemeClr val="accent1"/>
+              </a:buClr>
+              <a:buSzPct val="70000"/>
+              <a:buFont typeface="Wingdings 2" panose="05020102010507070707" pitchFamily="18" charset="2"/>
+              <a:buChar char=""/>
+              <a:defRPr sz="2400">
+                <a:solidFill>
+                  <a:schemeClr val="tx2"/>
+                </a:solidFill>
+                <a:latin typeface="Franklin Gothic Book" panose="020B0503020102020204" pitchFamily="34" charset="0"/>
+              </a:defRPr>
+            </a:lvl3pPr>
+            <a:lvl4pPr marL="1600200" indent="-228600">
+              <a:spcBef>
+                <a:spcPct val="20000"/>
+              </a:spcBef>
+              <a:buClr>
+                <a:schemeClr val="accent1"/>
+              </a:buClr>
+              <a:buSzPct val="70000"/>
+              <a:buFont typeface="Wingdings 2" panose="05020102010507070707" pitchFamily="18" charset="2"/>
+              <a:buChar char=""/>
+              <a:defRPr sz="2000">
+                <a:solidFill>
+                  <a:schemeClr val="tx2"/>
+                </a:solidFill>
+                <a:latin typeface="Franklin Gothic Book" panose="020B0503020102020204" pitchFamily="34" charset="0"/>
+              </a:defRPr>
+            </a:lvl4pPr>
+            <a:lvl5pPr marL="2057400" indent="-228600">
+              <a:spcBef>
+                <a:spcPct val="20000"/>
+              </a:spcBef>
+              <a:buClr>
+                <a:schemeClr val="accent1"/>
+              </a:buClr>
+              <a:buSzPct val="60000"/>
+              <a:buFont typeface="Wingdings 2" panose="05020102010507070707" pitchFamily="18" charset="2"/>
+              <a:buChar char=""/>
+              <a:defRPr>
+                <a:solidFill>
+                  <a:schemeClr val="tx2"/>
+                </a:solidFill>
+                <a:latin typeface="Franklin Gothic Book" panose="020B0503020102020204" pitchFamily="34" charset="0"/>
+              </a:defRPr>
+            </a:lvl5pPr>
+            <a:lvl6pPr marL="2514600" indent="-228600" eaLnBrk="0" fontAlgn="base" hangingPunct="0">
+              <a:spcBef>
+                <a:spcPct val="20000"/>
+              </a:spcBef>
+              <a:spcAft>
+                <a:spcPct val="0"/>
+              </a:spcAft>
+              <a:buClr>
+                <a:schemeClr val="accent1"/>
+              </a:buClr>
+              <a:buSzPct val="60000"/>
+              <a:buFont typeface="Wingdings 2" panose="05020102010507070707" pitchFamily="18" charset="2"/>
+              <a:buChar char=""/>
+              <a:defRPr>
+                <a:solidFill>
+                  <a:schemeClr val="tx2"/>
+                </a:solidFill>
+                <a:latin typeface="Franklin Gothic Book" panose="020B0503020102020204" pitchFamily="34" charset="0"/>
+              </a:defRPr>
+            </a:lvl6pPr>
+            <a:lvl7pPr marL="2971800" indent="-228600" eaLnBrk="0" fontAlgn="base" hangingPunct="0">
+              <a:spcBef>
+                <a:spcPct val="20000"/>
+              </a:spcBef>
+              <a:spcAft>
+                <a:spcPct val="0"/>
+              </a:spcAft>
+              <a:buClr>
+                <a:schemeClr val="accent1"/>
+              </a:buClr>
+              <a:buSzPct val="60000"/>
+              <a:buFont typeface="Wingdings 2" panose="05020102010507070707" pitchFamily="18" charset="2"/>
+              <a:buChar char=""/>
+              <a:defRPr>
+                <a:solidFill>
+                  <a:schemeClr val="tx2"/>
+                </a:solidFill>
+                <a:latin typeface="Franklin Gothic Book" panose="020B0503020102020204" pitchFamily="34" charset="0"/>
+              </a:defRPr>
+            </a:lvl7pPr>
+            <a:lvl8pPr marL="3429000" indent="-228600" eaLnBrk="0" fontAlgn="base" hangingPunct="0">
+              <a:spcBef>
+                <a:spcPct val="20000"/>
+              </a:spcBef>
+              <a:spcAft>
+                <a:spcPct val="0"/>
+              </a:spcAft>
+              <a:buClr>
+                <a:schemeClr val="accent1"/>
+              </a:buClr>
+              <a:buSzPct val="60000"/>
+              <a:buFont typeface="Wingdings 2" panose="05020102010507070707" pitchFamily="18" charset="2"/>
+              <a:buChar char=""/>
+              <a:defRPr>
+                <a:solidFill>
+                  <a:schemeClr val="tx2"/>
+                </a:solidFill>
+                <a:latin typeface="Franklin Gothic Book" panose="020B0503020102020204" pitchFamily="34" charset="0"/>
+              </a:defRPr>
+            </a:lvl8pPr>
+            <a:lvl9pPr marL="3886200" indent="-228600" eaLnBrk="0" fontAlgn="base" hangingPunct="0">
+              <a:spcBef>
+                <a:spcPct val="20000"/>
+              </a:spcBef>
+              <a:spcAft>
+                <a:spcPct val="0"/>
+              </a:spcAft>
+              <a:buClr>
+                <a:schemeClr val="accent1"/>
+              </a:buClr>
+              <a:buSzPct val="60000"/>
+              <a:buFont typeface="Wingdings 2" panose="05020102010507070707" pitchFamily="18" charset="2"/>
+              <a:buChar char=""/>
+              <a:defRPr>
+                <a:solidFill>
+                  <a:schemeClr val="tx2"/>
+                </a:solidFill>
+                <a:latin typeface="Franklin Gothic Book" panose="020B0503020102020204" pitchFamily="34" charset="0"/>
+              </a:defRPr>
+            </a:lvl9pPr>
+          </a:lstStyle>
+          <a:p>
+            <a:pPr>
+              <a:spcBef>
+                <a:spcPct val="0"/>
+              </a:spcBef>
+              <a:buClrTx/>
+              <a:buSzTx/>
+              <a:buFontTx/>
+              <a:buNone/>
+            </a:pPr>
+            <a:fld id="{9D30BF94-4FD6-48D9-AA03-4EE90926BB59}" type="slidenum">
+              <a:rPr lang="en-US" sz="1200">
+                <a:solidFill>
+                  <a:srgbClr val="D38E27"/>
+                </a:solidFill>
+                <a:latin typeface="Tahoma" panose="020B0604030504040204" pitchFamily="34" charset="0"/>
+              </a:rPr>
+            </a:fld>
+            <a:endParaRPr lang="en-US" sz="1200">
+              <a:solidFill>
+                <a:srgbClr val="D38E27"/>
+              </a:solidFill>
+              <a:latin typeface="Tahoma" panose="020B0604030504040204" pitchFamily="34" charset="0"/>
+            </a:endParaRPr>
+          </a:p>
+        </p:txBody>
+      </p:sp>
+    </p:spTree>
+  </p:cSld>
+  <p:clrMapOvr>
+    <a:masterClrMapping/>
+  </p:clrMapOvr>
+  <p:timing>
+    <p:tnLst>
+      <p:par>
+        <p:cTn id="1" dur="indefinite" restart="never" nodeType="tmRoot"/>
+      </p:par>
+    </p:tnLst>
+  </p:timing>
+</p:sld>
+</file>
+
+<file path=ppt/slides/slide30.xml><?xml version="1.0" encoding="utf-8"?>
 <p:sld xmlns:a="http://schemas.openxmlformats.org/drawingml/2006/main" xmlns:r="http://schemas.openxmlformats.org/officeDocument/2006/relationships" xmlns:p="http://schemas.openxmlformats.org/presentationml/2006/main">
   <p:cSld>
     <p:spTree>
@@ -9352,6 +9784,7 @@
               <a:rPr lang="en-US" b="1" dirty="0"/>
               <a:t>Modify column data type and constraint</a:t>
             </a:r>
+            <a:endParaRPr lang="en-US" b="1" dirty="0"/>
           </a:p>
           <a:p>
             <a:pPr marL="0" indent="0">
@@ -9361,6 +9794,7 @@
               <a:rPr lang="en-US" dirty="0"/>
               <a:t>ALTER TABLE TABLE_NAME MODIFY COLUMN_NAME OLD_CONSTRAINS NEW_CONSTRAINS</a:t>
             </a:r>
+            <a:endParaRPr lang="en-US" dirty="0"/>
           </a:p>
           <a:p>
             <a:pPr marL="0" lvl="0" indent="0">
@@ -9370,6 +9804,7 @@
               <a:rPr lang="en-US" b="1" dirty="0"/>
               <a:t>Rename column</a:t>
             </a:r>
+            <a:endParaRPr lang="en-US" b="1" dirty="0"/>
           </a:p>
           <a:p>
             <a:pPr marL="0" indent="0">
@@ -9379,6 +9814,7 @@
               <a:rPr lang="en-US" dirty="0"/>
               <a:t>ALTER TABLE TABLE_NAME CHANGE OLD_COLUMN NEW_COLUMN  CONSTRAINS;</a:t>
             </a:r>
+            <a:endParaRPr lang="en-US" dirty="0"/>
           </a:p>
           <a:p>
             <a:pPr marL="0" lvl="0" indent="0">
@@ -9388,6 +9824,7 @@
               <a:rPr lang="en-US" b="1" dirty="0"/>
               <a:t>Rename table</a:t>
             </a:r>
+            <a:endParaRPr lang="en-US" b="1" dirty="0"/>
           </a:p>
           <a:p>
             <a:pPr marL="0" indent="0">
@@ -9397,6 +9834,7 @@
               <a:rPr lang="en-US" dirty="0"/>
               <a:t>ALTER TABLE TABLE_NAME RENAME TO NEW_TABLE_NAME;</a:t>
             </a:r>
+            <a:endParaRPr lang="en-US" dirty="0"/>
           </a:p>
           <a:p>
             <a:pPr marL="0" indent="0">
@@ -9407,11 +9845,6 @@
         </p:txBody>
       </p:sp>
     </p:spTree>
-    <p:extLst>
-      <p:ext uri="{BB962C8B-B14F-4D97-AF65-F5344CB8AC3E}">
-        <p14:creationId xmlns:p14="http://schemas.microsoft.com/office/powerpoint/2010/main" val="3341745410"/>
-      </p:ext>
-    </p:extLst>
   </p:cSld>
   <p:clrMapOvr>
     <a:masterClrMapping/>
@@ -9694,399 +10127,7 @@
 </p:sld>
 </file>
 
-<file path=ppt/slides/slide3.xml><?xml version="1.0" encoding="utf-8"?>
-<p:sld xmlns:a="http://schemas.openxmlformats.org/drawingml/2006/main" xmlns:r="http://schemas.openxmlformats.org/officeDocument/2006/relationships" xmlns:p="http://schemas.openxmlformats.org/presentationml/2006/main" showMasterPhAnim="0">
-  <p:cSld>
-    <p:spTree>
-      <p:nvGrpSpPr>
-        <p:cNvPr id="1" name=""/>
-        <p:cNvGrpSpPr/>
-        <p:nvPr/>
-      </p:nvGrpSpPr>
-      <p:grpSpPr>
-        <a:xfrm>
-          <a:off x="0" y="0"/>
-          <a:ext cx="0" cy="0"/>
-          <a:chOff x="0" y="0"/>
-          <a:chExt cx="0" cy="0"/>
-        </a:xfrm>
-      </p:grpSpPr>
-      <p:sp>
-        <p:nvSpPr>
-          <p:cNvPr id="337922" name="Rectangle 2"/>
-          <p:cNvSpPr>
-            <a:spLocks noGrp="1" noChangeArrowheads="1"/>
-          </p:cNvSpPr>
-          <p:nvPr>
-            <p:ph type="title"/>
-          </p:nvPr>
-        </p:nvSpPr>
-        <p:spPr>
-          <a:xfrm>
-            <a:off x="685800" y="373063"/>
-            <a:ext cx="7772400" cy="817562"/>
-          </a:xfrm>
-        </p:spPr>
-        <p:txBody>
-          <a:bodyPr/>
-          <a:lstStyle/>
-          <a:p>
-            <a:pPr eaLnBrk="1" fontAlgn="auto" hangingPunct="1">
-              <a:spcAft>
-                <a:spcPts val="0"/>
-              </a:spcAft>
-              <a:defRPr/>
-            </a:pPr>
-            <a:r>
-              <a:rPr smtClean="0"/>
-              <a:t>Purpose of SQL Standard</a:t>
-            </a:r>
-          </a:p>
-        </p:txBody>
-      </p:sp>
-      <p:sp>
-        <p:nvSpPr>
-          <p:cNvPr id="19459" name="Rectangle 3"/>
-          <p:cNvSpPr>
-            <a:spLocks noGrp="1" noChangeArrowheads="1"/>
-          </p:cNvSpPr>
-          <p:nvPr>
-            <p:ph idx="1"/>
-          </p:nvPr>
-        </p:nvSpPr>
-        <p:spPr>
-          <a:xfrm>
-            <a:off x="533400" y="1447800"/>
-            <a:ext cx="7772400" cy="4114800"/>
-          </a:xfrm>
-        </p:spPr>
-        <p:txBody>
-          <a:bodyPr>
-            <a:normAutofit/>
-          </a:bodyPr>
-          <a:lstStyle/>
-          <a:p>
-            <a:pPr eaLnBrk="1" hangingPunct="1">
-              <a:lnSpc>
-                <a:spcPct val="90000"/>
-              </a:lnSpc>
-            </a:pPr>
-            <a:r>
-              <a:rPr lang="en-US" sz="2800" dirty="0" smtClean="0"/>
-              <a:t>Specify syntax/semantics for data definition and manipulation</a:t>
-            </a:r>
-          </a:p>
-          <a:p>
-            <a:pPr eaLnBrk="1" hangingPunct="1">
-              <a:lnSpc>
-                <a:spcPct val="90000"/>
-              </a:lnSpc>
-            </a:pPr>
-            <a:r>
-              <a:rPr lang="en-US" sz="2800" dirty="0" smtClean="0"/>
-              <a:t>Define data structures and basic operations</a:t>
-            </a:r>
-          </a:p>
-          <a:p>
-            <a:pPr eaLnBrk="1" hangingPunct="1">
-              <a:lnSpc>
-                <a:spcPct val="90000"/>
-              </a:lnSpc>
-            </a:pPr>
-            <a:r>
-              <a:rPr lang="en-US" sz="2800" dirty="0" smtClean="0"/>
-              <a:t>Enable portability of database definition and application modules</a:t>
-            </a:r>
-          </a:p>
-          <a:p>
-            <a:pPr eaLnBrk="1" hangingPunct="1">
-              <a:lnSpc>
-                <a:spcPct val="90000"/>
-              </a:lnSpc>
-            </a:pPr>
-            <a:r>
-              <a:rPr lang="en-US" sz="2800" dirty="0" smtClean="0"/>
-              <a:t>Allow </a:t>
-            </a:r>
-            <a:r>
-              <a:rPr lang="en-US" sz="2800" dirty="0" smtClean="0"/>
-              <a:t>for later growth/enhancement to standard (referential integrity, transaction management</a:t>
-            </a:r>
-            <a:r>
-              <a:rPr lang="en-US" sz="2800" dirty="0" smtClean="0"/>
-              <a:t>, </a:t>
-            </a:r>
-            <a:r>
-              <a:rPr lang="en-US" sz="2800" dirty="0" smtClean="0"/>
-              <a:t>extended join </a:t>
-            </a:r>
-            <a:r>
-              <a:rPr lang="en-US" sz="2800" dirty="0" smtClean="0"/>
-              <a:t>operations)</a:t>
-            </a:r>
-            <a:endParaRPr lang="en-US" sz="2800" dirty="0" smtClean="0"/>
-          </a:p>
-        </p:txBody>
-      </p:sp>
-      <p:sp>
-        <p:nvSpPr>
-          <p:cNvPr id="19460" name="Slide Number Placeholder 3"/>
-          <p:cNvSpPr>
-            <a:spLocks noGrp="1"/>
-          </p:cNvSpPr>
-          <p:nvPr>
-            <p:ph type="sldNum" sz="quarter" idx="12"/>
-          </p:nvPr>
-        </p:nvSpPr>
-        <p:spPr bwMode="auto">
-          <a:noFill/>
-          <a:extLst>
-            <a:ext uri="{909E8E84-426E-40DD-AFC4-6F175D3DCCD1}">
-              <a14:hiddenFill xmlns:a14="http://schemas.microsoft.com/office/drawing/2010/main">
-                <a:solidFill>
-                  <a:srgbClr val="FFFFFF"/>
-                </a:solidFill>
-              </a14:hiddenFill>
-            </a:ext>
-            <a:ext uri="{91240B29-F687-4F45-9708-019B960494DF}">
-              <a14:hiddenLine xmlns:a14="http://schemas.microsoft.com/office/drawing/2010/main" w="9525">
-                <a:solidFill>
-                  <a:srgbClr val="000000"/>
-                </a:solidFill>
-                <a:miter lim="800000"/>
-                <a:headEnd/>
-                <a:tailEnd/>
-              </a14:hiddenLine>
-            </a:ext>
-          </a:extLst>
-        </p:spPr>
-        <p:txBody>
-          <a:bodyPr/>
-          <a:lstStyle>
-            <a:lvl1pPr>
-              <a:spcBef>
-                <a:spcPct val="20000"/>
-              </a:spcBef>
-              <a:buClr>
-                <a:schemeClr val="accent1"/>
-              </a:buClr>
-              <a:buSzPct val="70000"/>
-              <a:buFont typeface="Wingdings 2" panose="05020102010507070707" pitchFamily="18" charset="2"/>
-              <a:buChar char=""/>
-              <a:defRPr sz="3200">
-                <a:solidFill>
-                  <a:schemeClr val="tx2"/>
-                </a:solidFill>
-                <a:latin typeface="Franklin Gothic Book" panose="020B0503020102020204" pitchFamily="34" charset="0"/>
-              </a:defRPr>
-            </a:lvl1pPr>
-            <a:lvl2pPr marL="742950" indent="-285750">
-              <a:spcBef>
-                <a:spcPct val="20000"/>
-              </a:spcBef>
-              <a:buClr>
-                <a:schemeClr val="accent1"/>
-              </a:buClr>
-              <a:buSzPct val="70000"/>
-              <a:buFont typeface="Wingdings 2" panose="05020102010507070707" pitchFamily="18" charset="2"/>
-              <a:buChar char=""/>
-              <a:defRPr sz="2800">
-                <a:solidFill>
-                  <a:schemeClr val="tx2"/>
-                </a:solidFill>
-                <a:latin typeface="Franklin Gothic Book" panose="020B0503020102020204" pitchFamily="34" charset="0"/>
-              </a:defRPr>
-            </a:lvl2pPr>
-            <a:lvl3pPr marL="1143000" indent="-228600">
-              <a:spcBef>
-                <a:spcPct val="20000"/>
-              </a:spcBef>
-              <a:buClr>
-                <a:schemeClr val="accent1"/>
-              </a:buClr>
-              <a:buSzPct val="70000"/>
-              <a:buFont typeface="Wingdings 2" panose="05020102010507070707" pitchFamily="18" charset="2"/>
-              <a:buChar char=""/>
-              <a:defRPr sz="2400">
-                <a:solidFill>
-                  <a:schemeClr val="tx2"/>
-                </a:solidFill>
-                <a:latin typeface="Franklin Gothic Book" panose="020B0503020102020204" pitchFamily="34" charset="0"/>
-              </a:defRPr>
-            </a:lvl3pPr>
-            <a:lvl4pPr marL="1600200" indent="-228600">
-              <a:spcBef>
-                <a:spcPct val="20000"/>
-              </a:spcBef>
-              <a:buClr>
-                <a:schemeClr val="accent1"/>
-              </a:buClr>
-              <a:buSzPct val="70000"/>
-              <a:buFont typeface="Wingdings 2" panose="05020102010507070707" pitchFamily="18" charset="2"/>
-              <a:buChar char=""/>
-              <a:defRPr sz="2000">
-                <a:solidFill>
-                  <a:schemeClr val="tx2"/>
-                </a:solidFill>
-                <a:latin typeface="Franklin Gothic Book" panose="020B0503020102020204" pitchFamily="34" charset="0"/>
-              </a:defRPr>
-            </a:lvl4pPr>
-            <a:lvl5pPr marL="2057400" indent="-228600">
-              <a:spcBef>
-                <a:spcPct val="20000"/>
-              </a:spcBef>
-              <a:buClr>
-                <a:schemeClr val="accent1"/>
-              </a:buClr>
-              <a:buSzPct val="60000"/>
-              <a:buFont typeface="Wingdings 2" panose="05020102010507070707" pitchFamily="18" charset="2"/>
-              <a:buChar char=""/>
-              <a:defRPr>
-                <a:solidFill>
-                  <a:schemeClr val="tx2"/>
-                </a:solidFill>
-                <a:latin typeface="Franklin Gothic Book" panose="020B0503020102020204" pitchFamily="34" charset="0"/>
-              </a:defRPr>
-            </a:lvl5pPr>
-            <a:lvl6pPr marL="2514600" indent="-228600" eaLnBrk="0" fontAlgn="base" hangingPunct="0">
-              <a:spcBef>
-                <a:spcPct val="20000"/>
-              </a:spcBef>
-              <a:spcAft>
-                <a:spcPct val="0"/>
-              </a:spcAft>
-              <a:buClr>
-                <a:schemeClr val="accent1"/>
-              </a:buClr>
-              <a:buSzPct val="60000"/>
-              <a:buFont typeface="Wingdings 2" panose="05020102010507070707" pitchFamily="18" charset="2"/>
-              <a:buChar char=""/>
-              <a:defRPr>
-                <a:solidFill>
-                  <a:schemeClr val="tx2"/>
-                </a:solidFill>
-                <a:latin typeface="Franklin Gothic Book" panose="020B0503020102020204" pitchFamily="34" charset="0"/>
-              </a:defRPr>
-            </a:lvl6pPr>
-            <a:lvl7pPr marL="2971800" indent="-228600" eaLnBrk="0" fontAlgn="base" hangingPunct="0">
-              <a:spcBef>
-                <a:spcPct val="20000"/>
-              </a:spcBef>
-              <a:spcAft>
-                <a:spcPct val="0"/>
-              </a:spcAft>
-              <a:buClr>
-                <a:schemeClr val="accent1"/>
-              </a:buClr>
-              <a:buSzPct val="60000"/>
-              <a:buFont typeface="Wingdings 2" panose="05020102010507070707" pitchFamily="18" charset="2"/>
-              <a:buChar char=""/>
-              <a:defRPr>
-                <a:solidFill>
-                  <a:schemeClr val="tx2"/>
-                </a:solidFill>
-                <a:latin typeface="Franklin Gothic Book" panose="020B0503020102020204" pitchFamily="34" charset="0"/>
-              </a:defRPr>
-            </a:lvl7pPr>
-            <a:lvl8pPr marL="3429000" indent="-228600" eaLnBrk="0" fontAlgn="base" hangingPunct="0">
-              <a:spcBef>
-                <a:spcPct val="20000"/>
-              </a:spcBef>
-              <a:spcAft>
-                <a:spcPct val="0"/>
-              </a:spcAft>
-              <a:buClr>
-                <a:schemeClr val="accent1"/>
-              </a:buClr>
-              <a:buSzPct val="60000"/>
-              <a:buFont typeface="Wingdings 2" panose="05020102010507070707" pitchFamily="18" charset="2"/>
-              <a:buChar char=""/>
-              <a:defRPr>
-                <a:solidFill>
-                  <a:schemeClr val="tx2"/>
-                </a:solidFill>
-                <a:latin typeface="Franklin Gothic Book" panose="020B0503020102020204" pitchFamily="34" charset="0"/>
-              </a:defRPr>
-            </a:lvl8pPr>
-            <a:lvl9pPr marL="3886200" indent="-228600" eaLnBrk="0" fontAlgn="base" hangingPunct="0">
-              <a:spcBef>
-                <a:spcPct val="20000"/>
-              </a:spcBef>
-              <a:spcAft>
-                <a:spcPct val="0"/>
-              </a:spcAft>
-              <a:buClr>
-                <a:schemeClr val="accent1"/>
-              </a:buClr>
-              <a:buSzPct val="60000"/>
-              <a:buFont typeface="Wingdings 2" panose="05020102010507070707" pitchFamily="18" charset="2"/>
-              <a:buChar char=""/>
-              <a:defRPr>
-                <a:solidFill>
-                  <a:schemeClr val="tx2"/>
-                </a:solidFill>
-                <a:latin typeface="Franklin Gothic Book" panose="020B0503020102020204" pitchFamily="34" charset="0"/>
-              </a:defRPr>
-            </a:lvl9pPr>
-          </a:lstStyle>
-          <a:p>
-            <a:pPr>
-              <a:spcBef>
-                <a:spcPct val="0"/>
-              </a:spcBef>
-              <a:buClrTx/>
-              <a:buSzTx/>
-              <a:buFontTx/>
-              <a:buNone/>
-            </a:pPr>
-            <a:fld id="{9D30BF94-4FD6-48D9-AA03-4EE90926BB59}" type="slidenum">
-              <a:rPr lang="en-US" sz="1200">
-                <a:solidFill>
-                  <a:srgbClr val="D38E27"/>
-                </a:solidFill>
-                <a:latin typeface="Tahoma" panose="020B0604030504040204" pitchFamily="34" charset="0"/>
-              </a:rPr>
-              <a:pPr>
-                <a:spcBef>
-                  <a:spcPct val="0"/>
-                </a:spcBef>
-                <a:buClrTx/>
-                <a:buSzTx/>
-                <a:buFontTx/>
-                <a:buNone/>
-              </a:pPr>
-              <a:t>3</a:t>
-            </a:fld>
-            <a:endParaRPr lang="en-US" sz="1200">
-              <a:solidFill>
-                <a:srgbClr val="D38E27"/>
-              </a:solidFill>
-              <a:latin typeface="Tahoma" panose="020B0604030504040204" pitchFamily="34" charset="0"/>
-            </a:endParaRPr>
-          </a:p>
-        </p:txBody>
-      </p:sp>
-    </p:spTree>
-    <p:extLst>
-      <p:ext uri="{BB962C8B-B14F-4D97-AF65-F5344CB8AC3E}">
-        <p14:creationId xmlns:p14="http://schemas.microsoft.com/office/powerpoint/2010/main" val="2040358430"/>
-      </p:ext>
-    </p:extLst>
-  </p:cSld>
-  <p:clrMapOvr>
-    <a:masterClrMapping/>
-  </p:clrMapOvr>
-  <p:timing>
-    <p:tnLst>
-      <p:par>
-        <p:cTn id="1" dur="indefinite" restart="never" nodeType="tmRoot"/>
-      </p:par>
-    </p:tnLst>
-  </p:timing>
-</p:sld>
-</file>
-
-<file path=ppt/slides/slide30.xml><?xml version="1.0" encoding="utf-8"?>
+<file path=ppt/slides/slide31.xml><?xml version="1.0" encoding="utf-8"?>
 <p:sld xmlns:a="http://schemas.openxmlformats.org/drawingml/2006/main" xmlns:r="http://schemas.openxmlformats.org/officeDocument/2006/relationships" xmlns:p="http://schemas.openxmlformats.org/presentationml/2006/main">
   <p:cSld>
     <p:spTree>
@@ -10154,6 +10195,7 @@
               <a:rPr lang="en-US" b="1" dirty="0" smtClean="0"/>
               <a:t>.</a:t>
             </a:r>
+            <a:endParaRPr lang="en-US" b="1" dirty="0" smtClean="0"/>
           </a:p>
           <a:p>
             <a:pPr marL="0" indent="0">
@@ -10173,6 +10215,7 @@
               <a:rPr lang="en-US" dirty="0" smtClean="0"/>
               <a:t>;</a:t>
             </a:r>
+            <a:endParaRPr lang="en-US" dirty="0" smtClean="0"/>
           </a:p>
           <a:p>
             <a:pPr marL="0" indent="0">
@@ -10196,6 +10239,7 @@
               <a:rPr lang="en-US" b="1" dirty="0" smtClean="0"/>
               <a:t> database</a:t>
             </a:r>
+            <a:endParaRPr lang="en-US" b="1" dirty="0" smtClean="0"/>
           </a:p>
           <a:p>
             <a:pPr marL="0" indent="0">
@@ -10211,6 +10255,7 @@
               <a:rPr lang="en-US" dirty="0" smtClean="0"/>
               <a:t>SHOW TABLES;</a:t>
             </a:r>
+            <a:endParaRPr lang="en-US" dirty="0" smtClean="0"/>
           </a:p>
           <a:p>
             <a:pPr marL="0" indent="0">
@@ -10266,6 +10311,7 @@
               <a:rPr lang="en-US" b="1" dirty="0" smtClean="0"/>
               <a:t>.</a:t>
             </a:r>
+            <a:endParaRPr lang="en-US" b="1" dirty="0" smtClean="0"/>
           </a:p>
           <a:p>
             <a:pPr marL="0" indent="0">
@@ -10349,6 +10395,7 @@
               <a:rPr lang="en-US" dirty="0"/>
               <a:t>());</a:t>
             </a:r>
+            <a:endParaRPr lang="en-US" dirty="0"/>
           </a:p>
           <a:p>
             <a:pPr marL="0" indent="0">
@@ -10358,6 +10405,7 @@
               <a:rPr lang="en-US" dirty="0"/>
               <a:t>					</a:t>
             </a:r>
+            <a:endParaRPr lang="en-US" dirty="0"/>
           </a:p>
           <a:p>
             <a:pPr marL="0" indent="0">
@@ -10368,11 +10416,6 @@
         </p:txBody>
       </p:sp>
     </p:spTree>
-    <p:extLst>
-      <p:ext uri="{BB962C8B-B14F-4D97-AF65-F5344CB8AC3E}">
-        <p14:creationId xmlns:p14="http://schemas.microsoft.com/office/powerpoint/2010/main" val="3279231414"/>
-      </p:ext>
-    </p:extLst>
   </p:cSld>
   <p:clrMapOvr>
     <a:masterClrMapping/>
@@ -10588,7 +10631,7 @@
 </p:sld>
 </file>
 
-<file path=ppt/slides/slide31.xml><?xml version="1.0" encoding="utf-8"?>
+<file path=ppt/slides/slide32.xml><?xml version="1.0" encoding="utf-8"?>
 <p:sld xmlns:a="http://schemas.openxmlformats.org/drawingml/2006/main" xmlns:r="http://schemas.openxmlformats.org/officeDocument/2006/relationships" xmlns:p="http://schemas.openxmlformats.org/presentationml/2006/main">
   <p:cSld>
     <p:spTree>
@@ -10684,6 +10727,7 @@
               <a:rPr lang="en-US" dirty="0" smtClean="0"/>
               <a:t>’);</a:t>
             </a:r>
+            <a:endParaRPr lang="en-US" dirty="0" smtClean="0"/>
           </a:p>
           <a:p>
             <a:pPr marL="0" lvl="0" indent="0">
@@ -10703,6 +10747,7 @@
               <a:rPr lang="en-US" dirty="0" smtClean="0"/>
               <a:t>’);</a:t>
             </a:r>
+            <a:endParaRPr lang="en-US" dirty="0" smtClean="0"/>
           </a:p>
           <a:p>
             <a:pPr marL="0" lvl="0" indent="0">
@@ -10722,6 +10767,7 @@
               <a:rPr lang="en-US" dirty="0" smtClean="0"/>
               <a:t>’);</a:t>
             </a:r>
+            <a:endParaRPr lang="en-US" dirty="0" smtClean="0"/>
           </a:p>
           <a:p>
             <a:pPr marL="0" lvl="0" indent="0">
@@ -10741,6 +10787,7 @@
               <a:rPr lang="en-US" dirty="0" smtClean="0"/>
               <a:t>’);</a:t>
             </a:r>
+            <a:endParaRPr lang="en-US" dirty="0" smtClean="0"/>
           </a:p>
           <a:p>
             <a:pPr marL="0" lvl="0" indent="0">
@@ -10756,6 +10803,7 @@
               <a:rPr lang="en-US" dirty="0"/>
               <a:t>insert into students value(105,’Anisha Pradhan’,’Bkt’,’F’,’1995-08-02’,011662588,’Plus 2’);</a:t>
             </a:r>
+            <a:endParaRPr lang="en-US" dirty="0"/>
           </a:p>
           <a:p>
             <a:pPr marL="0" indent="0">
@@ -10766,11 +10814,6 @@
         </p:txBody>
       </p:sp>
     </p:spTree>
-    <p:extLst>
-      <p:ext uri="{BB962C8B-B14F-4D97-AF65-F5344CB8AC3E}">
-        <p14:creationId xmlns:p14="http://schemas.microsoft.com/office/powerpoint/2010/main" val="1859989190"/>
-      </p:ext>
-    </p:extLst>
   </p:cSld>
   <p:clrMapOvr>
     <a:masterClrMapping/>
@@ -10981,7 +11024,7 @@
 </p:sld>
 </file>
 
-<file path=ppt/slides/slide32.xml><?xml version="1.0" encoding="utf-8"?>
+<file path=ppt/slides/slide33.xml><?xml version="1.0" encoding="utf-8"?>
 <p:sld xmlns:a="http://schemas.openxmlformats.org/drawingml/2006/main" xmlns:r="http://schemas.openxmlformats.org/officeDocument/2006/relationships" xmlns:p="http://schemas.openxmlformats.org/presentationml/2006/main">
   <p:cSld>
     <p:spTree>
@@ -11045,6 +11088,7 @@
               <a:rPr lang="en-US" b="1" dirty="0" smtClean="0"/>
               <a:t>.</a:t>
             </a:r>
+            <a:endParaRPr lang="en-US" b="1" dirty="0" smtClean="0"/>
           </a:p>
           <a:p>
             <a:pPr marL="0" indent="0">
@@ -11064,6 +11108,7 @@
               <a:rPr lang="en-US" dirty="0" smtClean="0"/>
               <a:t>;</a:t>
             </a:r>
+            <a:endParaRPr lang="en-US" dirty="0" smtClean="0"/>
           </a:p>
           <a:p>
             <a:pPr marL="0" indent="0">
@@ -11083,6 +11128,7 @@
               <a:rPr lang="en-US" b="1" dirty="0" smtClean="0"/>
               <a:t>.</a:t>
             </a:r>
+            <a:endParaRPr lang="en-US" b="1" dirty="0" smtClean="0"/>
           </a:p>
           <a:p>
             <a:pPr marL="0" indent="0">
@@ -11102,6 +11148,7 @@
               <a:rPr lang="en-US" dirty="0" smtClean="0"/>
               <a:t>;</a:t>
             </a:r>
+            <a:endParaRPr lang="en-US" dirty="0" smtClean="0"/>
           </a:p>
           <a:p>
             <a:pPr marL="0" indent="0">
@@ -11129,6 +11176,7 @@
               <a:rPr lang="en-US" b="1" dirty="0" smtClean="0"/>
               <a:t>.</a:t>
             </a:r>
+            <a:endParaRPr lang="en-US" b="1" dirty="0" smtClean="0"/>
           </a:p>
           <a:p>
             <a:pPr marL="0" indent="0">
@@ -11160,6 +11208,7 @@
               <a:rPr lang="en-US" dirty="0"/>
               <a:t> = 101;</a:t>
             </a:r>
+            <a:endParaRPr lang="en-US" dirty="0"/>
           </a:p>
           <a:p>
             <a:pPr marL="0" indent="0">
@@ -11170,11 +11219,6 @@
         </p:txBody>
       </p:sp>
     </p:spTree>
-    <p:extLst>
-      <p:ext uri="{BB962C8B-B14F-4D97-AF65-F5344CB8AC3E}">
-        <p14:creationId xmlns:p14="http://schemas.microsoft.com/office/powerpoint/2010/main" val="4264611266"/>
-      </p:ext>
-    </p:extLst>
   </p:cSld>
   <p:clrMapOvr>
     <a:masterClrMapping/>
@@ -11359,7 +11403,7 @@
 </p:sld>
 </file>
 
-<file path=ppt/slides/slide33.xml><?xml version="1.0" encoding="utf-8"?>
+<file path=ppt/slides/slide34.xml><?xml version="1.0" encoding="utf-8"?>
 <p:sld xmlns:a="http://schemas.openxmlformats.org/drawingml/2006/main" xmlns:r="http://schemas.openxmlformats.org/officeDocument/2006/relationships" xmlns:p="http://schemas.openxmlformats.org/presentationml/2006/main">
   <p:cSld>
     <p:spTree>
@@ -11427,6 +11471,7 @@
               <a:rPr lang="en-US" b="1" dirty="0"/>
               <a:t>.</a:t>
             </a:r>
+            <a:endParaRPr lang="en-US" b="1" dirty="0"/>
           </a:p>
           <a:p>
             <a:pPr marL="0" indent="0">
@@ -11444,6 +11489,7 @@
               <a:rPr lang="en-US" dirty="0"/>
               <a:t>’;</a:t>
             </a:r>
+            <a:endParaRPr lang="en-US" dirty="0"/>
           </a:p>
           <a:p>
             <a:pPr marL="0" indent="0">
@@ -11453,6 +11499,7 @@
               <a:rPr lang="en-US" b="1" dirty="0"/>
               <a:t>1.9 Delete all the records (data) from the student table.</a:t>
             </a:r>
+            <a:endParaRPr lang="en-US" b="1" dirty="0"/>
           </a:p>
           <a:p>
             <a:pPr marL="0" indent="0">
@@ -11462,6 +11509,7 @@
               <a:rPr lang="en-US" dirty="0"/>
               <a:t>truncate  students; </a:t>
             </a:r>
+            <a:endParaRPr lang="en-US" dirty="0"/>
           </a:p>
           <a:p>
             <a:pPr marL="0" indent="0">
@@ -11475,6 +11523,7 @@
               <a:rPr lang="en-US" b="1" dirty="0" smtClean="0"/>
               <a:t>.</a:t>
             </a:r>
+            <a:endParaRPr lang="en-US" b="1" dirty="0" smtClean="0"/>
           </a:p>
           <a:p>
             <a:pPr marL="0" indent="0">
@@ -11492,6 +11541,7 @@
               <a:rPr lang="en-US" dirty="0"/>
               <a:t>table students;</a:t>
             </a:r>
+            <a:endParaRPr lang="en-US" dirty="0"/>
           </a:p>
           <a:p>
             <a:pPr marL="0" indent="0">
@@ -11502,11 +11552,6 @@
         </p:txBody>
       </p:sp>
     </p:spTree>
-    <p:extLst>
-      <p:ext uri="{BB962C8B-B14F-4D97-AF65-F5344CB8AC3E}">
-        <p14:creationId xmlns:p14="http://schemas.microsoft.com/office/powerpoint/2010/main" val="947640073"/>
-      </p:ext>
-    </p:extLst>
   </p:cSld>
   <p:clrMapOvr>
     <a:masterClrMapping/>
@@ -11691,132 +11736,6 @@
 </p:sld>
 </file>
 
-<file path=ppt/slides/slide34.xml><?xml version="1.0" encoding="utf-8"?>
-<p:sld xmlns:a="http://schemas.openxmlformats.org/drawingml/2006/main" xmlns:r="http://schemas.openxmlformats.org/officeDocument/2006/relationships" xmlns:p="http://schemas.openxmlformats.org/presentationml/2006/main">
-  <p:cSld>
-    <p:spTree>
-      <p:nvGrpSpPr>
-        <p:cNvPr id="1" name=""/>
-        <p:cNvGrpSpPr/>
-        <p:nvPr/>
-      </p:nvGrpSpPr>
-      <p:grpSpPr>
-        <a:xfrm>
-          <a:off x="0" y="0"/>
-          <a:ext cx="0" cy="0"/>
-          <a:chOff x="0" y="0"/>
-          <a:chExt cx="0" cy="0"/>
-        </a:xfrm>
-      </p:grpSpPr>
-      <p:sp>
-        <p:nvSpPr>
-          <p:cNvPr id="2" name="Title 1"/>
-          <p:cNvSpPr>
-            <a:spLocks noGrp="1"/>
-          </p:cNvSpPr>
-          <p:nvPr>
-            <p:ph type="title"/>
-          </p:nvPr>
-        </p:nvSpPr>
-        <p:spPr/>
-        <p:txBody>
-          <a:bodyPr/>
-          <a:lstStyle/>
-          <a:p>
-            <a:endParaRPr lang="en-US"/>
-          </a:p>
-        </p:txBody>
-      </p:sp>
-      <p:sp>
-        <p:nvSpPr>
-          <p:cNvPr id="3" name="Content Placeholder 2"/>
-          <p:cNvSpPr>
-            <a:spLocks noGrp="1"/>
-          </p:cNvSpPr>
-          <p:nvPr>
-            <p:ph idx="1"/>
-          </p:nvPr>
-        </p:nvSpPr>
-        <p:spPr/>
-        <p:txBody>
-          <a:bodyPr>
-            <a:normAutofit fontScale="85000" lnSpcReduction="10000"/>
-          </a:bodyPr>
-          <a:lstStyle/>
-          <a:p>
-            <a:r>
-              <a:rPr lang="en-US" dirty="0"/>
-              <a:t>1.1 Create a database file named </a:t>
-            </a:r>
-            <a:r>
-              <a:rPr lang="en-US" dirty="0" err="1"/>
-              <a:t>emp</a:t>
-            </a:r>
-            <a:r>
-              <a:rPr lang="en-US" dirty="0"/>
-              <a:t> in MySQL</a:t>
-            </a:r>
-          </a:p>
-          <a:p>
-            <a:r>
-              <a:rPr lang="en-US" dirty="0"/>
-              <a:t>1.2 Create tables specifying primary key, foreign key and Not Null, unique key constraints for the following schema diagram in</a:t>
-            </a:r>
-            <a:r>
-              <a:rPr lang="en-US" b="1" i="1" dirty="0"/>
-              <a:t> </a:t>
-            </a:r>
-            <a:r>
-              <a:rPr lang="en-US" b="1" i="1" dirty="0" err="1"/>
-              <a:t>emp</a:t>
-            </a:r>
-            <a:r>
-              <a:rPr lang="en-US" dirty="0"/>
-              <a:t> database. Underline attribute indicates the primary key attribute. Choose appropriate </a:t>
-            </a:r>
-            <a:r>
-              <a:rPr lang="en-US" dirty="0" err="1"/>
-              <a:t>datatypes</a:t>
-            </a:r>
-            <a:r>
-              <a:rPr lang="en-US" dirty="0"/>
-              <a:t> considering the following data values (Given). Write and executes the appropriate DDL commands</a:t>
-            </a:r>
-          </a:p>
-          <a:p>
-            <a:r>
-              <a:rPr lang="en-US" dirty="0"/>
-              <a:t>You may use alter commands to add/remove constraints whenever necessary. The arrow indicates the indicated attribute is a foreign key.</a:t>
-            </a:r>
-          </a:p>
-          <a:p>
-            <a:pPr marL="0" indent="0">
-              <a:buNone/>
-            </a:pPr>
-            <a:endParaRPr lang="en-US" dirty="0"/>
-          </a:p>
-        </p:txBody>
-      </p:sp>
-    </p:spTree>
-    <p:extLst>
-      <p:ext uri="{BB962C8B-B14F-4D97-AF65-F5344CB8AC3E}">
-        <p14:creationId xmlns:p14="http://schemas.microsoft.com/office/powerpoint/2010/main" val="3158641160"/>
-      </p:ext>
-    </p:extLst>
-  </p:cSld>
-  <p:clrMapOvr>
-    <a:masterClrMapping/>
-  </p:clrMapOvr>
-  <p:timing>
-    <p:tnLst>
-      <p:par>
-        <p:cTn id="1" dur="indefinite" restart="never" nodeType="tmRoot"/>
-      </p:par>
-    </p:tnLst>
-  </p:timing>
-</p:sld>
-</file>
-
 <file path=ppt/slides/slide35.xml><?xml version="1.0" encoding="utf-8"?>
 <p:sld xmlns:a="http://schemas.openxmlformats.org/drawingml/2006/main" xmlns:r="http://schemas.openxmlformats.org/officeDocument/2006/relationships" xmlns:p="http://schemas.openxmlformats.org/presentationml/2006/main">
   <p:cSld>
@@ -11865,6 +11784,130 @@
         </p:nvSpPr>
         <p:spPr/>
         <p:txBody>
+          <a:bodyPr>
+            <a:normAutofit fontScale="85000" lnSpcReduction="10000"/>
+          </a:bodyPr>
+          <a:lstStyle/>
+          <a:p>
+            <a:r>
+              <a:rPr lang="en-US" dirty="0"/>
+              <a:t>1.1 Create a database file named </a:t>
+            </a:r>
+            <a:r>
+              <a:rPr lang="en-US" dirty="0" err="1"/>
+              <a:t>emp</a:t>
+            </a:r>
+            <a:r>
+              <a:rPr lang="en-US" dirty="0"/>
+              <a:t> in MySQL</a:t>
+            </a:r>
+            <a:endParaRPr lang="en-US" dirty="0"/>
+          </a:p>
+          <a:p>
+            <a:r>
+              <a:rPr lang="en-US" dirty="0"/>
+              <a:t>1.2 Create tables specifying primary key, foreign key and Not Null, unique key constraints for the following schema diagram in</a:t>
+            </a:r>
+            <a:r>
+              <a:rPr lang="en-US" b="1" i="1" dirty="0"/>
+              <a:t> </a:t>
+            </a:r>
+            <a:r>
+              <a:rPr lang="en-US" b="1" i="1" dirty="0" err="1"/>
+              <a:t>emp</a:t>
+            </a:r>
+            <a:r>
+              <a:rPr lang="en-US" dirty="0"/>
+              <a:t> database. Underline attribute indicates the primary key attribute. Choose appropriate </a:t>
+            </a:r>
+            <a:r>
+              <a:rPr lang="en-US" dirty="0" err="1"/>
+              <a:t>datatypes</a:t>
+            </a:r>
+            <a:r>
+              <a:rPr lang="en-US" dirty="0"/>
+              <a:t> considering the following data values (Given). Write and executes the appropriate DDL commands</a:t>
+            </a:r>
+            <a:endParaRPr lang="en-US" dirty="0"/>
+          </a:p>
+          <a:p>
+            <a:r>
+              <a:rPr lang="en-US" dirty="0"/>
+              <a:t>You may use alter commands to add/remove constraints whenever necessary. The arrow indicates the indicated attribute is a foreign key.</a:t>
+            </a:r>
+            <a:endParaRPr lang="en-US" dirty="0"/>
+          </a:p>
+          <a:p>
+            <a:pPr marL="0" indent="0">
+              <a:buNone/>
+            </a:pPr>
+            <a:endParaRPr lang="en-US" dirty="0"/>
+          </a:p>
+        </p:txBody>
+      </p:sp>
+    </p:spTree>
+  </p:cSld>
+  <p:clrMapOvr>
+    <a:masterClrMapping/>
+  </p:clrMapOvr>
+  <p:timing>
+    <p:tnLst>
+      <p:par>
+        <p:cTn id="1" dur="indefinite" restart="never" nodeType="tmRoot"/>
+      </p:par>
+    </p:tnLst>
+  </p:timing>
+</p:sld>
+</file>
+
+<file path=ppt/slides/slide36.xml><?xml version="1.0" encoding="utf-8"?>
+<p:sld xmlns:a="http://schemas.openxmlformats.org/drawingml/2006/main" xmlns:r="http://schemas.openxmlformats.org/officeDocument/2006/relationships" xmlns:p="http://schemas.openxmlformats.org/presentationml/2006/main">
+  <p:cSld>
+    <p:spTree>
+      <p:nvGrpSpPr>
+        <p:cNvPr id="1" name=""/>
+        <p:cNvGrpSpPr/>
+        <p:nvPr/>
+      </p:nvGrpSpPr>
+      <p:grpSpPr>
+        <a:xfrm>
+          <a:off x="0" y="0"/>
+          <a:ext cx="0" cy="0"/>
+          <a:chOff x="0" y="0"/>
+          <a:chExt cx="0" cy="0"/>
+        </a:xfrm>
+      </p:grpSpPr>
+      <p:sp>
+        <p:nvSpPr>
+          <p:cNvPr id="2" name="Title 1"/>
+          <p:cNvSpPr>
+            <a:spLocks noGrp="1"/>
+          </p:cNvSpPr>
+          <p:nvPr>
+            <p:ph type="title"/>
+          </p:nvPr>
+        </p:nvSpPr>
+        <p:spPr/>
+        <p:txBody>
+          <a:bodyPr/>
+          <a:lstStyle/>
+          <a:p>
+            <a:endParaRPr lang="en-US"/>
+          </a:p>
+        </p:txBody>
+      </p:sp>
+      <p:sp>
+        <p:nvSpPr>
+          <p:cNvPr id="3" name="Content Placeholder 2"/>
+          <p:cNvSpPr>
+            <a:spLocks noGrp="1"/>
+          </p:cNvSpPr>
+          <p:nvPr>
+            <p:ph idx="1"/>
+          </p:nvPr>
+        </p:nvSpPr>
+        <p:spPr/>
+        <p:txBody>
           <a:bodyPr/>
           <a:lstStyle/>
           <a:p>
@@ -11881,7 +11924,7 @@
           <p:nvPr/>
         </p:nvPicPr>
         <p:blipFill>
-          <a:blip r:embed="rId2">
+          <a:blip r:embed="rId1">
             <a:extLst>
               <a:ext uri="{28A0092B-C50C-407E-A947-70E740481C1C}">
                 <a14:useLocalDpi xmlns:a14="http://schemas.microsoft.com/office/drawing/2010/main" val="0"/>
@@ -11927,134 +11970,6 @@
         </p:spPr>
       </p:pic>
     </p:spTree>
-    <p:extLst>
-      <p:ext uri="{BB962C8B-B14F-4D97-AF65-F5344CB8AC3E}">
-        <p14:creationId xmlns:p14="http://schemas.microsoft.com/office/powerpoint/2010/main" val="3402705079"/>
-      </p:ext>
-    </p:extLst>
-  </p:cSld>
-  <p:clrMapOvr>
-    <a:masterClrMapping/>
-  </p:clrMapOvr>
-  <p:timing>
-    <p:tnLst>
-      <p:par>
-        <p:cTn id="1" dur="indefinite" restart="never" nodeType="tmRoot"/>
-      </p:par>
-    </p:tnLst>
-  </p:timing>
-</p:sld>
-</file>
-
-<file path=ppt/slides/slide36.xml><?xml version="1.0" encoding="utf-8"?>
-<p:sld xmlns:a="http://schemas.openxmlformats.org/drawingml/2006/main" xmlns:r="http://schemas.openxmlformats.org/officeDocument/2006/relationships" xmlns:p="http://schemas.openxmlformats.org/presentationml/2006/main">
-  <p:cSld>
-    <p:spTree>
-      <p:nvGrpSpPr>
-        <p:cNvPr id="1" name=""/>
-        <p:cNvGrpSpPr/>
-        <p:nvPr/>
-      </p:nvGrpSpPr>
-      <p:grpSpPr>
-        <a:xfrm>
-          <a:off x="0" y="0"/>
-          <a:ext cx="0" cy="0"/>
-          <a:chOff x="0" y="0"/>
-          <a:chExt cx="0" cy="0"/>
-        </a:xfrm>
-      </p:grpSpPr>
-      <p:sp>
-        <p:nvSpPr>
-          <p:cNvPr id="2" name="Title 1"/>
-          <p:cNvSpPr>
-            <a:spLocks noGrp="1"/>
-          </p:cNvSpPr>
-          <p:nvPr>
-            <p:ph type="title"/>
-          </p:nvPr>
-        </p:nvSpPr>
-        <p:spPr/>
-        <p:txBody>
-          <a:bodyPr/>
-          <a:lstStyle/>
-          <a:p>
-            <a:endParaRPr lang="en-US"/>
-          </a:p>
-        </p:txBody>
-      </p:sp>
-      <p:sp>
-        <p:nvSpPr>
-          <p:cNvPr id="3" name="Content Placeholder 2"/>
-          <p:cNvSpPr>
-            <a:spLocks noGrp="1"/>
-          </p:cNvSpPr>
-          <p:nvPr>
-            <p:ph idx="1"/>
-          </p:nvPr>
-        </p:nvSpPr>
-        <p:spPr/>
-        <p:txBody>
-          <a:bodyPr/>
-          <a:lstStyle/>
-          <a:p>
-            <a:pPr marL="0" indent="0">
-              <a:buNone/>
-            </a:pPr>
-            <a:r>
-              <a:rPr lang="en-US" b="1" dirty="0"/>
-              <a:t>1.1 Create a database file named </a:t>
-            </a:r>
-            <a:r>
-              <a:rPr lang="en-US" b="1" dirty="0" err="1"/>
-              <a:t>emp</a:t>
-            </a:r>
-            <a:r>
-              <a:rPr lang="en-US" b="1" dirty="0"/>
-              <a:t> in MySQL</a:t>
-            </a:r>
-            <a:endParaRPr lang="en-US" dirty="0"/>
-          </a:p>
-          <a:p>
-            <a:pPr marL="0" indent="0">
-              <a:buNone/>
-            </a:pPr>
-            <a:r>
-              <a:rPr lang="en-US" dirty="0"/>
-              <a:t>	</a:t>
-            </a:r>
-            <a:r>
-              <a:rPr lang="en-US" dirty="0" err="1"/>
-              <a:t>Mysql</a:t>
-            </a:r>
-            <a:r>
-              <a:rPr lang="en-US" dirty="0"/>
-              <a:t>&gt; </a:t>
-            </a:r>
-            <a:r>
-              <a:rPr lang="en-US" dirty="0" smtClean="0"/>
-              <a:t>Create </a:t>
-            </a:r>
-            <a:r>
-              <a:rPr lang="en-US" dirty="0"/>
-              <a:t>database </a:t>
-            </a:r>
-            <a:r>
-              <a:rPr lang="en-US" dirty="0" err="1"/>
-              <a:t>emp</a:t>
-            </a:r>
-            <a:r>
-              <a:rPr lang="en-US" dirty="0"/>
-              <a:t>;	</a:t>
-            </a:r>
-          </a:p>
-        </p:txBody>
-      </p:sp>
-    </p:spTree>
-    <p:extLst>
-      <p:ext uri="{BB962C8B-B14F-4D97-AF65-F5344CB8AC3E}">
-        <p14:creationId xmlns:p14="http://schemas.microsoft.com/office/powerpoint/2010/main" val="339358938"/>
-      </p:ext>
-    </p:extLst>
   </p:cSld>
   <p:clrMapOvr>
     <a:masterClrMapping/>
@@ -12117,6 +12032,125 @@
         </p:nvSpPr>
         <p:spPr/>
         <p:txBody>
+          <a:bodyPr/>
+          <a:lstStyle/>
+          <a:p>
+            <a:pPr marL="0" indent="0">
+              <a:buNone/>
+            </a:pPr>
+            <a:r>
+              <a:rPr lang="en-US" b="1" dirty="0"/>
+              <a:t>1.1 Create a database file named </a:t>
+            </a:r>
+            <a:r>
+              <a:rPr lang="en-US" b="1" dirty="0" err="1"/>
+              <a:t>emp</a:t>
+            </a:r>
+            <a:r>
+              <a:rPr lang="en-US" b="1" dirty="0"/>
+              <a:t> in MySQL</a:t>
+            </a:r>
+            <a:endParaRPr lang="en-US" dirty="0"/>
+          </a:p>
+          <a:p>
+            <a:pPr marL="0" indent="0">
+              <a:buNone/>
+            </a:pPr>
+            <a:r>
+              <a:rPr lang="en-US" dirty="0"/>
+              <a:t>	</a:t>
+            </a:r>
+            <a:r>
+              <a:rPr lang="en-US" dirty="0" err="1"/>
+              <a:t>Mysql</a:t>
+            </a:r>
+            <a:r>
+              <a:rPr lang="en-US" dirty="0"/>
+              <a:t>&gt; </a:t>
+            </a:r>
+            <a:r>
+              <a:rPr lang="en-US" dirty="0" smtClean="0"/>
+              <a:t>Create </a:t>
+            </a:r>
+            <a:r>
+              <a:rPr lang="en-US" dirty="0"/>
+              <a:t>database </a:t>
+            </a:r>
+            <a:r>
+              <a:rPr lang="en-US" dirty="0" err="1"/>
+              <a:t>emp</a:t>
+            </a:r>
+            <a:r>
+              <a:rPr lang="en-US" dirty="0"/>
+              <a:t>;	</a:t>
+            </a:r>
+            <a:endParaRPr lang="en-US" dirty="0"/>
+          </a:p>
+        </p:txBody>
+      </p:sp>
+    </p:spTree>
+  </p:cSld>
+  <p:clrMapOvr>
+    <a:masterClrMapping/>
+  </p:clrMapOvr>
+  <p:timing>
+    <p:tnLst>
+      <p:par>
+        <p:cTn id="1" dur="indefinite" restart="never" nodeType="tmRoot"/>
+      </p:par>
+    </p:tnLst>
+  </p:timing>
+</p:sld>
+</file>
+
+<file path=ppt/slides/slide38.xml><?xml version="1.0" encoding="utf-8"?>
+<p:sld xmlns:a="http://schemas.openxmlformats.org/drawingml/2006/main" xmlns:r="http://schemas.openxmlformats.org/officeDocument/2006/relationships" xmlns:p="http://schemas.openxmlformats.org/presentationml/2006/main">
+  <p:cSld>
+    <p:spTree>
+      <p:nvGrpSpPr>
+        <p:cNvPr id="1" name=""/>
+        <p:cNvGrpSpPr/>
+        <p:nvPr/>
+      </p:nvGrpSpPr>
+      <p:grpSpPr>
+        <a:xfrm>
+          <a:off x="0" y="0"/>
+          <a:ext cx="0" cy="0"/>
+          <a:chOff x="0" y="0"/>
+          <a:chExt cx="0" cy="0"/>
+        </a:xfrm>
+      </p:grpSpPr>
+      <p:sp>
+        <p:nvSpPr>
+          <p:cNvPr id="2" name="Title 1"/>
+          <p:cNvSpPr>
+            <a:spLocks noGrp="1"/>
+          </p:cNvSpPr>
+          <p:nvPr>
+            <p:ph type="title"/>
+          </p:nvPr>
+        </p:nvSpPr>
+        <p:spPr/>
+        <p:txBody>
+          <a:bodyPr/>
+          <a:lstStyle/>
+          <a:p>
+            <a:endParaRPr lang="en-US"/>
+          </a:p>
+        </p:txBody>
+      </p:sp>
+      <p:sp>
+        <p:nvSpPr>
+          <p:cNvPr id="3" name="Content Placeholder 2"/>
+          <p:cNvSpPr>
+            <a:spLocks noGrp="1"/>
+          </p:cNvSpPr>
+          <p:nvPr>
+            <p:ph idx="1"/>
+          </p:nvPr>
+        </p:nvSpPr>
+        <p:spPr/>
+        <p:txBody>
           <a:bodyPr>
             <a:normAutofit fontScale="47500" lnSpcReduction="20000"/>
           </a:bodyPr>
@@ -12163,6 +12197,7 @@
               <a:rPr lang="en-US" dirty="0"/>
               <a:t> &gt; create table Employee(</a:t>
             </a:r>
+            <a:endParaRPr lang="en-US" dirty="0"/>
           </a:p>
           <a:p>
             <a:pPr marL="0" indent="0">
@@ -12188,6 +12223,7 @@
               <a:rPr lang="en-US" dirty="0"/>
               <a:t>(50) not null,</a:t>
             </a:r>
+            <a:endParaRPr lang="en-US" dirty="0"/>
           </a:p>
           <a:p>
             <a:pPr marL="0" indent="0">
@@ -12205,6 +12241,7 @@
               <a:rPr lang="en-US" dirty="0"/>
               <a:t> char ,</a:t>
             </a:r>
+            <a:endParaRPr lang="en-US" dirty="0"/>
           </a:p>
           <a:p>
             <a:pPr marL="0" indent="0">
@@ -12230,6 +12267,7 @@
               <a:rPr lang="en-US" dirty="0"/>
               <a:t>(50) not null,</a:t>
             </a:r>
+            <a:endParaRPr lang="en-US" dirty="0"/>
           </a:p>
           <a:p>
             <a:pPr marL="0" indent="0">
@@ -12247,6 +12285,7 @@
               <a:rPr lang="en-US" dirty="0"/>
               <a:t> not null unique,</a:t>
             </a:r>
+            <a:endParaRPr lang="en-US" dirty="0"/>
           </a:p>
           <a:p>
             <a:pPr marL="0" indent="0">
@@ -12264,6 +12303,7 @@
               <a:rPr lang="en-US" dirty="0"/>
               <a:t> date not null,</a:t>
             </a:r>
+            <a:endParaRPr lang="en-US" dirty="0"/>
           </a:p>
           <a:p>
             <a:pPr marL="0" indent="0">
@@ -12281,6 +12321,7 @@
               <a:rPr lang="en-US" dirty="0"/>
               <a:t>(50),</a:t>
             </a:r>
+            <a:endParaRPr lang="en-US" dirty="0"/>
           </a:p>
           <a:p>
             <a:pPr marL="0" indent="0">
@@ -12298,6 +12339,7 @@
               <a:rPr lang="en-US" dirty="0"/>
               <a:t>('M','F'),</a:t>
             </a:r>
+            <a:endParaRPr lang="en-US" dirty="0"/>
           </a:p>
           <a:p>
             <a:pPr marL="0" indent="0">
@@ -12315,6 +12357,7 @@
               <a:rPr lang="en-US" dirty="0"/>
               <a:t> not null,</a:t>
             </a:r>
+            <a:endParaRPr lang="en-US" dirty="0"/>
           </a:p>
           <a:p>
             <a:pPr marL="0" indent="0">
@@ -12340,6 +12383,7 @@
               <a:rPr lang="en-US" dirty="0"/>
               <a:t> not null,</a:t>
             </a:r>
+            <a:endParaRPr lang="en-US" dirty="0"/>
           </a:p>
           <a:p>
             <a:pPr marL="0" indent="0">
@@ -12357,6 +12401,7 @@
               <a:rPr lang="en-US" dirty="0"/>
               <a:t> not null,</a:t>
             </a:r>
+            <a:endParaRPr lang="en-US" dirty="0"/>
           </a:p>
           <a:p>
             <a:pPr marL="0" indent="0">
@@ -12366,6 +12411,7 @@
               <a:rPr lang="en-US" dirty="0"/>
               <a:t>    -&gt; primary key(SSN)</a:t>
             </a:r>
+            <a:endParaRPr lang="en-US" dirty="0"/>
           </a:p>
           <a:p>
             <a:pPr marL="0" indent="0">
@@ -12375,6 +12421,7 @@
               <a:rPr lang="en-US" dirty="0"/>
               <a:t>    -&gt; );</a:t>
             </a:r>
+            <a:endParaRPr lang="en-US" dirty="0"/>
           </a:p>
           <a:p>
             <a:pPr marL="0" indent="0">
@@ -12384,6 +12431,7 @@
               <a:rPr lang="en-US" dirty="0"/>
               <a:t>Query OK, 0 rows affected (0.19 sec)</a:t>
             </a:r>
+            <a:endParaRPr lang="en-US" dirty="0"/>
           </a:p>
           <a:p>
             <a:pPr marL="0" indent="0">
@@ -12394,11 +12442,6 @@
         </p:txBody>
       </p:sp>
     </p:spTree>
-    <p:extLst>
-      <p:ext uri="{BB962C8B-B14F-4D97-AF65-F5344CB8AC3E}">
-        <p14:creationId xmlns:p14="http://schemas.microsoft.com/office/powerpoint/2010/main" val="1331087353"/>
-      </p:ext>
-    </p:extLst>
   </p:cSld>
   <p:clrMapOvr>
     <a:masterClrMapping/>
@@ -12888,7 +12931,7 @@
 </p:sld>
 </file>
 
-<file path=ppt/slides/slide38.xml><?xml version="1.0" encoding="utf-8"?>
+<file path=ppt/slides/slide39.xml><?xml version="1.0" encoding="utf-8"?>
 <p:sld xmlns:a="http://schemas.openxmlformats.org/drawingml/2006/main" xmlns:r="http://schemas.openxmlformats.org/officeDocument/2006/relationships" xmlns:p="http://schemas.openxmlformats.org/presentationml/2006/main">
   <p:cSld>
     <p:spTree>
@@ -12962,6 +13005,7 @@
               <a:rPr lang="en-US" dirty="0"/>
               <a:t> &gt; create table department(</a:t>
             </a:r>
+            <a:endParaRPr lang="en-US" dirty="0"/>
           </a:p>
           <a:p>
             <a:pPr marL="0" indent="0">
@@ -12987,6 +13031,7 @@
               <a:rPr lang="en-US" dirty="0"/>
               <a:t>(40) not null,</a:t>
             </a:r>
+            <a:endParaRPr lang="en-US" dirty="0"/>
           </a:p>
           <a:p>
             <a:pPr marL="0" indent="0">
@@ -13012,6 +13057,7 @@
               <a:rPr lang="en-US" dirty="0"/>
               <a:t> not null unique,</a:t>
             </a:r>
+            <a:endParaRPr lang="en-US" dirty="0"/>
           </a:p>
           <a:p>
             <a:pPr marL="0" indent="0">
@@ -13037,6 +13083,7 @@
               <a:rPr lang="en-US" dirty="0"/>
               <a:t> not null,</a:t>
             </a:r>
+            <a:endParaRPr lang="en-US" dirty="0"/>
           </a:p>
           <a:p>
             <a:pPr marL="0" indent="0">
@@ -13054,6 +13101,7 @@
               <a:rPr lang="en-US" dirty="0"/>
               <a:t> date not null,</a:t>
             </a:r>
+            <a:endParaRPr lang="en-US" dirty="0"/>
           </a:p>
           <a:p>
             <a:pPr marL="0" indent="0">
@@ -13071,6 +13119,7 @@
               <a:rPr lang="en-US" dirty="0"/>
               <a:t>)</a:t>
             </a:r>
+            <a:endParaRPr lang="en-US" dirty="0"/>
           </a:p>
           <a:p>
             <a:pPr marL="0" indent="0">
@@ -13080,6 +13129,7 @@
               <a:rPr lang="en-US" dirty="0"/>
               <a:t>    -&gt; );</a:t>
             </a:r>
+            <a:endParaRPr lang="en-US" dirty="0"/>
           </a:p>
           <a:p>
             <a:pPr marL="0" indent="0">
@@ -13089,6 +13139,7 @@
               <a:rPr lang="en-US" dirty="0"/>
               <a:t>Query OK, 0 rows affected (0.19 sec)</a:t>
             </a:r>
+            <a:endParaRPr lang="en-US" dirty="0"/>
           </a:p>
           <a:p>
             <a:pPr marL="0" indent="0">
@@ -13098,6 +13149,7 @@
               <a:rPr lang="en-US" dirty="0"/>
               <a:t> </a:t>
             </a:r>
+            <a:endParaRPr lang="en-US" dirty="0"/>
           </a:p>
           <a:p>
             <a:pPr marL="0" indent="0">
@@ -13108,11 +13160,6 @@
         </p:txBody>
       </p:sp>
     </p:spTree>
-    <p:extLst>
-      <p:ext uri="{BB962C8B-B14F-4D97-AF65-F5344CB8AC3E}">
-        <p14:creationId xmlns:p14="http://schemas.microsoft.com/office/powerpoint/2010/main" val="2047830846"/>
-      </p:ext>
-    </p:extLst>
   </p:cSld>
   <p:clrMapOvr>
     <a:masterClrMapping/>
@@ -13416,7 +13463,371 @@
 </p:sld>
 </file>
 
-<file path=ppt/slides/slide39.xml><?xml version="1.0" encoding="utf-8"?>
+<file path=ppt/slides/slide4.xml><?xml version="1.0" encoding="utf-8"?>
+<p:sld xmlns:a="http://schemas.openxmlformats.org/drawingml/2006/main" xmlns:r="http://schemas.openxmlformats.org/officeDocument/2006/relationships" xmlns:p="http://schemas.openxmlformats.org/presentationml/2006/main" showMasterPhAnim="0">
+  <p:cSld>
+    <p:spTree>
+      <p:nvGrpSpPr>
+        <p:cNvPr id="1" name=""/>
+        <p:cNvGrpSpPr/>
+        <p:nvPr/>
+      </p:nvGrpSpPr>
+      <p:grpSpPr>
+        <a:xfrm>
+          <a:off x="0" y="0"/>
+          <a:ext cx="0" cy="0"/>
+          <a:chOff x="0" y="0"/>
+          <a:chExt cx="0" cy="0"/>
+        </a:xfrm>
+      </p:grpSpPr>
+      <p:sp>
+        <p:nvSpPr>
+          <p:cNvPr id="272386" name="Rectangle 2"/>
+          <p:cNvSpPr>
+            <a:spLocks noGrp="1" noChangeArrowheads="1"/>
+          </p:cNvSpPr>
+          <p:nvPr>
+            <p:ph type="title"/>
+          </p:nvPr>
+        </p:nvSpPr>
+        <p:spPr/>
+        <p:txBody>
+          <a:bodyPr>
+            <a:normAutofit/>
+          </a:bodyPr>
+          <a:lstStyle/>
+          <a:p>
+            <a:pPr eaLnBrk="1" fontAlgn="auto" hangingPunct="1">
+              <a:spcAft>
+                <a:spcPts val="0"/>
+              </a:spcAft>
+              <a:defRPr/>
+            </a:pPr>
+            <a:r>
+              <a:rPr dirty="0" smtClean="0"/>
+              <a:t>Benefits of a </a:t>
+            </a:r>
+            <a:r>
+              <a:rPr dirty="0" smtClean="0"/>
+              <a:t>Standard</a:t>
+            </a:r>
+            <a:endParaRPr dirty="0" smtClean="0"/>
+          </a:p>
+        </p:txBody>
+      </p:sp>
+      <p:sp>
+        <p:nvSpPr>
+          <p:cNvPr id="21507" name="Rectangle 3"/>
+          <p:cNvSpPr>
+            <a:spLocks noGrp="1" noChangeArrowheads="1"/>
+          </p:cNvSpPr>
+          <p:nvPr>
+            <p:ph idx="1"/>
+          </p:nvPr>
+        </p:nvSpPr>
+        <p:spPr>
+          <a:xfrm>
+            <a:off x="457200" y="1785938"/>
+            <a:ext cx="8686800" cy="3962400"/>
+          </a:xfrm>
+        </p:spPr>
+        <p:txBody>
+          <a:bodyPr/>
+          <a:lstStyle/>
+          <a:p>
+            <a:pPr eaLnBrk="1" hangingPunct="1"/>
+            <a:r>
+              <a:rPr lang="en-US" sz="3600" smtClean="0"/>
+              <a:t>Reduced training costs</a:t>
+            </a:r>
+            <a:endParaRPr lang="en-US" sz="3600" smtClean="0"/>
+          </a:p>
+          <a:p>
+            <a:pPr eaLnBrk="1" hangingPunct="1"/>
+            <a:r>
+              <a:rPr lang="en-US" sz="3600" smtClean="0"/>
+              <a:t>Productivity</a:t>
+            </a:r>
+            <a:endParaRPr lang="en-US" sz="3600" smtClean="0"/>
+          </a:p>
+          <a:p>
+            <a:pPr eaLnBrk="1" hangingPunct="1"/>
+            <a:r>
+              <a:rPr lang="en-US" sz="3600" smtClean="0"/>
+              <a:t>Application portability</a:t>
+            </a:r>
+            <a:endParaRPr lang="en-US" sz="3600" smtClean="0"/>
+          </a:p>
+          <a:p>
+            <a:pPr eaLnBrk="1" hangingPunct="1"/>
+            <a:r>
+              <a:rPr lang="en-US" sz="3600" smtClean="0"/>
+              <a:t>Application longevity</a:t>
+            </a:r>
+            <a:endParaRPr lang="en-US" sz="3600" smtClean="0"/>
+          </a:p>
+          <a:p>
+            <a:pPr eaLnBrk="1" hangingPunct="1"/>
+            <a:r>
+              <a:rPr lang="en-US" sz="3600" smtClean="0"/>
+              <a:t>Reduced dependence on a single vendor</a:t>
+            </a:r>
+            <a:endParaRPr lang="en-US" sz="3600" smtClean="0"/>
+          </a:p>
+          <a:p>
+            <a:pPr eaLnBrk="1" hangingPunct="1"/>
+            <a:r>
+              <a:rPr lang="en-US" sz="3600" smtClean="0"/>
+              <a:t>Cross-system communication</a:t>
+            </a:r>
+            <a:endParaRPr lang="en-US" sz="3600" smtClean="0"/>
+          </a:p>
+        </p:txBody>
+      </p:sp>
+      <p:sp>
+        <p:nvSpPr>
+          <p:cNvPr id="21508" name="Slide Number Placeholder 3"/>
+          <p:cNvSpPr>
+            <a:spLocks noGrp="1"/>
+          </p:cNvSpPr>
+          <p:nvPr>
+            <p:ph type="sldNum" sz="quarter" idx="12"/>
+          </p:nvPr>
+        </p:nvSpPr>
+        <p:spPr bwMode="auto">
+          <a:noFill/>
+          <a:extLst>
+            <a:ext uri="{909E8E84-426E-40DD-AFC4-6F175D3DCCD1}">
+              <a14:hiddenFill xmlns:a14="http://schemas.microsoft.com/office/drawing/2010/main">
+                <a:solidFill>
+                  <a:srgbClr val="FFFFFF"/>
+                </a:solidFill>
+              </a14:hiddenFill>
+            </a:ext>
+            <a:ext uri="{91240B29-F687-4F45-9708-019B960494DF}">
+              <a14:hiddenLine xmlns:a14="http://schemas.microsoft.com/office/drawing/2010/main" w="9525">
+                <a:solidFill>
+                  <a:srgbClr val="000000"/>
+                </a:solidFill>
+                <a:miter lim="800000"/>
+                <a:headEnd/>
+                <a:tailEnd/>
+              </a14:hiddenLine>
+            </a:ext>
+          </a:extLst>
+        </p:spPr>
+        <p:txBody>
+          <a:bodyPr/>
+          <a:lstStyle>
+            <a:lvl1pPr>
+              <a:spcBef>
+                <a:spcPct val="20000"/>
+              </a:spcBef>
+              <a:buClr>
+                <a:schemeClr val="accent1"/>
+              </a:buClr>
+              <a:buSzPct val="70000"/>
+              <a:buFont typeface="Wingdings 2" panose="05020102010507070707" pitchFamily="18" charset="2"/>
+              <a:buChar char=""/>
+              <a:defRPr sz="3200">
+                <a:solidFill>
+                  <a:schemeClr val="tx2"/>
+                </a:solidFill>
+                <a:latin typeface="Franklin Gothic Book" panose="020B0503020102020204" pitchFamily="34" charset="0"/>
+              </a:defRPr>
+            </a:lvl1pPr>
+            <a:lvl2pPr marL="742950" indent="-285750">
+              <a:spcBef>
+                <a:spcPct val="20000"/>
+              </a:spcBef>
+              <a:buClr>
+                <a:schemeClr val="accent1"/>
+              </a:buClr>
+              <a:buSzPct val="70000"/>
+              <a:buFont typeface="Wingdings 2" panose="05020102010507070707" pitchFamily="18" charset="2"/>
+              <a:buChar char=""/>
+              <a:defRPr sz="2800">
+                <a:solidFill>
+                  <a:schemeClr val="tx2"/>
+                </a:solidFill>
+                <a:latin typeface="Franklin Gothic Book" panose="020B0503020102020204" pitchFamily="34" charset="0"/>
+              </a:defRPr>
+            </a:lvl2pPr>
+            <a:lvl3pPr marL="1143000" indent="-228600">
+              <a:spcBef>
+                <a:spcPct val="20000"/>
+              </a:spcBef>
+              <a:buClr>
+                <a:schemeClr val="accent1"/>
+              </a:buClr>
+              <a:buSzPct val="70000"/>
+              <a:buFont typeface="Wingdings 2" panose="05020102010507070707" pitchFamily="18" charset="2"/>
+              <a:buChar char=""/>
+              <a:defRPr sz="2400">
+                <a:solidFill>
+                  <a:schemeClr val="tx2"/>
+                </a:solidFill>
+                <a:latin typeface="Franklin Gothic Book" panose="020B0503020102020204" pitchFamily="34" charset="0"/>
+              </a:defRPr>
+            </a:lvl3pPr>
+            <a:lvl4pPr marL="1600200" indent="-228600">
+              <a:spcBef>
+                <a:spcPct val="20000"/>
+              </a:spcBef>
+              <a:buClr>
+                <a:schemeClr val="accent1"/>
+              </a:buClr>
+              <a:buSzPct val="70000"/>
+              <a:buFont typeface="Wingdings 2" panose="05020102010507070707" pitchFamily="18" charset="2"/>
+              <a:buChar char=""/>
+              <a:defRPr sz="2000">
+                <a:solidFill>
+                  <a:schemeClr val="tx2"/>
+                </a:solidFill>
+                <a:latin typeface="Franklin Gothic Book" panose="020B0503020102020204" pitchFamily="34" charset="0"/>
+              </a:defRPr>
+            </a:lvl4pPr>
+            <a:lvl5pPr marL="2057400" indent="-228600">
+              <a:spcBef>
+                <a:spcPct val="20000"/>
+              </a:spcBef>
+              <a:buClr>
+                <a:schemeClr val="accent1"/>
+              </a:buClr>
+              <a:buSzPct val="60000"/>
+              <a:buFont typeface="Wingdings 2" panose="05020102010507070707" pitchFamily="18" charset="2"/>
+              <a:buChar char=""/>
+              <a:defRPr>
+                <a:solidFill>
+                  <a:schemeClr val="tx2"/>
+                </a:solidFill>
+                <a:latin typeface="Franklin Gothic Book" panose="020B0503020102020204" pitchFamily="34" charset="0"/>
+              </a:defRPr>
+            </a:lvl5pPr>
+            <a:lvl6pPr marL="2514600" indent="-228600" eaLnBrk="0" fontAlgn="base" hangingPunct="0">
+              <a:spcBef>
+                <a:spcPct val="20000"/>
+              </a:spcBef>
+              <a:spcAft>
+                <a:spcPct val="0"/>
+              </a:spcAft>
+              <a:buClr>
+                <a:schemeClr val="accent1"/>
+              </a:buClr>
+              <a:buSzPct val="60000"/>
+              <a:buFont typeface="Wingdings 2" panose="05020102010507070707" pitchFamily="18" charset="2"/>
+              <a:buChar char=""/>
+              <a:defRPr>
+                <a:solidFill>
+                  <a:schemeClr val="tx2"/>
+                </a:solidFill>
+                <a:latin typeface="Franklin Gothic Book" panose="020B0503020102020204" pitchFamily="34" charset="0"/>
+              </a:defRPr>
+            </a:lvl6pPr>
+            <a:lvl7pPr marL="2971800" indent="-228600" eaLnBrk="0" fontAlgn="base" hangingPunct="0">
+              <a:spcBef>
+                <a:spcPct val="20000"/>
+              </a:spcBef>
+              <a:spcAft>
+                <a:spcPct val="0"/>
+              </a:spcAft>
+              <a:buClr>
+                <a:schemeClr val="accent1"/>
+              </a:buClr>
+              <a:buSzPct val="60000"/>
+              <a:buFont typeface="Wingdings 2" panose="05020102010507070707" pitchFamily="18" charset="2"/>
+              <a:buChar char=""/>
+              <a:defRPr>
+                <a:solidFill>
+                  <a:schemeClr val="tx2"/>
+                </a:solidFill>
+                <a:latin typeface="Franklin Gothic Book" panose="020B0503020102020204" pitchFamily="34" charset="0"/>
+              </a:defRPr>
+            </a:lvl7pPr>
+            <a:lvl8pPr marL="3429000" indent="-228600" eaLnBrk="0" fontAlgn="base" hangingPunct="0">
+              <a:spcBef>
+                <a:spcPct val="20000"/>
+              </a:spcBef>
+              <a:spcAft>
+                <a:spcPct val="0"/>
+              </a:spcAft>
+              <a:buClr>
+                <a:schemeClr val="accent1"/>
+              </a:buClr>
+              <a:buSzPct val="60000"/>
+              <a:buFont typeface="Wingdings 2" panose="05020102010507070707" pitchFamily="18" charset="2"/>
+              <a:buChar char=""/>
+              <a:defRPr>
+                <a:solidFill>
+                  <a:schemeClr val="tx2"/>
+                </a:solidFill>
+                <a:latin typeface="Franklin Gothic Book" panose="020B0503020102020204" pitchFamily="34" charset="0"/>
+              </a:defRPr>
+            </a:lvl8pPr>
+            <a:lvl9pPr marL="3886200" indent="-228600" eaLnBrk="0" fontAlgn="base" hangingPunct="0">
+              <a:spcBef>
+                <a:spcPct val="20000"/>
+              </a:spcBef>
+              <a:spcAft>
+                <a:spcPct val="0"/>
+              </a:spcAft>
+              <a:buClr>
+                <a:schemeClr val="accent1"/>
+              </a:buClr>
+              <a:buSzPct val="60000"/>
+              <a:buFont typeface="Wingdings 2" panose="05020102010507070707" pitchFamily="18" charset="2"/>
+              <a:buChar char=""/>
+              <a:defRPr>
+                <a:solidFill>
+                  <a:schemeClr val="tx2"/>
+                </a:solidFill>
+                <a:latin typeface="Franklin Gothic Book" panose="020B0503020102020204" pitchFamily="34" charset="0"/>
+              </a:defRPr>
+            </a:lvl9pPr>
+          </a:lstStyle>
+          <a:p>
+            <a:pPr>
+              <a:spcBef>
+                <a:spcPct val="0"/>
+              </a:spcBef>
+              <a:buClrTx/>
+              <a:buSzTx/>
+              <a:buFontTx/>
+              <a:buNone/>
+            </a:pPr>
+            <a:fld id="{CAF6E497-BE4B-4AD0-BFA7-07E2A239759E}" type="slidenum">
+              <a:rPr lang="en-US" sz="1200">
+                <a:solidFill>
+                  <a:srgbClr val="D38E27"/>
+                </a:solidFill>
+                <a:latin typeface="Tahoma" panose="020B0604030504040204" pitchFamily="34" charset="0"/>
+              </a:rPr>
+            </a:fld>
+            <a:endParaRPr lang="en-US" sz="1200">
+              <a:solidFill>
+                <a:srgbClr val="D38E27"/>
+              </a:solidFill>
+              <a:latin typeface="Tahoma" panose="020B0604030504040204" pitchFamily="34" charset="0"/>
+            </a:endParaRPr>
+          </a:p>
+        </p:txBody>
+      </p:sp>
+    </p:spTree>
+  </p:cSld>
+  <p:clrMapOvr>
+    <a:masterClrMapping/>
+  </p:clrMapOvr>
+  <p:timing>
+    <p:tnLst>
+      <p:par>
+        <p:cTn id="1" dur="indefinite" restart="never" nodeType="tmRoot"/>
+      </p:par>
+    </p:tnLst>
+  </p:timing>
+</p:sld>
+</file>
+
+<file path=ppt/slides/slide40.xml><?xml version="1.0" encoding="utf-8"?>
 <p:sld xmlns:a="http://schemas.openxmlformats.org/drawingml/2006/main" xmlns:r="http://schemas.openxmlformats.org/officeDocument/2006/relationships" xmlns:p="http://schemas.openxmlformats.org/presentationml/2006/main">
   <p:cSld>
     <p:spTree>
@@ -13500,6 +13911,7 @@
               <a:rPr lang="en-US" dirty="0"/>
               <a:t>(</a:t>
             </a:r>
+            <a:endParaRPr lang="en-US" dirty="0"/>
           </a:p>
           <a:p>
             <a:pPr marL="0" indent="0">
@@ -13525,6 +13937,7 @@
               <a:rPr lang="en-US" dirty="0"/>
               <a:t> not null unique,</a:t>
             </a:r>
+            <a:endParaRPr lang="en-US" dirty="0"/>
           </a:p>
           <a:p>
             <a:pPr marL="0" indent="0">
@@ -13550,6 +13963,7 @@
               <a:rPr lang="en-US" dirty="0"/>
               <a:t>(30) not null,</a:t>
             </a:r>
+            <a:endParaRPr lang="en-US" dirty="0"/>
           </a:p>
           <a:p>
             <a:pPr marL="0" indent="0">
@@ -13575,6 +13989,7 @@
               <a:rPr lang="en-US" dirty="0"/>
               <a:t>)</a:t>
             </a:r>
+            <a:endParaRPr lang="en-US" dirty="0"/>
           </a:p>
           <a:p>
             <a:pPr marL="0" indent="0">
@@ -13584,6 +13999,7 @@
               <a:rPr lang="en-US" dirty="0"/>
               <a:t>    -&gt; );</a:t>
             </a:r>
+            <a:endParaRPr lang="en-US" dirty="0"/>
           </a:p>
           <a:p>
             <a:pPr marL="0" indent="0">
@@ -13593,6 +14009,7 @@
               <a:rPr lang="en-US" dirty="0"/>
               <a:t>Query OK, 0 rows affected (0.16 sec)</a:t>
             </a:r>
+            <a:endParaRPr lang="en-US" dirty="0"/>
           </a:p>
           <a:p>
             <a:pPr marL="0" indent="0">
@@ -13603,11 +14020,6 @@
         </p:txBody>
       </p:sp>
     </p:spTree>
-    <p:extLst>
-      <p:ext uri="{BB962C8B-B14F-4D97-AF65-F5344CB8AC3E}">
-        <p14:creationId xmlns:p14="http://schemas.microsoft.com/office/powerpoint/2010/main" val="1006555547"/>
-      </p:ext>
-    </p:extLst>
   </p:cSld>
   <p:clrMapOvr>
     <a:masterClrMapping/>
@@ -13849,380 +14261,7 @@
 </p:sld>
 </file>
 
-<file path=ppt/slides/slide4.xml><?xml version="1.0" encoding="utf-8"?>
-<p:sld xmlns:a="http://schemas.openxmlformats.org/drawingml/2006/main" xmlns:r="http://schemas.openxmlformats.org/officeDocument/2006/relationships" xmlns:p="http://schemas.openxmlformats.org/presentationml/2006/main" showMasterPhAnim="0">
-  <p:cSld>
-    <p:spTree>
-      <p:nvGrpSpPr>
-        <p:cNvPr id="1" name=""/>
-        <p:cNvGrpSpPr/>
-        <p:nvPr/>
-      </p:nvGrpSpPr>
-      <p:grpSpPr>
-        <a:xfrm>
-          <a:off x="0" y="0"/>
-          <a:ext cx="0" cy="0"/>
-          <a:chOff x="0" y="0"/>
-          <a:chExt cx="0" cy="0"/>
-        </a:xfrm>
-      </p:grpSpPr>
-      <p:sp>
-        <p:nvSpPr>
-          <p:cNvPr id="272386" name="Rectangle 2"/>
-          <p:cNvSpPr>
-            <a:spLocks noGrp="1" noChangeArrowheads="1"/>
-          </p:cNvSpPr>
-          <p:nvPr>
-            <p:ph type="title"/>
-          </p:nvPr>
-        </p:nvSpPr>
-        <p:spPr/>
-        <p:txBody>
-          <a:bodyPr>
-            <a:normAutofit/>
-          </a:bodyPr>
-          <a:lstStyle/>
-          <a:p>
-            <a:pPr eaLnBrk="1" fontAlgn="auto" hangingPunct="1">
-              <a:spcAft>
-                <a:spcPts val="0"/>
-              </a:spcAft>
-              <a:defRPr/>
-            </a:pPr>
-            <a:r>
-              <a:rPr dirty="0" smtClean="0"/>
-              <a:t>Benefits of a </a:t>
-            </a:r>
-            <a:r>
-              <a:rPr dirty="0" smtClean="0"/>
-              <a:t>Standard</a:t>
-            </a:r>
-            <a:endParaRPr dirty="0" smtClean="0"/>
-          </a:p>
-        </p:txBody>
-      </p:sp>
-      <p:sp>
-        <p:nvSpPr>
-          <p:cNvPr id="21507" name="Rectangle 3"/>
-          <p:cNvSpPr>
-            <a:spLocks noGrp="1" noChangeArrowheads="1"/>
-          </p:cNvSpPr>
-          <p:nvPr>
-            <p:ph idx="1"/>
-          </p:nvPr>
-        </p:nvSpPr>
-        <p:spPr>
-          <a:xfrm>
-            <a:off x="457200" y="1785938"/>
-            <a:ext cx="8686800" cy="3962400"/>
-          </a:xfrm>
-        </p:spPr>
-        <p:txBody>
-          <a:bodyPr/>
-          <a:lstStyle/>
-          <a:p>
-            <a:pPr eaLnBrk="1" hangingPunct="1"/>
-            <a:r>
-              <a:rPr lang="en-US" sz="3600" smtClean="0"/>
-              <a:t>Reduced training costs</a:t>
-            </a:r>
-          </a:p>
-          <a:p>
-            <a:pPr eaLnBrk="1" hangingPunct="1"/>
-            <a:r>
-              <a:rPr lang="en-US" sz="3600" smtClean="0"/>
-              <a:t>Productivity</a:t>
-            </a:r>
-          </a:p>
-          <a:p>
-            <a:pPr eaLnBrk="1" hangingPunct="1"/>
-            <a:r>
-              <a:rPr lang="en-US" sz="3600" smtClean="0"/>
-              <a:t>Application portability</a:t>
-            </a:r>
-          </a:p>
-          <a:p>
-            <a:pPr eaLnBrk="1" hangingPunct="1"/>
-            <a:r>
-              <a:rPr lang="en-US" sz="3600" smtClean="0"/>
-              <a:t>Application longevity</a:t>
-            </a:r>
-          </a:p>
-          <a:p>
-            <a:pPr eaLnBrk="1" hangingPunct="1"/>
-            <a:r>
-              <a:rPr lang="en-US" sz="3600" smtClean="0"/>
-              <a:t>Reduced dependence on a single vendor</a:t>
-            </a:r>
-          </a:p>
-          <a:p>
-            <a:pPr eaLnBrk="1" hangingPunct="1"/>
-            <a:r>
-              <a:rPr lang="en-US" sz="3600" smtClean="0"/>
-              <a:t>Cross-system communication</a:t>
-            </a:r>
-          </a:p>
-        </p:txBody>
-      </p:sp>
-      <p:sp>
-        <p:nvSpPr>
-          <p:cNvPr id="21508" name="Slide Number Placeholder 3"/>
-          <p:cNvSpPr>
-            <a:spLocks noGrp="1"/>
-          </p:cNvSpPr>
-          <p:nvPr>
-            <p:ph type="sldNum" sz="quarter" idx="12"/>
-          </p:nvPr>
-        </p:nvSpPr>
-        <p:spPr bwMode="auto">
-          <a:noFill/>
-          <a:extLst>
-            <a:ext uri="{909E8E84-426E-40DD-AFC4-6F175D3DCCD1}">
-              <a14:hiddenFill xmlns:a14="http://schemas.microsoft.com/office/drawing/2010/main">
-                <a:solidFill>
-                  <a:srgbClr val="FFFFFF"/>
-                </a:solidFill>
-              </a14:hiddenFill>
-            </a:ext>
-            <a:ext uri="{91240B29-F687-4F45-9708-019B960494DF}">
-              <a14:hiddenLine xmlns:a14="http://schemas.microsoft.com/office/drawing/2010/main" w="9525">
-                <a:solidFill>
-                  <a:srgbClr val="000000"/>
-                </a:solidFill>
-                <a:miter lim="800000"/>
-                <a:headEnd/>
-                <a:tailEnd/>
-              </a14:hiddenLine>
-            </a:ext>
-          </a:extLst>
-        </p:spPr>
-        <p:txBody>
-          <a:bodyPr/>
-          <a:lstStyle>
-            <a:lvl1pPr>
-              <a:spcBef>
-                <a:spcPct val="20000"/>
-              </a:spcBef>
-              <a:buClr>
-                <a:schemeClr val="accent1"/>
-              </a:buClr>
-              <a:buSzPct val="70000"/>
-              <a:buFont typeface="Wingdings 2" panose="05020102010507070707" pitchFamily="18" charset="2"/>
-              <a:buChar char=""/>
-              <a:defRPr sz="3200">
-                <a:solidFill>
-                  <a:schemeClr val="tx2"/>
-                </a:solidFill>
-                <a:latin typeface="Franklin Gothic Book" panose="020B0503020102020204" pitchFamily="34" charset="0"/>
-              </a:defRPr>
-            </a:lvl1pPr>
-            <a:lvl2pPr marL="742950" indent="-285750">
-              <a:spcBef>
-                <a:spcPct val="20000"/>
-              </a:spcBef>
-              <a:buClr>
-                <a:schemeClr val="accent1"/>
-              </a:buClr>
-              <a:buSzPct val="70000"/>
-              <a:buFont typeface="Wingdings 2" panose="05020102010507070707" pitchFamily="18" charset="2"/>
-              <a:buChar char=""/>
-              <a:defRPr sz="2800">
-                <a:solidFill>
-                  <a:schemeClr val="tx2"/>
-                </a:solidFill>
-                <a:latin typeface="Franklin Gothic Book" panose="020B0503020102020204" pitchFamily="34" charset="0"/>
-              </a:defRPr>
-            </a:lvl2pPr>
-            <a:lvl3pPr marL="1143000" indent="-228600">
-              <a:spcBef>
-                <a:spcPct val="20000"/>
-              </a:spcBef>
-              <a:buClr>
-                <a:schemeClr val="accent1"/>
-              </a:buClr>
-              <a:buSzPct val="70000"/>
-              <a:buFont typeface="Wingdings 2" panose="05020102010507070707" pitchFamily="18" charset="2"/>
-              <a:buChar char=""/>
-              <a:defRPr sz="2400">
-                <a:solidFill>
-                  <a:schemeClr val="tx2"/>
-                </a:solidFill>
-                <a:latin typeface="Franklin Gothic Book" panose="020B0503020102020204" pitchFamily="34" charset="0"/>
-              </a:defRPr>
-            </a:lvl3pPr>
-            <a:lvl4pPr marL="1600200" indent="-228600">
-              <a:spcBef>
-                <a:spcPct val="20000"/>
-              </a:spcBef>
-              <a:buClr>
-                <a:schemeClr val="accent1"/>
-              </a:buClr>
-              <a:buSzPct val="70000"/>
-              <a:buFont typeface="Wingdings 2" panose="05020102010507070707" pitchFamily="18" charset="2"/>
-              <a:buChar char=""/>
-              <a:defRPr sz="2000">
-                <a:solidFill>
-                  <a:schemeClr val="tx2"/>
-                </a:solidFill>
-                <a:latin typeface="Franklin Gothic Book" panose="020B0503020102020204" pitchFamily="34" charset="0"/>
-              </a:defRPr>
-            </a:lvl4pPr>
-            <a:lvl5pPr marL="2057400" indent="-228600">
-              <a:spcBef>
-                <a:spcPct val="20000"/>
-              </a:spcBef>
-              <a:buClr>
-                <a:schemeClr val="accent1"/>
-              </a:buClr>
-              <a:buSzPct val="60000"/>
-              <a:buFont typeface="Wingdings 2" panose="05020102010507070707" pitchFamily="18" charset="2"/>
-              <a:buChar char=""/>
-              <a:defRPr>
-                <a:solidFill>
-                  <a:schemeClr val="tx2"/>
-                </a:solidFill>
-                <a:latin typeface="Franklin Gothic Book" panose="020B0503020102020204" pitchFamily="34" charset="0"/>
-              </a:defRPr>
-            </a:lvl5pPr>
-            <a:lvl6pPr marL="2514600" indent="-228600" eaLnBrk="0" fontAlgn="base" hangingPunct="0">
-              <a:spcBef>
-                <a:spcPct val="20000"/>
-              </a:spcBef>
-              <a:spcAft>
-                <a:spcPct val="0"/>
-              </a:spcAft>
-              <a:buClr>
-                <a:schemeClr val="accent1"/>
-              </a:buClr>
-              <a:buSzPct val="60000"/>
-              <a:buFont typeface="Wingdings 2" panose="05020102010507070707" pitchFamily="18" charset="2"/>
-              <a:buChar char=""/>
-              <a:defRPr>
-                <a:solidFill>
-                  <a:schemeClr val="tx2"/>
-                </a:solidFill>
-                <a:latin typeface="Franklin Gothic Book" panose="020B0503020102020204" pitchFamily="34" charset="0"/>
-              </a:defRPr>
-            </a:lvl6pPr>
-            <a:lvl7pPr marL="2971800" indent="-228600" eaLnBrk="0" fontAlgn="base" hangingPunct="0">
-              <a:spcBef>
-                <a:spcPct val="20000"/>
-              </a:spcBef>
-              <a:spcAft>
-                <a:spcPct val="0"/>
-              </a:spcAft>
-              <a:buClr>
-                <a:schemeClr val="accent1"/>
-              </a:buClr>
-              <a:buSzPct val="60000"/>
-              <a:buFont typeface="Wingdings 2" panose="05020102010507070707" pitchFamily="18" charset="2"/>
-              <a:buChar char=""/>
-              <a:defRPr>
-                <a:solidFill>
-                  <a:schemeClr val="tx2"/>
-                </a:solidFill>
-                <a:latin typeface="Franklin Gothic Book" panose="020B0503020102020204" pitchFamily="34" charset="0"/>
-              </a:defRPr>
-            </a:lvl7pPr>
-            <a:lvl8pPr marL="3429000" indent="-228600" eaLnBrk="0" fontAlgn="base" hangingPunct="0">
-              <a:spcBef>
-                <a:spcPct val="20000"/>
-              </a:spcBef>
-              <a:spcAft>
-                <a:spcPct val="0"/>
-              </a:spcAft>
-              <a:buClr>
-                <a:schemeClr val="accent1"/>
-              </a:buClr>
-              <a:buSzPct val="60000"/>
-              <a:buFont typeface="Wingdings 2" panose="05020102010507070707" pitchFamily="18" charset="2"/>
-              <a:buChar char=""/>
-              <a:defRPr>
-                <a:solidFill>
-                  <a:schemeClr val="tx2"/>
-                </a:solidFill>
-                <a:latin typeface="Franklin Gothic Book" panose="020B0503020102020204" pitchFamily="34" charset="0"/>
-              </a:defRPr>
-            </a:lvl8pPr>
-            <a:lvl9pPr marL="3886200" indent="-228600" eaLnBrk="0" fontAlgn="base" hangingPunct="0">
-              <a:spcBef>
-                <a:spcPct val="20000"/>
-              </a:spcBef>
-              <a:spcAft>
-                <a:spcPct val="0"/>
-              </a:spcAft>
-              <a:buClr>
-                <a:schemeClr val="accent1"/>
-              </a:buClr>
-              <a:buSzPct val="60000"/>
-              <a:buFont typeface="Wingdings 2" panose="05020102010507070707" pitchFamily="18" charset="2"/>
-              <a:buChar char=""/>
-              <a:defRPr>
-                <a:solidFill>
-                  <a:schemeClr val="tx2"/>
-                </a:solidFill>
-                <a:latin typeface="Franklin Gothic Book" panose="020B0503020102020204" pitchFamily="34" charset="0"/>
-              </a:defRPr>
-            </a:lvl9pPr>
-          </a:lstStyle>
-          <a:p>
-            <a:pPr>
-              <a:spcBef>
-                <a:spcPct val="0"/>
-              </a:spcBef>
-              <a:buClrTx/>
-              <a:buSzTx/>
-              <a:buFontTx/>
-              <a:buNone/>
-            </a:pPr>
-            <a:fld id="{CAF6E497-BE4B-4AD0-BFA7-07E2A239759E}" type="slidenum">
-              <a:rPr lang="en-US" sz="1200">
-                <a:solidFill>
-                  <a:srgbClr val="D38E27"/>
-                </a:solidFill>
-                <a:latin typeface="Tahoma" panose="020B0604030504040204" pitchFamily="34" charset="0"/>
-              </a:rPr>
-              <a:pPr>
-                <a:spcBef>
-                  <a:spcPct val="0"/>
-                </a:spcBef>
-                <a:buClrTx/>
-                <a:buSzTx/>
-                <a:buFontTx/>
-                <a:buNone/>
-              </a:pPr>
-              <a:t>4</a:t>
-            </a:fld>
-            <a:endParaRPr lang="en-US" sz="1200">
-              <a:solidFill>
-                <a:srgbClr val="D38E27"/>
-              </a:solidFill>
-              <a:latin typeface="Tahoma" panose="020B0604030504040204" pitchFamily="34" charset="0"/>
-            </a:endParaRPr>
-          </a:p>
-        </p:txBody>
-      </p:sp>
-    </p:spTree>
-    <p:extLst>
-      <p:ext uri="{BB962C8B-B14F-4D97-AF65-F5344CB8AC3E}">
-        <p14:creationId xmlns:p14="http://schemas.microsoft.com/office/powerpoint/2010/main" val="1039162414"/>
-      </p:ext>
-    </p:extLst>
-  </p:cSld>
-  <p:clrMapOvr>
-    <a:masterClrMapping/>
-  </p:clrMapOvr>
-  <p:timing>
-    <p:tnLst>
-      <p:par>
-        <p:cTn id="1" dur="indefinite" restart="never" nodeType="tmRoot"/>
-      </p:par>
-    </p:tnLst>
-  </p:timing>
-</p:sld>
-</file>
-
-<file path=ppt/slides/slide40.xml><?xml version="1.0" encoding="utf-8"?>
+<file path=ppt/slides/slide41.xml><?xml version="1.0" encoding="utf-8"?>
 <p:sld xmlns:a="http://schemas.openxmlformats.org/drawingml/2006/main" xmlns:r="http://schemas.openxmlformats.org/officeDocument/2006/relationships" xmlns:p="http://schemas.openxmlformats.org/presentationml/2006/main">
   <p:cSld>
     <p:spTree>
@@ -14296,6 +14335,7 @@
               <a:rPr lang="en-US" dirty="0"/>
               <a:t> &gt; create table project(</a:t>
             </a:r>
+            <a:endParaRPr lang="en-US" dirty="0"/>
           </a:p>
           <a:p>
             <a:pPr marL="0" indent="0">
@@ -14321,6 +14361,7 @@
               <a:rPr lang="en-US" dirty="0"/>
               <a:t>(30) not null,</a:t>
             </a:r>
+            <a:endParaRPr lang="en-US" dirty="0"/>
           </a:p>
           <a:p>
             <a:pPr marL="0" indent="0">
@@ -14346,6 +14387,7 @@
               <a:rPr lang="en-US" dirty="0"/>
               <a:t> not null,</a:t>
             </a:r>
+            <a:endParaRPr lang="en-US" dirty="0"/>
           </a:p>
           <a:p>
             <a:pPr marL="0" indent="0">
@@ -14371,6 +14413,7 @@
               <a:rPr lang="en-US" dirty="0"/>
               <a:t>(30) not null,</a:t>
             </a:r>
+            <a:endParaRPr lang="en-US" dirty="0"/>
           </a:p>
           <a:p>
             <a:pPr marL="0" indent="0">
@@ -14388,6 +14431,7 @@
               <a:rPr lang="en-US" dirty="0"/>
               <a:t> not null,</a:t>
             </a:r>
+            <a:endParaRPr lang="en-US" dirty="0"/>
           </a:p>
           <a:p>
             <a:pPr marL="0" indent="0">
@@ -14405,6 +14449,7 @@
               <a:rPr lang="en-US" dirty="0"/>
               <a:t>)</a:t>
             </a:r>
+            <a:endParaRPr lang="en-US" dirty="0"/>
           </a:p>
           <a:p>
             <a:pPr marL="0" indent="0">
@@ -14414,6 +14459,7 @@
               <a:rPr lang="en-US" dirty="0"/>
               <a:t>    -&gt; );</a:t>
             </a:r>
+            <a:endParaRPr lang="en-US" dirty="0"/>
           </a:p>
           <a:p>
             <a:pPr marL="0" indent="0">
@@ -14423,6 +14469,7 @@
               <a:rPr lang="en-US" dirty="0"/>
               <a:t>Query OK, 0 rows affected (0.12 sec)</a:t>
             </a:r>
+            <a:endParaRPr lang="en-US" dirty="0"/>
           </a:p>
           <a:p>
             <a:pPr marL="0" indent="0">
@@ -14433,11 +14480,6 @@
         </p:txBody>
       </p:sp>
     </p:spTree>
-    <p:extLst>
-      <p:ext uri="{BB962C8B-B14F-4D97-AF65-F5344CB8AC3E}">
-        <p14:creationId xmlns:p14="http://schemas.microsoft.com/office/powerpoint/2010/main" val="3657420307"/>
-      </p:ext>
-    </p:extLst>
   </p:cSld>
   <p:clrMapOvr>
     <a:masterClrMapping/>
@@ -14741,7 +14783,7 @@
 </p:sld>
 </file>
 
-<file path=ppt/slides/slide41.xml><?xml version="1.0" encoding="utf-8"?>
+<file path=ppt/slides/slide42.xml><?xml version="1.0" encoding="utf-8"?>
 <p:sld xmlns:a="http://schemas.openxmlformats.org/drawingml/2006/main" xmlns:r="http://schemas.openxmlformats.org/officeDocument/2006/relationships" xmlns:p="http://schemas.openxmlformats.org/presentationml/2006/main">
   <p:cSld>
     <p:spTree>
@@ -14827,6 +14869,7 @@
               <a:rPr lang="en-US" dirty="0"/>
               <a:t>(</a:t>
             </a:r>
+            <a:endParaRPr lang="en-US" dirty="0"/>
           </a:p>
           <a:p>
             <a:pPr marL="0" indent="0">
@@ -14844,6 +14887,7 @@
               <a:rPr lang="en-US" dirty="0"/>
               <a:t> not null,</a:t>
             </a:r>
+            <a:endParaRPr lang="en-US" dirty="0"/>
           </a:p>
           <a:p>
             <a:pPr marL="0" indent="0">
@@ -14869,6 +14913,7 @@
               <a:rPr lang="en-US" dirty="0"/>
               <a:t> not null,</a:t>
             </a:r>
+            <a:endParaRPr lang="en-US" dirty="0"/>
           </a:p>
           <a:p>
             <a:pPr marL="0" indent="0">
@@ -14878,6 +14923,7 @@
               <a:rPr lang="en-US" dirty="0"/>
               <a:t>-&gt; Hours decimal,</a:t>
             </a:r>
+            <a:endParaRPr lang="en-US" dirty="0"/>
           </a:p>
           <a:p>
             <a:pPr marL="0" indent="0">
@@ -14895,6 +14941,7 @@
               <a:rPr lang="en-US" dirty="0"/>
               <a:t>)</a:t>
             </a:r>
+            <a:endParaRPr lang="en-US" dirty="0"/>
           </a:p>
           <a:p>
             <a:pPr marL="0" indent="0">
@@ -14904,6 +14951,7 @@
               <a:rPr lang="en-US" dirty="0"/>
               <a:t>-&gt; );</a:t>
             </a:r>
+            <a:endParaRPr lang="en-US" dirty="0"/>
           </a:p>
           <a:p>
             <a:pPr marL="0" indent="0">
@@ -14913,15 +14961,11 @@
               <a:rPr lang="en-US" dirty="0"/>
               <a:t>	</a:t>
             </a:r>
+            <a:endParaRPr lang="en-US" dirty="0"/>
           </a:p>
         </p:txBody>
       </p:sp>
     </p:spTree>
-    <p:extLst>
-      <p:ext uri="{BB962C8B-B14F-4D97-AF65-F5344CB8AC3E}">
-        <p14:creationId xmlns:p14="http://schemas.microsoft.com/office/powerpoint/2010/main" val="1369925294"/>
-      </p:ext>
-    </p:extLst>
   </p:cSld>
   <p:clrMapOvr>
     <a:masterClrMapping/>
@@ -15163,7 +15207,7 @@
 </p:sld>
 </file>
 
-<file path=ppt/slides/slide42.xml><?xml version="1.0" encoding="utf-8"?>
+<file path=ppt/slides/slide43.xml><?xml version="1.0" encoding="utf-8"?>
 <p:sld xmlns:a="http://schemas.openxmlformats.org/drawingml/2006/main" xmlns:r="http://schemas.openxmlformats.org/officeDocument/2006/relationships" xmlns:p="http://schemas.openxmlformats.org/presentationml/2006/main">
   <p:cSld>
     <p:spTree>
@@ -15237,6 +15281,7 @@
               <a:rPr lang="en-US" dirty="0"/>
               <a:t> &gt; create table dependent(</a:t>
             </a:r>
+            <a:endParaRPr lang="en-US" dirty="0"/>
           </a:p>
           <a:p>
             <a:pPr marL="0" indent="0">
@@ -15254,6 +15299,7 @@
               <a:rPr lang="en-US" dirty="0"/>
               <a:t> not null,</a:t>
             </a:r>
+            <a:endParaRPr lang="en-US" dirty="0"/>
           </a:p>
           <a:p>
             <a:pPr marL="0" indent="0">
@@ -15279,6 +15325,7 @@
               <a:rPr lang="en-US" dirty="0"/>
               <a:t>(30),</a:t>
             </a:r>
+            <a:endParaRPr lang="en-US" dirty="0"/>
           </a:p>
           <a:p>
             <a:pPr marL="0" indent="0">
@@ -15296,6 +15343,7 @@
               <a:rPr lang="en-US" dirty="0"/>
               <a:t>('M','F'),</a:t>
             </a:r>
+            <a:endParaRPr lang="en-US" dirty="0"/>
           </a:p>
           <a:p>
             <a:pPr marL="0" indent="0">
@@ -15313,6 +15361,7 @@
               <a:rPr lang="en-US" dirty="0"/>
               <a:t> date,</a:t>
             </a:r>
+            <a:endParaRPr lang="en-US" dirty="0"/>
           </a:p>
           <a:p>
             <a:pPr marL="0" indent="0">
@@ -15330,6 +15379,7 @@
               <a:rPr lang="en-US" dirty="0"/>
               <a:t>(30),</a:t>
             </a:r>
+            <a:endParaRPr lang="en-US" dirty="0"/>
           </a:p>
           <a:p>
             <a:pPr marL="0" indent="0">
@@ -15347,6 +15397,7 @@
               <a:rPr lang="en-US" dirty="0"/>
               <a:t>)</a:t>
             </a:r>
+            <a:endParaRPr lang="en-US" dirty="0"/>
           </a:p>
           <a:p>
             <a:pPr marL="0" indent="0">
@@ -15356,6 +15407,7 @@
               <a:rPr lang="en-US" dirty="0"/>
               <a:t>    -&gt; );</a:t>
             </a:r>
+            <a:endParaRPr lang="en-US" dirty="0"/>
           </a:p>
           <a:p>
             <a:pPr marL="0" indent="0">
@@ -15365,6 +15417,7 @@
               <a:rPr lang="en-US" dirty="0"/>
               <a:t>Query OK, 0 rows affected (0.18 sec)</a:t>
             </a:r>
+            <a:endParaRPr lang="en-US" dirty="0"/>
           </a:p>
           <a:p>
             <a:pPr marL="0" indent="0">
@@ -15381,11 +15434,6 @@
         </p:txBody>
       </p:sp>
     </p:spTree>
-    <p:extLst>
-      <p:ext uri="{BB962C8B-B14F-4D97-AF65-F5344CB8AC3E}">
-        <p14:creationId xmlns:p14="http://schemas.microsoft.com/office/powerpoint/2010/main" val="2706019658"/>
-      </p:ext>
-    </p:extLst>
   </p:cSld>
   <p:clrMapOvr>
     <a:masterClrMapping/>
@@ -15720,7 +15768,7 @@
 </p:sld>
 </file>
 
-<file path=ppt/slides/slide43.xml><?xml version="1.0" encoding="utf-8"?>
+<file path=ppt/slides/slide44.xml><?xml version="1.0" encoding="utf-8"?>
 <p:sld xmlns:a="http://schemas.openxmlformats.org/drawingml/2006/main" xmlns:r="http://schemas.openxmlformats.org/officeDocument/2006/relationships" xmlns:p="http://schemas.openxmlformats.org/presentationml/2006/main">
   <p:cSld>
     <p:spTree>
@@ -15790,6 +15838,7 @@
               <a:rPr lang="en-US" dirty="0"/>
               <a:t> </a:t>
             </a:r>
+            <a:endParaRPr lang="en-US" dirty="0"/>
           </a:p>
           <a:p>
             <a:pPr marL="0" indent="0">
@@ -15803,6 +15852,7 @@
               <a:rPr lang="en-US" dirty="0" smtClean="0"/>
               <a:t>);</a:t>
             </a:r>
+            <a:endParaRPr lang="en-US" dirty="0" smtClean="0"/>
           </a:p>
           <a:p>
             <a:pPr marL="0" indent="0">
@@ -15822,6 +15872,7 @@
               <a:rPr lang="en-US" dirty="0" smtClean="0"/>
               <a:t>);</a:t>
             </a:r>
+            <a:endParaRPr lang="en-US" dirty="0" smtClean="0"/>
           </a:p>
           <a:p>
             <a:pPr marL="0" indent="0">
@@ -15841,6 +15892,7 @@
               <a:rPr lang="en-US" dirty="0" smtClean="0"/>
               <a:t>);</a:t>
             </a:r>
+            <a:endParaRPr lang="en-US" dirty="0" smtClean="0"/>
           </a:p>
           <a:p>
             <a:pPr marL="0" indent="0">
@@ -15873,11 +15925,6 @@
         </p:txBody>
       </p:sp>
     </p:spTree>
-    <p:extLst>
-      <p:ext uri="{BB962C8B-B14F-4D97-AF65-F5344CB8AC3E}">
-        <p14:creationId xmlns:p14="http://schemas.microsoft.com/office/powerpoint/2010/main" val="3080585934"/>
-      </p:ext>
-    </p:extLst>
   </p:cSld>
   <p:clrMapOvr>
     <a:masterClrMapping/>
@@ -16057,7 +16104,7 @@
 </p:sld>
 </file>
 
-<file path=ppt/slides/slide44.xml><?xml version="1.0" encoding="utf-8"?>
+<file path=ppt/slides/slide45.xml><?xml version="1.0" encoding="utf-8"?>
 <p:sld xmlns:a="http://schemas.openxmlformats.org/drawingml/2006/main" xmlns:r="http://schemas.openxmlformats.org/officeDocument/2006/relationships" xmlns:p="http://schemas.openxmlformats.org/presentationml/2006/main">
   <p:cSld>
     <p:spTree>
@@ -16121,6 +16168,7 @@
               <a:rPr lang="en-US" dirty="0" smtClean="0"/>
               <a:t>);</a:t>
             </a:r>
+            <a:endParaRPr lang="en-US" dirty="0" smtClean="0"/>
           </a:p>
           <a:p>
             <a:pPr marL="0" indent="0">
@@ -16148,6 +16196,7 @@
               <a:rPr lang="en-US" dirty="0" smtClean="0"/>
               <a:t>);</a:t>
             </a:r>
+            <a:endParaRPr lang="en-US" dirty="0" smtClean="0"/>
           </a:p>
           <a:p>
             <a:pPr marL="0" indent="0">
@@ -16175,6 +16224,7 @@
               <a:rPr lang="en-US" dirty="0" smtClean="0"/>
               <a:t>);</a:t>
             </a:r>
+            <a:endParaRPr lang="en-US" dirty="0" smtClean="0"/>
           </a:p>
           <a:p>
             <a:pPr marL="0" indent="0">
@@ -16190,6 +16240,7 @@
               <a:rPr lang="en-US" dirty="0"/>
               <a:t>Alter table dependent add foreign key (ESSN) references employee (SSN);</a:t>
             </a:r>
+            <a:endParaRPr lang="en-US" dirty="0"/>
           </a:p>
           <a:p>
             <a:pPr marL="0" indent="0">
@@ -16206,11 +16257,6 @@
         </p:txBody>
       </p:sp>
     </p:spTree>
-    <p:extLst>
-      <p:ext uri="{BB962C8B-B14F-4D97-AF65-F5344CB8AC3E}">
-        <p14:creationId xmlns:p14="http://schemas.microsoft.com/office/powerpoint/2010/main" val="3023472581"/>
-      </p:ext>
-    </p:extLst>
   </p:cSld>
   <p:clrMapOvr>
     <a:masterClrMapping/>
@@ -16390,189 +16436,6 @@
 </p:sld>
 </file>
 
-<file path=ppt/slides/slide45.xml><?xml version="1.0" encoding="utf-8"?>
-<p:sld xmlns:a="http://schemas.openxmlformats.org/drawingml/2006/main" xmlns:r="http://schemas.openxmlformats.org/officeDocument/2006/relationships" xmlns:p="http://schemas.openxmlformats.org/presentationml/2006/main">
-  <p:cSld>
-    <p:spTree>
-      <p:nvGrpSpPr>
-        <p:cNvPr id="1" name=""/>
-        <p:cNvGrpSpPr/>
-        <p:nvPr/>
-      </p:nvGrpSpPr>
-      <p:grpSpPr>
-        <a:xfrm>
-          <a:off x="0" y="0"/>
-          <a:ext cx="0" cy="0"/>
-          <a:chOff x="0" y="0"/>
-          <a:chExt cx="0" cy="0"/>
-        </a:xfrm>
-      </p:grpSpPr>
-      <p:sp>
-        <p:nvSpPr>
-          <p:cNvPr id="2" name="Title 1"/>
-          <p:cNvSpPr>
-            <a:spLocks noGrp="1"/>
-          </p:cNvSpPr>
-          <p:nvPr>
-            <p:ph type="title"/>
-          </p:nvPr>
-        </p:nvSpPr>
-        <p:spPr/>
-        <p:txBody>
-          <a:bodyPr/>
-          <a:lstStyle/>
-          <a:p>
-            <a:endParaRPr lang="en-US"/>
-          </a:p>
-        </p:txBody>
-      </p:sp>
-      <p:sp>
-        <p:nvSpPr>
-          <p:cNvPr id="3" name="Content Placeholder 2"/>
-          <p:cNvSpPr>
-            <a:spLocks noGrp="1"/>
-          </p:cNvSpPr>
-          <p:nvPr>
-            <p:ph idx="1"/>
-          </p:nvPr>
-        </p:nvSpPr>
-        <p:spPr/>
-        <p:txBody>
-          <a:bodyPr>
-            <a:normAutofit fontScale="62500" lnSpcReduction="20000"/>
-          </a:bodyPr>
-          <a:lstStyle/>
-          <a:p>
-            <a:pPr marL="0" indent="0">
-              <a:buNone/>
-            </a:pPr>
-            <a:r>
-              <a:rPr lang="en-US" b="1" dirty="0"/>
-              <a:t>Inserting into table </a:t>
-            </a:r>
-            <a:r>
-              <a:rPr lang="en-US" b="1" dirty="0" smtClean="0"/>
-              <a:t>Employee</a:t>
-            </a:r>
-          </a:p>
-          <a:p>
-            <a:pPr marL="0" indent="0">
-              <a:buNone/>
-            </a:pPr>
-            <a:endParaRPr lang="en-US" dirty="0"/>
-          </a:p>
-          <a:p>
-            <a:pPr marL="0" lvl="0" indent="0">
-              <a:buNone/>
-            </a:pPr>
-            <a:r>
-              <a:rPr lang="en-US" dirty="0"/>
-              <a:t>Insert into employee values (‘Doug’, ’E’, ’Gilbert’, 554433221, ’09-JUN-60’, ’11 S 59 E, Salt Lake City, UT’, ‘M’, 80000, NULL, NULL</a:t>
-            </a:r>
-            <a:r>
-              <a:rPr lang="en-US" dirty="0" smtClean="0"/>
-              <a:t>);</a:t>
-            </a:r>
-            <a:endParaRPr lang="en-US" dirty="0"/>
-          </a:p>
-          <a:p>
-            <a:pPr marL="0" lvl="0" indent="0">
-              <a:buNone/>
-            </a:pPr>
-            <a:r>
-              <a:rPr lang="en-US" dirty="0"/>
-              <a:t>Insert into employee values (‘Joyce, NULL, ‘Pan’, 543216789, ’07-FEB-78’, ’35 S 18, Salt Lake City, UT’, ‘F’, 70000, NULL, NULL);</a:t>
-            </a:r>
-          </a:p>
-          <a:p>
-            <a:pPr marL="0" lvl="0" indent="0">
-              <a:buNone/>
-            </a:pPr>
-            <a:r>
-              <a:rPr lang="en-US" dirty="0"/>
-              <a:t>Insert into employee values (‘</a:t>
-            </a:r>
-            <a:r>
-              <a:rPr lang="en-US" dirty="0" err="1"/>
-              <a:t>Frankin</a:t>
-            </a:r>
-            <a:r>
-              <a:rPr lang="en-US" dirty="0"/>
-              <a:t>’, ’T’, ’Wong’, 333445555, ’08-DEC-45’, ’638 Voss, Houston, TX’, ‘M’, 40000,554433221 , NULL);</a:t>
-            </a:r>
-          </a:p>
-          <a:p>
-            <a:pPr marL="0" lvl="0" indent="0">
-              <a:buNone/>
-            </a:pPr>
-            <a:r>
-              <a:rPr lang="en-US" dirty="0"/>
-              <a:t>Insert into employee values (‘Jennifer’, ’S’, ’Wallace’, 987654321, ’20-JUN-31’, ’291 Berry, Bellaire, TX’, ‘F’, 43000,554433221, NULL);</a:t>
-            </a:r>
-          </a:p>
-          <a:p>
-            <a:pPr marL="0" lvl="0" indent="0">
-              <a:buNone/>
-            </a:pPr>
-            <a:r>
-              <a:rPr lang="en-US" dirty="0"/>
-              <a:t>Insert into employee values (‘John’,, ‘B’, ‘Smith’, 123456789, ’09-JAN-55’,’731 </a:t>
-            </a:r>
-            <a:r>
-              <a:rPr lang="en-US" dirty="0" err="1"/>
-              <a:t>Fondren</a:t>
-            </a:r>
-            <a:r>
-              <a:rPr lang="en-US" dirty="0"/>
-              <a:t>, Houston,TX’,’M’,30000,333445555, NULL);</a:t>
-            </a:r>
-          </a:p>
-          <a:p>
-            <a:pPr marL="0" lvl="0" indent="0">
-              <a:buNone/>
-            </a:pPr>
-            <a:r>
-              <a:rPr lang="en-US" dirty="0"/>
-              <a:t>Insert into employee values (‘Ramesh’, ‘K’, ‘Narayan’, 666884444, ’15-SEP-62’, ‘975 Fire Oak, Humble, TX’, ‘M’, 38000, 333445555, NULL);</a:t>
-            </a:r>
-          </a:p>
-          <a:p>
-            <a:pPr marL="0" lvl="0" indent="0">
-              <a:buNone/>
-            </a:pPr>
-            <a:r>
-              <a:rPr lang="en-US" dirty="0"/>
-              <a:t>Insert into employee values (‘Joyce’, ‘A’, ‘English’, 453453453, ’31-JUL-62’, ‘5631 Rice, Houston, TX’, ‘F’,25000,333445555,NULL);</a:t>
-            </a:r>
-          </a:p>
-          <a:p>
-            <a:pPr marL="0" indent="0">
-              <a:buNone/>
-            </a:pPr>
-            <a:endParaRPr lang="en-US" dirty="0"/>
-          </a:p>
-        </p:txBody>
-      </p:sp>
-    </p:spTree>
-    <p:extLst>
-      <p:ext uri="{BB962C8B-B14F-4D97-AF65-F5344CB8AC3E}">
-        <p14:creationId xmlns:p14="http://schemas.microsoft.com/office/powerpoint/2010/main" val="461156728"/>
-      </p:ext>
-    </p:extLst>
-  </p:cSld>
-  <p:clrMapOvr>
-    <a:masterClrMapping/>
-  </p:clrMapOvr>
-  <p:timing>
-    <p:tnLst>
-      <p:par>
-        <p:cTn id="1" dur="indefinite" restart="never" nodeType="tmRoot"/>
-      </p:par>
-    </p:tnLst>
-  </p:timing>
-</p:sld>
-</file>
-
 <file path=ppt/slides/slide46.xml><?xml version="1.0" encoding="utf-8"?>
 <p:sld xmlns:a="http://schemas.openxmlformats.org/drawingml/2006/main" xmlns:r="http://schemas.openxmlformats.org/officeDocument/2006/relationships" xmlns:p="http://schemas.openxmlformats.org/presentationml/2006/main">
   <p:cSld>
@@ -16622,7 +16485,7 @@
         <p:spPr/>
         <p:txBody>
           <a:bodyPr>
-            <a:normAutofit fontScale="77500" lnSpcReduction="20000"/>
+            <a:normAutofit fontScale="62500" lnSpcReduction="20000"/>
           </a:bodyPr>
           <a:lstStyle/>
           <a:p>
@@ -16635,8 +16498,9 @@
             </a:r>
             <a:r>
               <a:rPr lang="en-US" b="1" dirty="0" smtClean="0"/>
-              <a:t>Department</a:t>
-            </a:r>
+              <a:t>Employee</a:t>
+            </a:r>
+            <a:endParaRPr lang="en-US" b="1" dirty="0" smtClean="0"/>
           </a:p>
           <a:p>
             <a:pPr marL="0" indent="0">
@@ -16650,8 +16514,13 @@
             </a:pPr>
             <a:r>
               <a:rPr lang="en-US" dirty="0"/>
-              <a:t>Insert into department (‘Manufacture ‘, 1 , 888665555, ’19-JUN-71‘); </a:t>
-            </a:r>
+              <a:t>Insert into employee values (‘Doug’, ’E’, ’Gilbert’, 554433221, ’09-JUN-60’, ’11 S 59 E, Salt Lake City, UT’, ‘M’, 80000, NULL, NULL</a:t>
+            </a:r>
+            <a:r>
+              <a:rPr lang="en-US" dirty="0" smtClean="0"/>
+              <a:t>);</a:t>
+            </a:r>
+            <a:endParaRPr lang="en-US" dirty="0"/>
           </a:p>
           <a:p>
             <a:pPr marL="0" lvl="0" indent="0">
@@ -16659,8 +16528,9 @@
             </a:pPr>
             <a:r>
               <a:rPr lang="en-US" dirty="0"/>
-              <a:t>Insert into department (‘ Administration‘, 2 ,543216789, ’04-JAN-99‘);</a:t>
-            </a:r>
+              <a:t>Insert into employee values (‘Joyce, NULL, ‘Pan’, 543216789, ’07-FEB-78’, ’35 S 18, Salt Lake City, UT’, ‘F’, 70000, NULL, NULL);</a:t>
+            </a:r>
+            <a:endParaRPr lang="en-US" dirty="0"/>
           </a:p>
           <a:p>
             <a:pPr marL="0" lvl="0" indent="0">
@@ -16668,8 +16538,17 @@
             </a:pPr>
             <a:r>
               <a:rPr lang="en-US" dirty="0"/>
-              <a:t>Insert into department (‘Headquater‘,3, ‘554433221, ’22-SEP-55’);</a:t>
-            </a:r>
+              <a:t>Insert into employee values (‘</a:t>
+            </a:r>
+            <a:r>
+              <a:rPr lang="en-US" dirty="0" err="1"/>
+              <a:t>Frankin</a:t>
+            </a:r>
+            <a:r>
+              <a:rPr lang="en-US" dirty="0"/>
+              <a:t>’, ’T’, ’Wong’, 333445555, ’08-DEC-45’, ’638 Voss, Houston, TX’, ‘M’, 40000,554433221 , NULL);</a:t>
+            </a:r>
+            <a:endParaRPr lang="en-US" dirty="0"/>
           </a:p>
           <a:p>
             <a:pPr marL="0" lvl="0" indent="0">
@@ -16677,8 +16556,9 @@
             </a:pPr>
             <a:r>
               <a:rPr lang="en-US" dirty="0"/>
-              <a:t>Insert into department (‘Finance‘,4 , ‘987654321, ’01-JAN-85’);</a:t>
-            </a:r>
+              <a:t>Insert into employee values (‘Jennifer’, ’S’, ’Wallace’, 987654321, ’20-JUN-31’, ’291 Berry, Bellaire, TX’, ‘F’, 43000,554433221, NULL);</a:t>
+            </a:r>
+            <a:endParaRPr lang="en-US" dirty="0"/>
           </a:p>
           <a:p>
             <a:pPr marL="0" lvl="0" indent="0">
@@ -16686,8 +16566,37 @@
             </a:pPr>
             <a:r>
               <a:rPr lang="en-US" dirty="0"/>
-              <a:t>Insert into department (‘ Research‘,5,333445555 , ’22-MAY-78 ‘);</a:t>
-            </a:r>
+              <a:t>Insert into employee values (‘John’,, ‘B’, ‘Smith’, 123456789, ’09-JAN-55’,’731 </a:t>
+            </a:r>
+            <a:r>
+              <a:rPr lang="en-US" dirty="0" err="1"/>
+              <a:t>Fondren</a:t>
+            </a:r>
+            <a:r>
+              <a:rPr lang="en-US" dirty="0"/>
+              <a:t>, Houston,TX’,’M’,30000,333445555, NULL);</a:t>
+            </a:r>
+            <a:endParaRPr lang="en-US" dirty="0"/>
+          </a:p>
+          <a:p>
+            <a:pPr marL="0" lvl="0" indent="0">
+              <a:buNone/>
+            </a:pPr>
+            <a:r>
+              <a:rPr lang="en-US" dirty="0"/>
+              <a:t>Insert into employee values (‘Ramesh’, ‘K’, ‘Narayan’, 666884444, ’15-SEP-62’, ‘975 Fire Oak, Humble, TX’, ‘M’, 38000, 333445555, NULL);</a:t>
+            </a:r>
+            <a:endParaRPr lang="en-US" dirty="0"/>
+          </a:p>
+          <a:p>
+            <a:pPr marL="0" lvl="0" indent="0">
+              <a:buNone/>
+            </a:pPr>
+            <a:r>
+              <a:rPr lang="en-US" dirty="0"/>
+              <a:t>Insert into employee values (‘Joyce’, ‘A’, ‘English’, 453453453, ’31-JUL-62’, ‘5631 Rice, Houston, TX’, ‘F’,25000,333445555,NULL);</a:t>
+            </a:r>
+            <a:endParaRPr lang="en-US" dirty="0"/>
           </a:p>
           <a:p>
             <a:pPr marL="0" indent="0">
@@ -16698,11 +16607,6 @@
         </p:txBody>
       </p:sp>
     </p:spTree>
-    <p:extLst>
-      <p:ext uri="{BB962C8B-B14F-4D97-AF65-F5344CB8AC3E}">
-        <p14:creationId xmlns:p14="http://schemas.microsoft.com/office/powerpoint/2010/main" val="1000144718"/>
-      </p:ext>
-    </p:extLst>
   </p:cSld>
   <p:clrMapOvr>
     <a:masterClrMapping/>
@@ -16766,7 +16670,7 @@
         <p:spPr/>
         <p:txBody>
           <a:bodyPr>
-            <a:normAutofit fontScale="92500"/>
+            <a:normAutofit fontScale="77500" lnSpcReduction="20000"/>
           </a:bodyPr>
           <a:lstStyle/>
           <a:p>
@@ -16775,11 +16679,11 @@
             </a:pPr>
             <a:r>
               <a:rPr lang="en-US" b="1" dirty="0"/>
-              <a:t>Inserting into </a:t>
-            </a:r>
-            <a:r>
-              <a:rPr lang="en-US" b="1" dirty="0" err="1" smtClean="0"/>
-              <a:t>Dept_Location</a:t>
+              <a:t>Inserting into table </a:t>
+            </a:r>
+            <a:r>
+              <a:rPr lang="en-US" b="1" dirty="0" smtClean="0"/>
+              <a:t>Department</a:t>
             </a:r>
             <a:endParaRPr lang="en-US" b="1" dirty="0" smtClean="0"/>
           </a:p>
@@ -16795,16 +16699,9 @@
             </a:pPr>
             <a:r>
               <a:rPr lang="en-US" dirty="0"/>
-              <a:t>insert into </a:t>
-            </a:r>
-            <a:r>
-              <a:rPr lang="en-US" dirty="0" err="1"/>
-              <a:t>dept_location</a:t>
-            </a:r>
-            <a:r>
-              <a:rPr lang="en-US" dirty="0"/>
-              <a:t> values(2,'San Francisco');</a:t>
-            </a:r>
+              <a:t>Insert into department (‘Manufacture ‘, 1 , 888665555, ’19-JUN-71‘); </a:t>
+            </a:r>
+            <a:endParaRPr lang="en-US" dirty="0"/>
           </a:p>
           <a:p>
             <a:pPr marL="0" lvl="0" indent="0">
@@ -16812,16 +16709,9 @@
             </a:pPr>
             <a:r>
               <a:rPr lang="en-US" dirty="0"/>
-              <a:t>insert into </a:t>
-            </a:r>
-            <a:r>
-              <a:rPr lang="en-US" dirty="0" err="1"/>
-              <a:t>dept_location</a:t>
-            </a:r>
-            <a:r>
-              <a:rPr lang="en-US" dirty="0"/>
-              <a:t> values(4,'Stafford');</a:t>
-            </a:r>
+              <a:t>Insert into department (‘ Administration‘, 2 ,543216789, ’04-JAN-99‘);</a:t>
+            </a:r>
+            <a:endParaRPr lang="en-US" dirty="0"/>
           </a:p>
           <a:p>
             <a:pPr marL="0" lvl="0" indent="0">
@@ -16829,16 +16719,9 @@
             </a:pPr>
             <a:r>
               <a:rPr lang="en-US" dirty="0"/>
-              <a:t>insert into </a:t>
-            </a:r>
-            <a:r>
-              <a:rPr lang="en-US" dirty="0" err="1"/>
-              <a:t>dept_location</a:t>
-            </a:r>
-            <a:r>
-              <a:rPr lang="en-US" dirty="0"/>
-              <a:t> values(4,'Bellaire');</a:t>
-            </a:r>
+              <a:t>Insert into department (‘Headquater‘,3, ‘554433221, ’22-SEP-55’);</a:t>
+            </a:r>
+            <a:endParaRPr lang="en-US" dirty="0"/>
           </a:p>
           <a:p>
             <a:pPr marL="0" lvl="0" indent="0">
@@ -16846,16 +16729,9 @@
             </a:pPr>
             <a:r>
               <a:rPr lang="en-US" dirty="0"/>
-              <a:t>insert into </a:t>
-            </a:r>
-            <a:r>
-              <a:rPr lang="en-US" dirty="0" err="1"/>
-              <a:t>dept_location</a:t>
-            </a:r>
-            <a:r>
-              <a:rPr lang="en-US" dirty="0"/>
-              <a:t> values(5,'Sugarland');</a:t>
-            </a:r>
+              <a:t>Insert into department (‘Finance‘,4 , ‘987654321, ’01-JAN-85’);</a:t>
+            </a:r>
+            <a:endParaRPr lang="en-US" dirty="0"/>
           </a:p>
           <a:p>
             <a:pPr marL="0" lvl="0" indent="0">
@@ -16863,25 +16739,9 @@
             </a:pPr>
             <a:r>
               <a:rPr lang="en-US" dirty="0"/>
-              <a:t>insert into </a:t>
-            </a:r>
-            <a:r>
-              <a:rPr lang="en-US" dirty="0" err="1"/>
-              <a:t>dept_location</a:t>
-            </a:r>
-            <a:r>
-              <a:rPr lang="en-US" dirty="0"/>
-              <a:t> values(5,'Houstan');</a:t>
-            </a:r>
-          </a:p>
-          <a:p>
-            <a:pPr marL="0" indent="0">
-              <a:buNone/>
-            </a:pPr>
-            <a:r>
-              <a:rPr lang="en-US" dirty="0"/>
-              <a:t> </a:t>
-            </a:r>
+              <a:t>Insert into department (‘ Research‘,5,333445555 , ’22-MAY-78 ‘);</a:t>
+            </a:r>
+            <a:endParaRPr lang="en-US" dirty="0"/>
           </a:p>
           <a:p>
             <a:pPr marL="0" indent="0">
@@ -16892,11 +16752,6 @@
         </p:txBody>
       </p:sp>
     </p:spTree>
-    <p:extLst>
-      <p:ext uri="{BB962C8B-B14F-4D97-AF65-F5344CB8AC3E}">
-        <p14:creationId xmlns:p14="http://schemas.microsoft.com/office/powerpoint/2010/main" val="345602702"/>
-      </p:ext>
-    </p:extLst>
   </p:cSld>
   <p:clrMapOvr>
     <a:masterClrMapping/>
@@ -16960,6 +16815,201 @@
         <p:spPr/>
         <p:txBody>
           <a:bodyPr>
+            <a:normAutofit fontScale="92500"/>
+          </a:bodyPr>
+          <a:lstStyle/>
+          <a:p>
+            <a:pPr marL="0" indent="0">
+              <a:buNone/>
+            </a:pPr>
+            <a:r>
+              <a:rPr lang="en-US" b="1" dirty="0"/>
+              <a:t>Inserting into </a:t>
+            </a:r>
+            <a:r>
+              <a:rPr lang="en-US" b="1" dirty="0" err="1" smtClean="0"/>
+              <a:t>Dept_Location</a:t>
+            </a:r>
+            <a:endParaRPr lang="en-US" b="1" dirty="0" smtClean="0"/>
+          </a:p>
+          <a:p>
+            <a:pPr marL="0" indent="0">
+              <a:buNone/>
+            </a:pPr>
+            <a:endParaRPr lang="en-US" dirty="0"/>
+          </a:p>
+          <a:p>
+            <a:pPr marL="0" lvl="0" indent="0">
+              <a:buNone/>
+            </a:pPr>
+            <a:r>
+              <a:rPr lang="en-US" dirty="0"/>
+              <a:t>insert into </a:t>
+            </a:r>
+            <a:r>
+              <a:rPr lang="en-US" dirty="0" err="1"/>
+              <a:t>dept_location</a:t>
+            </a:r>
+            <a:r>
+              <a:rPr lang="en-US" dirty="0"/>
+              <a:t> values(2,'San Francisco');</a:t>
+            </a:r>
+            <a:endParaRPr lang="en-US" dirty="0"/>
+          </a:p>
+          <a:p>
+            <a:pPr marL="0" lvl="0" indent="0">
+              <a:buNone/>
+            </a:pPr>
+            <a:r>
+              <a:rPr lang="en-US" dirty="0"/>
+              <a:t>insert into </a:t>
+            </a:r>
+            <a:r>
+              <a:rPr lang="en-US" dirty="0" err="1"/>
+              <a:t>dept_location</a:t>
+            </a:r>
+            <a:r>
+              <a:rPr lang="en-US" dirty="0"/>
+              <a:t> values(4,'Stafford');</a:t>
+            </a:r>
+            <a:endParaRPr lang="en-US" dirty="0"/>
+          </a:p>
+          <a:p>
+            <a:pPr marL="0" lvl="0" indent="0">
+              <a:buNone/>
+            </a:pPr>
+            <a:r>
+              <a:rPr lang="en-US" dirty="0"/>
+              <a:t>insert into </a:t>
+            </a:r>
+            <a:r>
+              <a:rPr lang="en-US" dirty="0" err="1"/>
+              <a:t>dept_location</a:t>
+            </a:r>
+            <a:r>
+              <a:rPr lang="en-US" dirty="0"/>
+              <a:t> values(4,'Bellaire');</a:t>
+            </a:r>
+            <a:endParaRPr lang="en-US" dirty="0"/>
+          </a:p>
+          <a:p>
+            <a:pPr marL="0" lvl="0" indent="0">
+              <a:buNone/>
+            </a:pPr>
+            <a:r>
+              <a:rPr lang="en-US" dirty="0"/>
+              <a:t>insert into </a:t>
+            </a:r>
+            <a:r>
+              <a:rPr lang="en-US" dirty="0" err="1"/>
+              <a:t>dept_location</a:t>
+            </a:r>
+            <a:r>
+              <a:rPr lang="en-US" dirty="0"/>
+              <a:t> values(5,'Sugarland');</a:t>
+            </a:r>
+            <a:endParaRPr lang="en-US" dirty="0"/>
+          </a:p>
+          <a:p>
+            <a:pPr marL="0" lvl="0" indent="0">
+              <a:buNone/>
+            </a:pPr>
+            <a:r>
+              <a:rPr lang="en-US" dirty="0"/>
+              <a:t>insert into </a:t>
+            </a:r>
+            <a:r>
+              <a:rPr lang="en-US" dirty="0" err="1"/>
+              <a:t>dept_location</a:t>
+            </a:r>
+            <a:r>
+              <a:rPr lang="en-US" dirty="0"/>
+              <a:t> values(5,'Houstan');</a:t>
+            </a:r>
+            <a:endParaRPr lang="en-US" dirty="0"/>
+          </a:p>
+          <a:p>
+            <a:pPr marL="0" indent="0">
+              <a:buNone/>
+            </a:pPr>
+            <a:r>
+              <a:rPr lang="en-US" dirty="0"/>
+              <a:t> </a:t>
+            </a:r>
+            <a:endParaRPr lang="en-US" dirty="0"/>
+          </a:p>
+          <a:p>
+            <a:pPr marL="0" indent="0">
+              <a:buNone/>
+            </a:pPr>
+            <a:endParaRPr lang="en-US" dirty="0"/>
+          </a:p>
+        </p:txBody>
+      </p:sp>
+    </p:spTree>
+  </p:cSld>
+  <p:clrMapOvr>
+    <a:masterClrMapping/>
+  </p:clrMapOvr>
+  <p:timing>
+    <p:tnLst>
+      <p:par>
+        <p:cTn id="1" dur="indefinite" restart="never" nodeType="tmRoot"/>
+      </p:par>
+    </p:tnLst>
+  </p:timing>
+</p:sld>
+</file>
+
+<file path=ppt/slides/slide49.xml><?xml version="1.0" encoding="utf-8"?>
+<p:sld xmlns:a="http://schemas.openxmlformats.org/drawingml/2006/main" xmlns:r="http://schemas.openxmlformats.org/officeDocument/2006/relationships" xmlns:p="http://schemas.openxmlformats.org/presentationml/2006/main">
+  <p:cSld>
+    <p:spTree>
+      <p:nvGrpSpPr>
+        <p:cNvPr id="1" name=""/>
+        <p:cNvGrpSpPr/>
+        <p:nvPr/>
+      </p:nvGrpSpPr>
+      <p:grpSpPr>
+        <a:xfrm>
+          <a:off x="0" y="0"/>
+          <a:ext cx="0" cy="0"/>
+          <a:chOff x="0" y="0"/>
+          <a:chExt cx="0" cy="0"/>
+        </a:xfrm>
+      </p:grpSpPr>
+      <p:sp>
+        <p:nvSpPr>
+          <p:cNvPr id="2" name="Title 1"/>
+          <p:cNvSpPr>
+            <a:spLocks noGrp="1"/>
+          </p:cNvSpPr>
+          <p:nvPr>
+            <p:ph type="title"/>
+          </p:nvPr>
+        </p:nvSpPr>
+        <p:spPr/>
+        <p:txBody>
+          <a:bodyPr/>
+          <a:lstStyle/>
+          <a:p>
+            <a:endParaRPr lang="en-US"/>
+          </a:p>
+        </p:txBody>
+      </p:sp>
+      <p:sp>
+        <p:nvSpPr>
+          <p:cNvPr id="3" name="Content Placeholder 2"/>
+          <p:cNvSpPr>
+            <a:spLocks noGrp="1"/>
+          </p:cNvSpPr>
+          <p:nvPr>
+            <p:ph idx="1"/>
+          </p:nvPr>
+        </p:nvSpPr>
+        <p:spPr/>
+        <p:txBody>
+          <a:bodyPr>
             <a:normAutofit fontScale="70000" lnSpcReduction="20000"/>
           </a:bodyPr>
           <a:lstStyle/>
@@ -16971,6 +17021,7 @@
               <a:rPr lang="en-US" b="1" dirty="0"/>
               <a:t>1  List the names of all employees who work in department 5.</a:t>
             </a:r>
+            <a:endParaRPr lang="en-US" b="1" dirty="0"/>
           </a:p>
           <a:p>
             <a:pPr marL="0" indent="0">
@@ -16980,6 +17031,7 @@
               <a:rPr lang="en-US" dirty="0"/>
               <a:t>	</a:t>
             </a:r>
+            <a:endParaRPr lang="en-US" dirty="0"/>
           </a:p>
           <a:p>
             <a:pPr marL="0" indent="0">
@@ -16989,6 +17041,7 @@
               <a:rPr lang="en-US" dirty="0"/>
               <a:t>select *from Employee where DNO = 5;</a:t>
             </a:r>
+            <a:endParaRPr lang="en-US" dirty="0"/>
           </a:p>
           <a:p>
             <a:pPr marL="0" indent="0">
@@ -16998,6 +17051,7 @@
               <a:rPr lang="en-US" dirty="0"/>
               <a:t> </a:t>
             </a:r>
+            <a:endParaRPr lang="en-US" dirty="0"/>
           </a:p>
           <a:p>
             <a:pPr marL="0" indent="0">
@@ -17007,6 +17061,7 @@
               <a:rPr lang="en-US" b="1" dirty="0"/>
               <a:t>2  List names and salaries of all employee and ordered by salary.</a:t>
             </a:r>
+            <a:endParaRPr lang="en-US" b="1" dirty="0"/>
           </a:p>
           <a:p>
             <a:pPr marL="0" indent="0">
@@ -17016,6 +17071,7 @@
               <a:rPr lang="en-US" dirty="0"/>
               <a:t> </a:t>
             </a:r>
+            <a:endParaRPr lang="en-US" dirty="0"/>
           </a:p>
           <a:p>
             <a:pPr marL="0" indent="0">
@@ -17041,6 +17097,7 @@
               <a:rPr lang="en-US" dirty="0"/>
               <a:t>, Salary from Employee order by Salary;</a:t>
             </a:r>
+            <a:endParaRPr lang="en-US" dirty="0"/>
           </a:p>
           <a:p>
             <a:pPr marL="0" indent="0">
@@ -17050,6 +17107,7 @@
               <a:rPr lang="en-US" dirty="0"/>
               <a:t>  </a:t>
             </a:r>
+            <a:endParaRPr lang="en-US" dirty="0"/>
           </a:p>
           <a:p>
             <a:pPr marL="0" indent="0">
@@ -17059,6 +17117,7 @@
               <a:rPr lang="en-US" b="1" dirty="0"/>
               <a:t>3  Find the name (s) of employees whose salary is between 30000 and 50000.</a:t>
             </a:r>
+            <a:endParaRPr lang="en-US" b="1" dirty="0"/>
           </a:p>
           <a:p>
             <a:pPr marL="0" indent="0">
@@ -17084,6 +17143,7 @@
               <a:rPr lang="en-US" dirty="0"/>
               <a:t>, Salary from Employee where Salary &gt; 30000 AND Salary &lt; 50000;</a:t>
             </a:r>
+            <a:endParaRPr lang="en-US" dirty="0"/>
           </a:p>
           <a:p>
             <a:pPr marL="0" indent="0">
@@ -17093,6 +17153,7 @@
               <a:rPr lang="en-US" dirty="0"/>
               <a:t> </a:t>
             </a:r>
+            <a:endParaRPr lang="en-US" dirty="0"/>
           </a:p>
           <a:p>
             <a:pPr marL="0" indent="0">
@@ -17103,11 +17164,6 @@
         </p:txBody>
       </p:sp>
     </p:spTree>
-    <p:extLst>
-      <p:ext uri="{BB962C8B-B14F-4D97-AF65-F5344CB8AC3E}">
-        <p14:creationId xmlns:p14="http://schemas.microsoft.com/office/powerpoint/2010/main" val="1847026945"/>
-      </p:ext>
-    </p:extLst>
   </p:cSld>
   <p:clrMapOvr>
     <a:masterClrMapping/>
@@ -17439,7 +17495,450 @@
 </p:sld>
 </file>
 
-<file path=ppt/slides/slide49.xml><?xml version="1.0" encoding="utf-8"?>
+<file path=ppt/slides/slide5.xml><?xml version="1.0" encoding="utf-8"?>
+<p:sld xmlns:a="http://schemas.openxmlformats.org/drawingml/2006/main" xmlns:r="http://schemas.openxmlformats.org/officeDocument/2006/relationships" xmlns:p="http://schemas.openxmlformats.org/presentationml/2006/main" showMasterPhAnim="0">
+  <p:cSld>
+    <p:spTree>
+      <p:nvGrpSpPr>
+        <p:cNvPr id="1" name=""/>
+        <p:cNvGrpSpPr/>
+        <p:nvPr/>
+      </p:nvGrpSpPr>
+      <p:grpSpPr>
+        <a:xfrm>
+          <a:off x="0" y="0"/>
+          <a:ext cx="0" cy="0"/>
+          <a:chOff x="0" y="0"/>
+          <a:chExt cx="0" cy="0"/>
+        </a:xfrm>
+      </p:grpSpPr>
+      <p:sp>
+        <p:nvSpPr>
+          <p:cNvPr id="273410" name="Rectangle 2"/>
+          <p:cNvSpPr>
+            <a:spLocks noGrp="1" noChangeArrowheads="1"/>
+          </p:cNvSpPr>
+          <p:nvPr>
+            <p:ph type="title"/>
+          </p:nvPr>
+        </p:nvSpPr>
+        <p:spPr>
+          <a:xfrm>
+            <a:off x="682625" y="398463"/>
+            <a:ext cx="7772400" cy="676275"/>
+          </a:xfrm>
+        </p:spPr>
+        <p:txBody>
+          <a:bodyPr>
+            <a:noAutofit/>
+          </a:bodyPr>
+          <a:lstStyle/>
+          <a:p>
+            <a:pPr eaLnBrk="1" fontAlgn="auto" hangingPunct="1">
+              <a:spcAft>
+                <a:spcPts val="0"/>
+              </a:spcAft>
+              <a:defRPr/>
+            </a:pPr>
+            <a:r>
+              <a:rPr smtClean="0"/>
+              <a:t>SQL Environment</a:t>
+            </a:r>
+            <a:endParaRPr smtClean="0"/>
+          </a:p>
+        </p:txBody>
+      </p:sp>
+      <p:sp>
+        <p:nvSpPr>
+          <p:cNvPr id="23555" name="Rectangle 3"/>
+          <p:cNvSpPr>
+            <a:spLocks noGrp="1" noChangeArrowheads="1"/>
+          </p:cNvSpPr>
+          <p:nvPr>
+            <p:ph idx="1"/>
+          </p:nvPr>
+        </p:nvSpPr>
+        <p:spPr>
+          <a:xfrm>
+            <a:off x="211138" y="1193800"/>
+            <a:ext cx="8610600" cy="4114800"/>
+          </a:xfrm>
+        </p:spPr>
+        <p:txBody>
+          <a:bodyPr>
+            <a:normAutofit fontScale="92500" lnSpcReduction="20000"/>
+          </a:bodyPr>
+          <a:lstStyle/>
+          <a:p>
+            <a:pPr eaLnBrk="1" hangingPunct="1">
+              <a:lnSpc>
+                <a:spcPct val="90000"/>
+              </a:lnSpc>
+            </a:pPr>
+            <a:r>
+              <a:rPr lang="en-US" sz="2800" dirty="0" smtClean="0"/>
+              <a:t>Catalog</a:t>
+            </a:r>
+            <a:r>
+              <a:rPr lang="en-US" sz="2400" dirty="0" smtClean="0"/>
+              <a:t> </a:t>
+            </a:r>
+            <a:endParaRPr lang="en-US" sz="2000" dirty="0" smtClean="0"/>
+          </a:p>
+          <a:p>
+            <a:pPr lvl="1" eaLnBrk="1" hangingPunct="1">
+              <a:lnSpc>
+                <a:spcPct val="90000"/>
+              </a:lnSpc>
+            </a:pPr>
+            <a:r>
+              <a:rPr lang="en-US" sz="2000" dirty="0" smtClean="0"/>
+              <a:t>A set of schemas that constitute the description of a database</a:t>
+            </a:r>
+            <a:endParaRPr lang="en-US" sz="2000" dirty="0" smtClean="0"/>
+          </a:p>
+          <a:p>
+            <a:pPr eaLnBrk="1" hangingPunct="1">
+              <a:lnSpc>
+                <a:spcPct val="90000"/>
+              </a:lnSpc>
+            </a:pPr>
+            <a:r>
+              <a:rPr lang="en-US" sz="2800" dirty="0" smtClean="0"/>
+              <a:t>Schema</a:t>
+            </a:r>
+            <a:endParaRPr lang="en-US" sz="2400" dirty="0" smtClean="0"/>
+          </a:p>
+          <a:p>
+            <a:pPr lvl="1" eaLnBrk="1" hangingPunct="1">
+              <a:lnSpc>
+                <a:spcPct val="90000"/>
+              </a:lnSpc>
+            </a:pPr>
+            <a:r>
+              <a:rPr lang="en-US" sz="2000" dirty="0" smtClean="0"/>
+              <a:t>The structure that contains descriptions of objects created by a user (base tables, views, constraints)</a:t>
+            </a:r>
+            <a:endParaRPr lang="en-US" sz="2000" dirty="0" smtClean="0"/>
+          </a:p>
+          <a:p>
+            <a:pPr eaLnBrk="1" hangingPunct="1">
+              <a:lnSpc>
+                <a:spcPct val="90000"/>
+              </a:lnSpc>
+            </a:pPr>
+            <a:r>
+              <a:rPr lang="en-US" sz="2800" dirty="0" smtClean="0"/>
+              <a:t>Data Definition Language (DDL)</a:t>
+            </a:r>
+            <a:endParaRPr lang="en-US" sz="2800" dirty="0" smtClean="0"/>
+          </a:p>
+          <a:p>
+            <a:pPr lvl="1" eaLnBrk="1" hangingPunct="1">
+              <a:lnSpc>
+                <a:spcPct val="90000"/>
+              </a:lnSpc>
+            </a:pPr>
+            <a:r>
+              <a:rPr lang="en-US" sz="2000" dirty="0" smtClean="0"/>
+              <a:t>Commands that define a database, including creating, altering, and dropping tables and establishing constraints</a:t>
+            </a:r>
+            <a:endParaRPr lang="en-US" sz="2000" dirty="0" smtClean="0"/>
+          </a:p>
+          <a:p>
+            <a:pPr eaLnBrk="1" hangingPunct="1">
+              <a:lnSpc>
+                <a:spcPct val="90000"/>
+              </a:lnSpc>
+            </a:pPr>
+            <a:r>
+              <a:rPr lang="en-US" sz="2800" dirty="0" smtClean="0"/>
+              <a:t>Data Manipulation Language (DML)</a:t>
+            </a:r>
+            <a:endParaRPr lang="en-US" sz="2800" dirty="0" smtClean="0"/>
+          </a:p>
+          <a:p>
+            <a:pPr lvl="1" eaLnBrk="1" hangingPunct="1">
+              <a:lnSpc>
+                <a:spcPct val="90000"/>
+              </a:lnSpc>
+            </a:pPr>
+            <a:r>
+              <a:rPr lang="en-US" sz="2000" dirty="0" smtClean="0"/>
+              <a:t>Commands that maintain and query a database</a:t>
+            </a:r>
+            <a:endParaRPr lang="en-US" sz="2000" dirty="0" smtClean="0"/>
+          </a:p>
+          <a:p>
+            <a:pPr eaLnBrk="1" hangingPunct="1">
+              <a:lnSpc>
+                <a:spcPct val="90000"/>
+              </a:lnSpc>
+            </a:pPr>
+            <a:r>
+              <a:rPr lang="en-US" sz="2800" dirty="0" smtClean="0"/>
+              <a:t>Data Control Language (DCL)</a:t>
+            </a:r>
+            <a:endParaRPr lang="en-US" sz="2800" dirty="0" smtClean="0"/>
+          </a:p>
+          <a:p>
+            <a:pPr lvl="1" eaLnBrk="1" hangingPunct="1">
+              <a:lnSpc>
+                <a:spcPct val="90000"/>
+              </a:lnSpc>
+            </a:pPr>
+            <a:r>
+              <a:rPr lang="en-US" sz="2000" dirty="0" smtClean="0"/>
+              <a:t>Commands that control a database, including administering privileges and committing data</a:t>
+            </a:r>
+            <a:endParaRPr lang="en-US" sz="2000" dirty="0" smtClean="0"/>
+          </a:p>
+        </p:txBody>
+      </p:sp>
+      <p:sp>
+        <p:nvSpPr>
+          <p:cNvPr id="23556" name="Slide Number Placeholder 3"/>
+          <p:cNvSpPr>
+            <a:spLocks noGrp="1"/>
+          </p:cNvSpPr>
+          <p:nvPr>
+            <p:ph type="sldNum" sz="quarter" idx="12"/>
+          </p:nvPr>
+        </p:nvSpPr>
+        <p:spPr bwMode="auto">
+          <a:noFill/>
+          <a:extLst>
+            <a:ext uri="{909E8E84-426E-40DD-AFC4-6F175D3DCCD1}">
+              <a14:hiddenFill xmlns:a14="http://schemas.microsoft.com/office/drawing/2010/main">
+                <a:solidFill>
+                  <a:srgbClr val="FFFFFF"/>
+                </a:solidFill>
+              </a14:hiddenFill>
+            </a:ext>
+            <a:ext uri="{91240B29-F687-4F45-9708-019B960494DF}">
+              <a14:hiddenLine xmlns:a14="http://schemas.microsoft.com/office/drawing/2010/main" w="9525">
+                <a:solidFill>
+                  <a:srgbClr val="000000"/>
+                </a:solidFill>
+                <a:miter lim="800000"/>
+                <a:headEnd/>
+                <a:tailEnd/>
+              </a14:hiddenLine>
+            </a:ext>
+          </a:extLst>
+        </p:spPr>
+        <p:txBody>
+          <a:bodyPr/>
+          <a:lstStyle>
+            <a:lvl1pPr>
+              <a:spcBef>
+                <a:spcPct val="20000"/>
+              </a:spcBef>
+              <a:buClr>
+                <a:schemeClr val="accent1"/>
+              </a:buClr>
+              <a:buSzPct val="70000"/>
+              <a:buFont typeface="Wingdings 2" panose="05020102010507070707" pitchFamily="18" charset="2"/>
+              <a:buChar char=""/>
+              <a:defRPr sz="3200">
+                <a:solidFill>
+                  <a:schemeClr val="tx2"/>
+                </a:solidFill>
+                <a:latin typeface="Franklin Gothic Book" panose="020B0503020102020204" pitchFamily="34" charset="0"/>
+              </a:defRPr>
+            </a:lvl1pPr>
+            <a:lvl2pPr marL="742950" indent="-285750">
+              <a:spcBef>
+                <a:spcPct val="20000"/>
+              </a:spcBef>
+              <a:buClr>
+                <a:schemeClr val="accent1"/>
+              </a:buClr>
+              <a:buSzPct val="70000"/>
+              <a:buFont typeface="Wingdings 2" panose="05020102010507070707" pitchFamily="18" charset="2"/>
+              <a:buChar char=""/>
+              <a:defRPr sz="2800">
+                <a:solidFill>
+                  <a:schemeClr val="tx2"/>
+                </a:solidFill>
+                <a:latin typeface="Franklin Gothic Book" panose="020B0503020102020204" pitchFamily="34" charset="0"/>
+              </a:defRPr>
+            </a:lvl2pPr>
+            <a:lvl3pPr marL="1143000" indent="-228600">
+              <a:spcBef>
+                <a:spcPct val="20000"/>
+              </a:spcBef>
+              <a:buClr>
+                <a:schemeClr val="accent1"/>
+              </a:buClr>
+              <a:buSzPct val="70000"/>
+              <a:buFont typeface="Wingdings 2" panose="05020102010507070707" pitchFamily="18" charset="2"/>
+              <a:buChar char=""/>
+              <a:defRPr sz="2400">
+                <a:solidFill>
+                  <a:schemeClr val="tx2"/>
+                </a:solidFill>
+                <a:latin typeface="Franklin Gothic Book" panose="020B0503020102020204" pitchFamily="34" charset="0"/>
+              </a:defRPr>
+            </a:lvl3pPr>
+            <a:lvl4pPr marL="1600200" indent="-228600">
+              <a:spcBef>
+                <a:spcPct val="20000"/>
+              </a:spcBef>
+              <a:buClr>
+                <a:schemeClr val="accent1"/>
+              </a:buClr>
+              <a:buSzPct val="70000"/>
+              <a:buFont typeface="Wingdings 2" panose="05020102010507070707" pitchFamily="18" charset="2"/>
+              <a:buChar char=""/>
+              <a:defRPr sz="2000">
+                <a:solidFill>
+                  <a:schemeClr val="tx2"/>
+                </a:solidFill>
+                <a:latin typeface="Franklin Gothic Book" panose="020B0503020102020204" pitchFamily="34" charset="0"/>
+              </a:defRPr>
+            </a:lvl4pPr>
+            <a:lvl5pPr marL="2057400" indent="-228600">
+              <a:spcBef>
+                <a:spcPct val="20000"/>
+              </a:spcBef>
+              <a:buClr>
+                <a:schemeClr val="accent1"/>
+              </a:buClr>
+              <a:buSzPct val="60000"/>
+              <a:buFont typeface="Wingdings 2" panose="05020102010507070707" pitchFamily="18" charset="2"/>
+              <a:buChar char=""/>
+              <a:defRPr>
+                <a:solidFill>
+                  <a:schemeClr val="tx2"/>
+                </a:solidFill>
+                <a:latin typeface="Franklin Gothic Book" panose="020B0503020102020204" pitchFamily="34" charset="0"/>
+              </a:defRPr>
+            </a:lvl5pPr>
+            <a:lvl6pPr marL="2514600" indent="-228600" eaLnBrk="0" fontAlgn="base" hangingPunct="0">
+              <a:spcBef>
+                <a:spcPct val="20000"/>
+              </a:spcBef>
+              <a:spcAft>
+                <a:spcPct val="0"/>
+              </a:spcAft>
+              <a:buClr>
+                <a:schemeClr val="accent1"/>
+              </a:buClr>
+              <a:buSzPct val="60000"/>
+              <a:buFont typeface="Wingdings 2" panose="05020102010507070707" pitchFamily="18" charset="2"/>
+              <a:buChar char=""/>
+              <a:defRPr>
+                <a:solidFill>
+                  <a:schemeClr val="tx2"/>
+                </a:solidFill>
+                <a:latin typeface="Franklin Gothic Book" panose="020B0503020102020204" pitchFamily="34" charset="0"/>
+              </a:defRPr>
+            </a:lvl6pPr>
+            <a:lvl7pPr marL="2971800" indent="-228600" eaLnBrk="0" fontAlgn="base" hangingPunct="0">
+              <a:spcBef>
+                <a:spcPct val="20000"/>
+              </a:spcBef>
+              <a:spcAft>
+                <a:spcPct val="0"/>
+              </a:spcAft>
+              <a:buClr>
+                <a:schemeClr val="accent1"/>
+              </a:buClr>
+              <a:buSzPct val="60000"/>
+              <a:buFont typeface="Wingdings 2" panose="05020102010507070707" pitchFamily="18" charset="2"/>
+              <a:buChar char=""/>
+              <a:defRPr>
+                <a:solidFill>
+                  <a:schemeClr val="tx2"/>
+                </a:solidFill>
+                <a:latin typeface="Franklin Gothic Book" panose="020B0503020102020204" pitchFamily="34" charset="0"/>
+              </a:defRPr>
+            </a:lvl7pPr>
+            <a:lvl8pPr marL="3429000" indent="-228600" eaLnBrk="0" fontAlgn="base" hangingPunct="0">
+              <a:spcBef>
+                <a:spcPct val="20000"/>
+              </a:spcBef>
+              <a:spcAft>
+                <a:spcPct val="0"/>
+              </a:spcAft>
+              <a:buClr>
+                <a:schemeClr val="accent1"/>
+              </a:buClr>
+              <a:buSzPct val="60000"/>
+              <a:buFont typeface="Wingdings 2" panose="05020102010507070707" pitchFamily="18" charset="2"/>
+              <a:buChar char=""/>
+              <a:defRPr>
+                <a:solidFill>
+                  <a:schemeClr val="tx2"/>
+                </a:solidFill>
+                <a:latin typeface="Franklin Gothic Book" panose="020B0503020102020204" pitchFamily="34" charset="0"/>
+              </a:defRPr>
+            </a:lvl8pPr>
+            <a:lvl9pPr marL="3886200" indent="-228600" eaLnBrk="0" fontAlgn="base" hangingPunct="0">
+              <a:spcBef>
+                <a:spcPct val="20000"/>
+              </a:spcBef>
+              <a:spcAft>
+                <a:spcPct val="0"/>
+              </a:spcAft>
+              <a:buClr>
+                <a:schemeClr val="accent1"/>
+              </a:buClr>
+              <a:buSzPct val="60000"/>
+              <a:buFont typeface="Wingdings 2" panose="05020102010507070707" pitchFamily="18" charset="2"/>
+              <a:buChar char=""/>
+              <a:defRPr>
+                <a:solidFill>
+                  <a:schemeClr val="tx2"/>
+                </a:solidFill>
+                <a:latin typeface="Franklin Gothic Book" panose="020B0503020102020204" pitchFamily="34" charset="0"/>
+              </a:defRPr>
+            </a:lvl9pPr>
+          </a:lstStyle>
+          <a:p>
+            <a:pPr>
+              <a:spcBef>
+                <a:spcPct val="0"/>
+              </a:spcBef>
+              <a:buClrTx/>
+              <a:buSzTx/>
+              <a:buFontTx/>
+              <a:buNone/>
+            </a:pPr>
+            <a:fld id="{1104749B-2959-480C-A0E5-BCC2E9B16A84}" type="slidenum">
+              <a:rPr lang="en-US" sz="1200">
+                <a:solidFill>
+                  <a:srgbClr val="D38E27"/>
+                </a:solidFill>
+                <a:latin typeface="Tahoma" panose="020B0604030504040204" pitchFamily="34" charset="0"/>
+              </a:rPr>
+            </a:fld>
+            <a:endParaRPr lang="en-US" sz="1200">
+              <a:solidFill>
+                <a:srgbClr val="D38E27"/>
+              </a:solidFill>
+              <a:latin typeface="Tahoma" panose="020B0604030504040204" pitchFamily="34" charset="0"/>
+            </a:endParaRPr>
+          </a:p>
+        </p:txBody>
+      </p:sp>
+    </p:spTree>
+  </p:cSld>
+  <p:clrMapOvr>
+    <a:masterClrMapping/>
+  </p:clrMapOvr>
+  <p:timing>
+    <p:tnLst>
+      <p:par>
+        <p:cTn id="1" dur="indefinite" restart="never" nodeType="tmRoot"/>
+      </p:par>
+    </p:tnLst>
+  </p:timing>
+</p:sld>
+</file>
+
+<file path=ppt/slides/slide50.xml><?xml version="1.0" encoding="utf-8"?>
 <p:sld xmlns:a="http://schemas.openxmlformats.org/drawingml/2006/main" xmlns:r="http://schemas.openxmlformats.org/officeDocument/2006/relationships" xmlns:p="http://schemas.openxmlformats.org/presentationml/2006/main">
   <p:cSld>
     <p:spTree>
@@ -17499,6 +17998,7 @@
               <a:rPr lang="en-US" b="1" dirty="0"/>
               <a:t>4  Find the name and address of employees who lives in Houston.</a:t>
             </a:r>
+            <a:endParaRPr lang="en-US" b="1" dirty="0"/>
           </a:p>
           <a:p>
             <a:pPr marL="0" indent="0">
@@ -17524,6 +18024,7 @@
               <a:rPr lang="en-US" dirty="0"/>
               <a:t>, Address from Employee where Address like "%Houston%";</a:t>
             </a:r>
+            <a:endParaRPr lang="en-US" dirty="0"/>
           </a:p>
           <a:p>
             <a:pPr marL="0" indent="0">
@@ -17533,6 +18034,7 @@
               <a:rPr lang="en-US" dirty="0"/>
               <a:t> </a:t>
             </a:r>
+            <a:endParaRPr lang="en-US" dirty="0"/>
           </a:p>
           <a:p>
             <a:pPr marL="0" indent="0">
@@ -17542,6 +18044,7 @@
               <a:rPr lang="en-US" b="1" dirty="0"/>
               <a:t>5  Find the name of all female employees.</a:t>
             </a:r>
+            <a:endParaRPr lang="en-US" b="1" dirty="0"/>
           </a:p>
           <a:p>
             <a:pPr marL="0" indent="0">
@@ -17567,6 +18070,7 @@
               <a:rPr lang="en-US" dirty="0"/>
               <a:t>, Sex from Employee where Sex = 'F';</a:t>
             </a:r>
+            <a:endParaRPr lang="en-US" dirty="0"/>
           </a:p>
           <a:p>
             <a:pPr marL="0" indent="0">
@@ -17576,6 +18080,7 @@
               <a:rPr lang="en-US" dirty="0"/>
               <a:t> </a:t>
             </a:r>
+            <a:endParaRPr lang="en-US" dirty="0"/>
           </a:p>
           <a:p>
             <a:pPr marL="0" indent="0">
@@ -17585,6 +18090,7 @@
               <a:rPr lang="en-US" b="1" dirty="0"/>
               <a:t>6  List Project name(s) located at Salt Lake City</a:t>
             </a:r>
+            <a:endParaRPr lang="en-US" b="1" dirty="0"/>
           </a:p>
           <a:p>
             <a:pPr marL="0" indent="0">
@@ -17618,6 +18124,7 @@
               <a:rPr lang="en-US" dirty="0"/>
               <a:t> = "Salt Lake City";</a:t>
             </a:r>
+            <a:endParaRPr lang="en-US" dirty="0"/>
           </a:p>
           <a:p>
             <a:pPr marL="0" indent="0">
@@ -17628,11 +18135,6 @@
         </p:txBody>
       </p:sp>
     </p:spTree>
-    <p:extLst>
-      <p:ext uri="{BB962C8B-B14F-4D97-AF65-F5344CB8AC3E}">
-        <p14:creationId xmlns:p14="http://schemas.microsoft.com/office/powerpoint/2010/main" val="3724860381"/>
-      </p:ext>
-    </p:extLst>
   </p:cSld>
   <p:clrMapOvr>
     <a:masterClrMapping/>
@@ -17995,456 +18497,7 @@
 </p:sld>
 </file>
 
-<file path=ppt/slides/slide5.xml><?xml version="1.0" encoding="utf-8"?>
-<p:sld xmlns:a="http://schemas.openxmlformats.org/drawingml/2006/main" xmlns:r="http://schemas.openxmlformats.org/officeDocument/2006/relationships" xmlns:p="http://schemas.openxmlformats.org/presentationml/2006/main" showMasterPhAnim="0">
-  <p:cSld>
-    <p:spTree>
-      <p:nvGrpSpPr>
-        <p:cNvPr id="1" name=""/>
-        <p:cNvGrpSpPr/>
-        <p:nvPr/>
-      </p:nvGrpSpPr>
-      <p:grpSpPr>
-        <a:xfrm>
-          <a:off x="0" y="0"/>
-          <a:ext cx="0" cy="0"/>
-          <a:chOff x="0" y="0"/>
-          <a:chExt cx="0" cy="0"/>
-        </a:xfrm>
-      </p:grpSpPr>
-      <p:sp>
-        <p:nvSpPr>
-          <p:cNvPr id="273410" name="Rectangle 2"/>
-          <p:cNvSpPr>
-            <a:spLocks noGrp="1" noChangeArrowheads="1"/>
-          </p:cNvSpPr>
-          <p:nvPr>
-            <p:ph type="title"/>
-          </p:nvPr>
-        </p:nvSpPr>
-        <p:spPr>
-          <a:xfrm>
-            <a:off x="682625" y="398463"/>
-            <a:ext cx="7772400" cy="676275"/>
-          </a:xfrm>
-        </p:spPr>
-        <p:txBody>
-          <a:bodyPr>
-            <a:noAutofit/>
-          </a:bodyPr>
-          <a:lstStyle/>
-          <a:p>
-            <a:pPr eaLnBrk="1" fontAlgn="auto" hangingPunct="1">
-              <a:spcAft>
-                <a:spcPts val="0"/>
-              </a:spcAft>
-              <a:defRPr/>
-            </a:pPr>
-            <a:r>
-              <a:rPr smtClean="0"/>
-              <a:t>SQL Environment</a:t>
-            </a:r>
-          </a:p>
-        </p:txBody>
-      </p:sp>
-      <p:sp>
-        <p:nvSpPr>
-          <p:cNvPr id="23555" name="Rectangle 3"/>
-          <p:cNvSpPr>
-            <a:spLocks noGrp="1" noChangeArrowheads="1"/>
-          </p:cNvSpPr>
-          <p:nvPr>
-            <p:ph idx="1"/>
-          </p:nvPr>
-        </p:nvSpPr>
-        <p:spPr>
-          <a:xfrm>
-            <a:off x="211138" y="1193800"/>
-            <a:ext cx="8610600" cy="4114800"/>
-          </a:xfrm>
-        </p:spPr>
-        <p:txBody>
-          <a:bodyPr>
-            <a:normAutofit fontScale="92500" lnSpcReduction="20000"/>
-          </a:bodyPr>
-          <a:lstStyle/>
-          <a:p>
-            <a:pPr eaLnBrk="1" hangingPunct="1">
-              <a:lnSpc>
-                <a:spcPct val="90000"/>
-              </a:lnSpc>
-            </a:pPr>
-            <a:r>
-              <a:rPr lang="en-US" sz="2800" dirty="0" smtClean="0"/>
-              <a:t>Catalog</a:t>
-            </a:r>
-            <a:r>
-              <a:rPr lang="en-US" sz="2400" dirty="0" smtClean="0"/>
-              <a:t> </a:t>
-            </a:r>
-            <a:endParaRPr lang="en-US" sz="2000" dirty="0" smtClean="0"/>
-          </a:p>
-          <a:p>
-            <a:pPr lvl="1" eaLnBrk="1" hangingPunct="1">
-              <a:lnSpc>
-                <a:spcPct val="90000"/>
-              </a:lnSpc>
-            </a:pPr>
-            <a:r>
-              <a:rPr lang="en-US" sz="2000" dirty="0" smtClean="0"/>
-              <a:t>A set of schemas that constitute the description of a database</a:t>
-            </a:r>
-          </a:p>
-          <a:p>
-            <a:pPr eaLnBrk="1" hangingPunct="1">
-              <a:lnSpc>
-                <a:spcPct val="90000"/>
-              </a:lnSpc>
-            </a:pPr>
-            <a:r>
-              <a:rPr lang="en-US" sz="2800" dirty="0" smtClean="0"/>
-              <a:t>Schema</a:t>
-            </a:r>
-            <a:endParaRPr lang="en-US" sz="2400" dirty="0" smtClean="0"/>
-          </a:p>
-          <a:p>
-            <a:pPr lvl="1" eaLnBrk="1" hangingPunct="1">
-              <a:lnSpc>
-                <a:spcPct val="90000"/>
-              </a:lnSpc>
-            </a:pPr>
-            <a:r>
-              <a:rPr lang="en-US" sz="2000" dirty="0" smtClean="0"/>
-              <a:t>The structure that contains descriptions of objects created by a user (base tables, views, constraints)</a:t>
-            </a:r>
-          </a:p>
-          <a:p>
-            <a:pPr eaLnBrk="1" hangingPunct="1">
-              <a:lnSpc>
-                <a:spcPct val="90000"/>
-              </a:lnSpc>
-            </a:pPr>
-            <a:r>
-              <a:rPr lang="en-US" sz="2800" dirty="0" smtClean="0"/>
-              <a:t>Data Definition Language (DDL)</a:t>
-            </a:r>
-          </a:p>
-          <a:p>
-            <a:pPr lvl="1" eaLnBrk="1" hangingPunct="1">
-              <a:lnSpc>
-                <a:spcPct val="90000"/>
-              </a:lnSpc>
-            </a:pPr>
-            <a:r>
-              <a:rPr lang="en-US" sz="2000" dirty="0" smtClean="0"/>
-              <a:t>Commands that define a database, including creating, altering, and dropping tables and establishing constraints</a:t>
-            </a:r>
-          </a:p>
-          <a:p>
-            <a:pPr eaLnBrk="1" hangingPunct="1">
-              <a:lnSpc>
-                <a:spcPct val="90000"/>
-              </a:lnSpc>
-            </a:pPr>
-            <a:r>
-              <a:rPr lang="en-US" sz="2800" dirty="0" smtClean="0"/>
-              <a:t>Data Manipulation Language (DML)</a:t>
-            </a:r>
-          </a:p>
-          <a:p>
-            <a:pPr lvl="1" eaLnBrk="1" hangingPunct="1">
-              <a:lnSpc>
-                <a:spcPct val="90000"/>
-              </a:lnSpc>
-            </a:pPr>
-            <a:r>
-              <a:rPr lang="en-US" sz="2000" dirty="0" smtClean="0"/>
-              <a:t>Commands that maintain and query a database</a:t>
-            </a:r>
-          </a:p>
-          <a:p>
-            <a:pPr eaLnBrk="1" hangingPunct="1">
-              <a:lnSpc>
-                <a:spcPct val="90000"/>
-              </a:lnSpc>
-            </a:pPr>
-            <a:r>
-              <a:rPr lang="en-US" sz="2800" dirty="0" smtClean="0"/>
-              <a:t>Data Control Language (DCL)</a:t>
-            </a:r>
-          </a:p>
-          <a:p>
-            <a:pPr lvl="1" eaLnBrk="1" hangingPunct="1">
-              <a:lnSpc>
-                <a:spcPct val="90000"/>
-              </a:lnSpc>
-            </a:pPr>
-            <a:r>
-              <a:rPr lang="en-US" sz="2000" dirty="0" smtClean="0"/>
-              <a:t>Commands that control a database, including administering privileges and committing data</a:t>
-            </a:r>
-          </a:p>
-        </p:txBody>
-      </p:sp>
-      <p:sp>
-        <p:nvSpPr>
-          <p:cNvPr id="23556" name="Slide Number Placeholder 3"/>
-          <p:cNvSpPr>
-            <a:spLocks noGrp="1"/>
-          </p:cNvSpPr>
-          <p:nvPr>
-            <p:ph type="sldNum" sz="quarter" idx="12"/>
-          </p:nvPr>
-        </p:nvSpPr>
-        <p:spPr bwMode="auto">
-          <a:noFill/>
-          <a:extLst>
-            <a:ext uri="{909E8E84-426E-40DD-AFC4-6F175D3DCCD1}">
-              <a14:hiddenFill xmlns:a14="http://schemas.microsoft.com/office/drawing/2010/main">
-                <a:solidFill>
-                  <a:srgbClr val="FFFFFF"/>
-                </a:solidFill>
-              </a14:hiddenFill>
-            </a:ext>
-            <a:ext uri="{91240B29-F687-4F45-9708-019B960494DF}">
-              <a14:hiddenLine xmlns:a14="http://schemas.microsoft.com/office/drawing/2010/main" w="9525">
-                <a:solidFill>
-                  <a:srgbClr val="000000"/>
-                </a:solidFill>
-                <a:miter lim="800000"/>
-                <a:headEnd/>
-                <a:tailEnd/>
-              </a14:hiddenLine>
-            </a:ext>
-          </a:extLst>
-        </p:spPr>
-        <p:txBody>
-          <a:bodyPr/>
-          <a:lstStyle>
-            <a:lvl1pPr>
-              <a:spcBef>
-                <a:spcPct val="20000"/>
-              </a:spcBef>
-              <a:buClr>
-                <a:schemeClr val="accent1"/>
-              </a:buClr>
-              <a:buSzPct val="70000"/>
-              <a:buFont typeface="Wingdings 2" panose="05020102010507070707" pitchFamily="18" charset="2"/>
-              <a:buChar char=""/>
-              <a:defRPr sz="3200">
-                <a:solidFill>
-                  <a:schemeClr val="tx2"/>
-                </a:solidFill>
-                <a:latin typeface="Franklin Gothic Book" panose="020B0503020102020204" pitchFamily="34" charset="0"/>
-              </a:defRPr>
-            </a:lvl1pPr>
-            <a:lvl2pPr marL="742950" indent="-285750">
-              <a:spcBef>
-                <a:spcPct val="20000"/>
-              </a:spcBef>
-              <a:buClr>
-                <a:schemeClr val="accent1"/>
-              </a:buClr>
-              <a:buSzPct val="70000"/>
-              <a:buFont typeface="Wingdings 2" panose="05020102010507070707" pitchFamily="18" charset="2"/>
-              <a:buChar char=""/>
-              <a:defRPr sz="2800">
-                <a:solidFill>
-                  <a:schemeClr val="tx2"/>
-                </a:solidFill>
-                <a:latin typeface="Franklin Gothic Book" panose="020B0503020102020204" pitchFamily="34" charset="0"/>
-              </a:defRPr>
-            </a:lvl2pPr>
-            <a:lvl3pPr marL="1143000" indent="-228600">
-              <a:spcBef>
-                <a:spcPct val="20000"/>
-              </a:spcBef>
-              <a:buClr>
-                <a:schemeClr val="accent1"/>
-              </a:buClr>
-              <a:buSzPct val="70000"/>
-              <a:buFont typeface="Wingdings 2" panose="05020102010507070707" pitchFamily="18" charset="2"/>
-              <a:buChar char=""/>
-              <a:defRPr sz="2400">
-                <a:solidFill>
-                  <a:schemeClr val="tx2"/>
-                </a:solidFill>
-                <a:latin typeface="Franklin Gothic Book" panose="020B0503020102020204" pitchFamily="34" charset="0"/>
-              </a:defRPr>
-            </a:lvl3pPr>
-            <a:lvl4pPr marL="1600200" indent="-228600">
-              <a:spcBef>
-                <a:spcPct val="20000"/>
-              </a:spcBef>
-              <a:buClr>
-                <a:schemeClr val="accent1"/>
-              </a:buClr>
-              <a:buSzPct val="70000"/>
-              <a:buFont typeface="Wingdings 2" panose="05020102010507070707" pitchFamily="18" charset="2"/>
-              <a:buChar char=""/>
-              <a:defRPr sz="2000">
-                <a:solidFill>
-                  <a:schemeClr val="tx2"/>
-                </a:solidFill>
-                <a:latin typeface="Franklin Gothic Book" panose="020B0503020102020204" pitchFamily="34" charset="0"/>
-              </a:defRPr>
-            </a:lvl4pPr>
-            <a:lvl5pPr marL="2057400" indent="-228600">
-              <a:spcBef>
-                <a:spcPct val="20000"/>
-              </a:spcBef>
-              <a:buClr>
-                <a:schemeClr val="accent1"/>
-              </a:buClr>
-              <a:buSzPct val="60000"/>
-              <a:buFont typeface="Wingdings 2" panose="05020102010507070707" pitchFamily="18" charset="2"/>
-              <a:buChar char=""/>
-              <a:defRPr>
-                <a:solidFill>
-                  <a:schemeClr val="tx2"/>
-                </a:solidFill>
-                <a:latin typeface="Franklin Gothic Book" panose="020B0503020102020204" pitchFamily="34" charset="0"/>
-              </a:defRPr>
-            </a:lvl5pPr>
-            <a:lvl6pPr marL="2514600" indent="-228600" eaLnBrk="0" fontAlgn="base" hangingPunct="0">
-              <a:spcBef>
-                <a:spcPct val="20000"/>
-              </a:spcBef>
-              <a:spcAft>
-                <a:spcPct val="0"/>
-              </a:spcAft>
-              <a:buClr>
-                <a:schemeClr val="accent1"/>
-              </a:buClr>
-              <a:buSzPct val="60000"/>
-              <a:buFont typeface="Wingdings 2" panose="05020102010507070707" pitchFamily="18" charset="2"/>
-              <a:buChar char=""/>
-              <a:defRPr>
-                <a:solidFill>
-                  <a:schemeClr val="tx2"/>
-                </a:solidFill>
-                <a:latin typeface="Franklin Gothic Book" panose="020B0503020102020204" pitchFamily="34" charset="0"/>
-              </a:defRPr>
-            </a:lvl6pPr>
-            <a:lvl7pPr marL="2971800" indent="-228600" eaLnBrk="0" fontAlgn="base" hangingPunct="0">
-              <a:spcBef>
-                <a:spcPct val="20000"/>
-              </a:spcBef>
-              <a:spcAft>
-                <a:spcPct val="0"/>
-              </a:spcAft>
-              <a:buClr>
-                <a:schemeClr val="accent1"/>
-              </a:buClr>
-              <a:buSzPct val="60000"/>
-              <a:buFont typeface="Wingdings 2" panose="05020102010507070707" pitchFamily="18" charset="2"/>
-              <a:buChar char=""/>
-              <a:defRPr>
-                <a:solidFill>
-                  <a:schemeClr val="tx2"/>
-                </a:solidFill>
-                <a:latin typeface="Franklin Gothic Book" panose="020B0503020102020204" pitchFamily="34" charset="0"/>
-              </a:defRPr>
-            </a:lvl7pPr>
-            <a:lvl8pPr marL="3429000" indent="-228600" eaLnBrk="0" fontAlgn="base" hangingPunct="0">
-              <a:spcBef>
-                <a:spcPct val="20000"/>
-              </a:spcBef>
-              <a:spcAft>
-                <a:spcPct val="0"/>
-              </a:spcAft>
-              <a:buClr>
-                <a:schemeClr val="accent1"/>
-              </a:buClr>
-              <a:buSzPct val="60000"/>
-              <a:buFont typeface="Wingdings 2" panose="05020102010507070707" pitchFamily="18" charset="2"/>
-              <a:buChar char=""/>
-              <a:defRPr>
-                <a:solidFill>
-                  <a:schemeClr val="tx2"/>
-                </a:solidFill>
-                <a:latin typeface="Franklin Gothic Book" panose="020B0503020102020204" pitchFamily="34" charset="0"/>
-              </a:defRPr>
-            </a:lvl8pPr>
-            <a:lvl9pPr marL="3886200" indent="-228600" eaLnBrk="0" fontAlgn="base" hangingPunct="0">
-              <a:spcBef>
-                <a:spcPct val="20000"/>
-              </a:spcBef>
-              <a:spcAft>
-                <a:spcPct val="0"/>
-              </a:spcAft>
-              <a:buClr>
-                <a:schemeClr val="accent1"/>
-              </a:buClr>
-              <a:buSzPct val="60000"/>
-              <a:buFont typeface="Wingdings 2" panose="05020102010507070707" pitchFamily="18" charset="2"/>
-              <a:buChar char=""/>
-              <a:defRPr>
-                <a:solidFill>
-                  <a:schemeClr val="tx2"/>
-                </a:solidFill>
-                <a:latin typeface="Franklin Gothic Book" panose="020B0503020102020204" pitchFamily="34" charset="0"/>
-              </a:defRPr>
-            </a:lvl9pPr>
-          </a:lstStyle>
-          <a:p>
-            <a:pPr>
-              <a:spcBef>
-                <a:spcPct val="0"/>
-              </a:spcBef>
-              <a:buClrTx/>
-              <a:buSzTx/>
-              <a:buFontTx/>
-              <a:buNone/>
-            </a:pPr>
-            <a:fld id="{1104749B-2959-480C-A0E5-BCC2E9B16A84}" type="slidenum">
-              <a:rPr lang="en-US" sz="1200">
-                <a:solidFill>
-                  <a:srgbClr val="D38E27"/>
-                </a:solidFill>
-                <a:latin typeface="Tahoma" panose="020B0604030504040204" pitchFamily="34" charset="0"/>
-              </a:rPr>
-              <a:pPr>
-                <a:spcBef>
-                  <a:spcPct val="0"/>
-                </a:spcBef>
-                <a:buClrTx/>
-                <a:buSzTx/>
-                <a:buFontTx/>
-                <a:buNone/>
-              </a:pPr>
-              <a:t>5</a:t>
-            </a:fld>
-            <a:endParaRPr lang="en-US" sz="1200">
-              <a:solidFill>
-                <a:srgbClr val="D38E27"/>
-              </a:solidFill>
-              <a:latin typeface="Tahoma" panose="020B0604030504040204" pitchFamily="34" charset="0"/>
-            </a:endParaRPr>
-          </a:p>
-        </p:txBody>
-      </p:sp>
-    </p:spTree>
-    <p:extLst>
-      <p:ext uri="{BB962C8B-B14F-4D97-AF65-F5344CB8AC3E}">
-        <p14:creationId xmlns:p14="http://schemas.microsoft.com/office/powerpoint/2010/main" val="2897450639"/>
-      </p:ext>
-    </p:extLst>
-  </p:cSld>
-  <p:clrMapOvr>
-    <a:masterClrMapping/>
-  </p:clrMapOvr>
-  <p:timing>
-    <p:tnLst>
-      <p:par>
-        <p:cTn id="1" dur="indefinite" restart="never" nodeType="tmRoot"/>
-      </p:par>
-    </p:tnLst>
-  </p:timing>
-</p:sld>
-</file>
-
-<file path=ppt/slides/slide50.xml><?xml version="1.0" encoding="utf-8"?>
+<file path=ppt/slides/slide51.xml><?xml version="1.0" encoding="utf-8"?>
 <p:sld xmlns:a="http://schemas.openxmlformats.org/drawingml/2006/main" xmlns:r="http://schemas.openxmlformats.org/officeDocument/2006/relationships" xmlns:p="http://schemas.openxmlformats.org/presentationml/2006/main">
   <p:cSld>
     <p:spTree>
@@ -18509,6 +18562,7 @@
               <a:rPr lang="en-US" b="1" dirty="0"/>
               <a:t>7  Find the name(s) of the dependent with relationship son.</a:t>
             </a:r>
+            <a:endParaRPr lang="en-US" b="1" dirty="0"/>
           </a:p>
           <a:p>
             <a:pPr marL="0" indent="0">
@@ -18526,6 +18580,7 @@
               <a:rPr lang="en-US" dirty="0"/>
               <a:t>, Relationship from Dependent where Relationship = "Son";</a:t>
             </a:r>
+            <a:endParaRPr lang="en-US" dirty="0"/>
           </a:p>
           <a:p>
             <a:pPr marL="0" indent="0">
@@ -18535,6 +18590,7 @@
               <a:rPr lang="en-US" dirty="0"/>
               <a:t> </a:t>
             </a:r>
+            <a:endParaRPr lang="en-US" dirty="0"/>
           </a:p>
           <a:p>
             <a:pPr marL="0" indent="0">
@@ -18558,6 +18614,7 @@
               <a:rPr lang="en-US" b="1" dirty="0"/>
               <a:t>.</a:t>
             </a:r>
+            <a:endParaRPr lang="en-US" b="1" dirty="0"/>
           </a:p>
           <a:p>
             <a:pPr marL="0" indent="0">
@@ -18575,6 +18632,7 @@
               <a:rPr lang="en-US" dirty="0"/>
               <a:t>(salary)  from Employee;</a:t>
             </a:r>
+            <a:endParaRPr lang="en-US" dirty="0"/>
           </a:p>
           <a:p>
             <a:pPr marL="0" indent="0">
@@ -18584,6 +18642,7 @@
               <a:rPr lang="en-US" dirty="0"/>
               <a:t> </a:t>
             </a:r>
+            <a:endParaRPr lang="en-US" dirty="0"/>
           </a:p>
           <a:p>
             <a:pPr marL="0" indent="0">
@@ -18593,6 +18652,7 @@
               <a:rPr lang="en-US" b="1" dirty="0"/>
               <a:t>9  Find the full name of the employee who has maximum salary.</a:t>
             </a:r>
+            <a:endParaRPr lang="en-US" b="1" dirty="0"/>
           </a:p>
           <a:p>
             <a:pPr marL="0" indent="0">
@@ -18618,6 +18678,7 @@
               <a:rPr lang="en-US" dirty="0"/>
               <a:t>,  max(Salary) from Employee;</a:t>
             </a:r>
+            <a:endParaRPr lang="en-US" dirty="0"/>
           </a:p>
           <a:p>
             <a:pPr marL="0" indent="0">
@@ -18628,11 +18689,6 @@
         </p:txBody>
       </p:sp>
     </p:spTree>
-    <p:extLst>
-      <p:ext uri="{BB962C8B-B14F-4D97-AF65-F5344CB8AC3E}">
-        <p14:creationId xmlns:p14="http://schemas.microsoft.com/office/powerpoint/2010/main" val="1717607298"/>
-      </p:ext>
-    </p:extLst>
   </p:cSld>
   <p:clrMapOvr>
     <a:masterClrMapping/>
@@ -19026,7 +19082,7 @@
 </p:sld>
 </file>
 
-<file path=ppt/slides/slide51.xml><?xml version="1.0" encoding="utf-8"?>
+<file path=ppt/slides/slide52.xml><?xml version="1.0" encoding="utf-8"?>
 <p:sld xmlns:a="http://schemas.openxmlformats.org/drawingml/2006/main" xmlns:r="http://schemas.openxmlformats.org/officeDocument/2006/relationships" xmlns:p="http://schemas.openxmlformats.org/presentationml/2006/main">
   <p:cSld>
     <p:spTree>
@@ -19153,6 +19209,7 @@
               <a:rPr lang="en-US" dirty="0"/>
               <a:t> </a:t>
             </a:r>
+            <a:endParaRPr lang="en-US" dirty="0"/>
           </a:p>
           <a:p>
             <a:pPr marL="0" indent="0">
@@ -19226,6 +19283,7 @@
               <a:rPr lang="en-US" b="1" dirty="0" smtClean="0"/>
               <a:t>salary</a:t>
             </a:r>
+            <a:endParaRPr lang="en-US" b="1" dirty="0" smtClean="0"/>
           </a:p>
           <a:p>
             <a:pPr marL="0" indent="0">
@@ -19267,6 +19325,7 @@
               <a:rPr lang="en-US" dirty="0"/>
               <a:t>(Salary) from Employee);</a:t>
             </a:r>
+            <a:endParaRPr lang="en-US" dirty="0"/>
           </a:p>
           <a:p>
             <a:pPr marL="0" indent="0">
@@ -19295,11 +19354,6 @@
         </p:txBody>
       </p:sp>
     </p:spTree>
-    <p:extLst>
-      <p:ext uri="{BB962C8B-B14F-4D97-AF65-F5344CB8AC3E}">
-        <p14:creationId xmlns:p14="http://schemas.microsoft.com/office/powerpoint/2010/main" val="3923280483"/>
-      </p:ext>
-    </p:extLst>
   </p:cSld>
   <p:clrMapOvr>
     <a:masterClrMapping/>
@@ -19626,7 +19680,7 @@
 </p:sld>
 </file>
 
-<file path=ppt/slides/slide52.xml><?xml version="1.0" encoding="utf-8"?>
+<file path=ppt/slides/slide53.xml><?xml version="1.0" encoding="utf-8"?>
 <p:sld xmlns:a="http://schemas.openxmlformats.org/drawingml/2006/main" xmlns:r="http://schemas.openxmlformats.org/officeDocument/2006/relationships" xmlns:p="http://schemas.openxmlformats.org/presentationml/2006/main">
   <p:cSld>
     <p:spTree>
@@ -19686,6 +19740,7 @@
               <a:rPr lang="en-US" sz="3300" b="1" dirty="0"/>
               <a:t>12 Count the number employee who have salary greater than 30000.</a:t>
             </a:r>
+            <a:endParaRPr lang="en-US" sz="3300" b="1" dirty="0"/>
           </a:p>
           <a:p>
             <a:pPr marL="0" indent="0">
@@ -19695,6 +19750,7 @@
               <a:rPr lang="en-US" dirty="0"/>
               <a:t>select count(Salary) from Employee where Salary&gt;30000;</a:t>
             </a:r>
+            <a:endParaRPr lang="en-US" dirty="0"/>
           </a:p>
           <a:p>
             <a:pPr marL="0" indent="0">
@@ -19704,6 +19760,7 @@
               <a:rPr lang="en-US" dirty="0"/>
               <a:t> </a:t>
             </a:r>
+            <a:endParaRPr lang="en-US" dirty="0"/>
           </a:p>
           <a:p>
             <a:pPr marL="0" indent="0">
@@ -19731,6 +19788,7 @@
               <a:rPr lang="en-US" sz="3300" b="1" dirty="0"/>
               <a:t>Smith'.</a:t>
             </a:r>
+            <a:endParaRPr lang="en-US" sz="3300" b="1" dirty="0"/>
           </a:p>
           <a:p>
             <a:pPr marL="0" indent="0">
@@ -19790,6 +19848,7 @@
               <a:rPr lang="en-US" dirty="0"/>
               <a:t> </a:t>
             </a:r>
+            <a:endParaRPr lang="en-US" dirty="0"/>
           </a:p>
           <a:p>
             <a:pPr marL="0" indent="0">
@@ -19800,11 +19859,6 @@
         </p:txBody>
       </p:sp>
     </p:spTree>
-    <p:extLst>
-      <p:ext uri="{BB962C8B-B14F-4D97-AF65-F5344CB8AC3E}">
-        <p14:creationId xmlns:p14="http://schemas.microsoft.com/office/powerpoint/2010/main" val="3890599334"/>
-      </p:ext>
-    </p:extLst>
   </p:cSld>
   <p:clrMapOvr>
     <a:masterClrMapping/>
@@ -20069,7 +20123,7 @@
 </p:sld>
 </file>
 
-<file path=ppt/slides/slide53.xml><?xml version="1.0" encoding="utf-8"?>
+<file path=ppt/slides/slide54.xml><?xml version="1.0" encoding="utf-8"?>
 <p:sld xmlns:a="http://schemas.openxmlformats.org/drawingml/2006/main" xmlns:r="http://schemas.openxmlformats.org/officeDocument/2006/relationships" xmlns:p="http://schemas.openxmlformats.org/presentationml/2006/main">
   <p:cSld>
     <p:spTree>
@@ -20129,6 +20183,7 @@
               <a:rPr lang="en-US" dirty="0"/>
               <a:t> </a:t>
             </a:r>
+            <a:endParaRPr lang="en-US" dirty="0"/>
           </a:p>
           <a:p>
             <a:pPr marL="0" indent="0">
@@ -20146,6 +20201,7 @@
               <a:rPr lang="en-US" b="1" dirty="0"/>
               <a:t>.</a:t>
             </a:r>
+            <a:endParaRPr lang="en-US" b="1" dirty="0"/>
           </a:p>
           <a:p>
             <a:pPr marL="0" indent="0">
@@ -20187,6 +20243,7 @@
               <a:rPr lang="en-US" dirty="0"/>
               <a:t> = 'Research'; </a:t>
             </a:r>
+            <a:endParaRPr lang="en-US" dirty="0"/>
           </a:p>
           <a:p>
             <a:pPr marL="0" indent="0">
@@ -20196,6 +20253,7 @@
               <a:rPr lang="en-US" dirty="0"/>
               <a:t> </a:t>
             </a:r>
+            <a:endParaRPr lang="en-US" dirty="0"/>
           </a:p>
           <a:p>
             <a:pPr marL="0" indent="0">
@@ -20217,6 +20275,7 @@
               <a:rPr lang="en-US" b="1" dirty="0"/>
               <a:t> 1, 2, or 3.(Use IN connective)</a:t>
             </a:r>
+            <a:endParaRPr lang="en-US" b="1" dirty="0"/>
           </a:p>
           <a:p>
             <a:pPr marL="0" indent="0">
@@ -20262,6 +20321,7 @@
               <a:rPr lang="en-US" dirty="0"/>
               <a:t> IN (1,2,3);</a:t>
             </a:r>
+            <a:endParaRPr lang="en-US" dirty="0"/>
           </a:p>
           <a:p>
             <a:pPr marL="0" indent="0">
@@ -20272,11 +20332,6 @@
         </p:txBody>
       </p:sp>
     </p:spTree>
-    <p:extLst>
-      <p:ext uri="{BB962C8B-B14F-4D97-AF65-F5344CB8AC3E}">
-        <p14:creationId xmlns:p14="http://schemas.microsoft.com/office/powerpoint/2010/main" val="1608783670"/>
-      </p:ext>
-    </p:extLst>
   </p:cSld>
   <p:clrMapOvr>
     <a:masterClrMapping/>
@@ -20745,16 +20800,6 @@
                 </a:solidFill>
                 <a:latin typeface="Tahoma" panose="020B0604030504040204" pitchFamily="34" charset="0"/>
               </a:rPr>
-              <a:pPr>
-                <a:spcBef>
-                  <a:spcPct val="0"/>
-                </a:spcBef>
-                <a:buClrTx/>
-                <a:buSzTx/>
-                <a:buFontTx/>
-                <a:buNone/>
-              </a:pPr>
-              <a:t>6</a:t>
             </a:fld>
             <a:endParaRPr lang="en-US" sz="1200">
               <a:solidFill>
@@ -20995,6 +21040,12 @@
               </a:rPr>
               <a:t>Figure 6-1</a:t>
             </a:r>
+            <a:endParaRPr lang="en-US" sz="2400">
+              <a:solidFill>
+                <a:srgbClr val="000000"/>
+              </a:solidFill>
+              <a:latin typeface="Arial" panose="020B0604020202020204" pitchFamily="34" charset="0"/>
+            </a:endParaRPr>
           </a:p>
           <a:p>
             <a:pPr>
@@ -21015,15 +21066,19 @@
               </a:rPr>
               <a:t>A simplified schematic of a typical SQL environment, as described by the SQL: 2008 standard</a:t>
             </a:r>
+            <a:endParaRPr lang="en-US" sz="2400">
+              <a:solidFill>
+                <a:srgbClr val="000000"/>
+              </a:solidFill>
+              <a:latin typeface="Arial" panose="020B0604020202020204" pitchFamily="34" charset="0"/>
+            </a:endParaRPr>
           </a:p>
         </p:txBody>
       </p:sp>
       <p:sp>
         <p:nvSpPr>
           <p:cNvPr id="25604" name="Slide Number Placeholder 4"/>
-          <p:cNvSpPr txBox="1">
-            <a:spLocks/>
-          </p:cNvSpPr>
+          <p:cNvSpPr txBox="1"/>
           <p:nvPr/>
         </p:nvSpPr>
         <p:spPr bwMode="auto">
@@ -21244,16 +21299,6 @@
                 </a:solidFill>
                 <a:latin typeface="Tahoma" panose="020B0604030504040204" pitchFamily="34" charset="0"/>
               </a:rPr>
-              <a:pPr algn="r" eaLnBrk="1" hangingPunct="1">
-                <a:spcBef>
-                  <a:spcPct val="0"/>
-                </a:spcBef>
-                <a:buClrTx/>
-                <a:buSzTx/>
-                <a:buFontTx/>
-                <a:buNone/>
-              </a:pPr>
-              <a:t>6</a:t>
             </a:fld>
             <a:endParaRPr lang="en-US" sz="1200">
               <a:solidFill>
@@ -21494,6 +21539,12 @@
               </a:rPr>
               <a:t>Chapter 6</a:t>
             </a:r>
+            <a:endParaRPr lang="en-US" sz="2000">
+              <a:solidFill>
+                <a:srgbClr val="000000"/>
+              </a:solidFill>
+              <a:latin typeface="Times New Roman" panose="02020603050405020304" pitchFamily="18" charset="0"/>
+            </a:endParaRPr>
           </a:p>
         </p:txBody>
       </p:sp>
@@ -21516,8 +21567,6 @@
           <a:noFill/>
           <a:ln>
             <a:miter lim="800000"/>
-            <a:headEnd/>
-            <a:tailEnd/>
           </a:ln>
         </p:spPr>
         <p:txBody>
@@ -21537,13 +21586,13 @@
                     <a:srgbClr val="FFFFFF"/>
                   </a:outerShdw>
                 </a:effectLst>
-                <a:latin typeface="Times New Roman" pitchFamily="18" charset="0"/>
-                <a:cs typeface="Arial" charset="0"/>
+                <a:latin typeface="Times New Roman" panose="02020603050405020304" pitchFamily="18" charset="0"/>
+                <a:cs typeface="Arial" panose="020B0604020202020204" pitchFamily="34" charset="0"/>
               </a:rPr>
               <a:t>Copyright © 2014 Pearson Education, Inc.</a:t>
             </a:r>
             <a:endParaRPr lang="en-US" dirty="0">
-              <a:cs typeface="Arial" charset="0"/>
+              <a:cs typeface="Arial" panose="020B0604020202020204" pitchFamily="34" charset="0"/>
             </a:endParaRPr>
           </a:p>
         </p:txBody>
@@ -21557,7 +21606,7 @@
           <p:nvPr/>
         </p:nvPicPr>
         <p:blipFill>
-          <a:blip r:embed="rId3">
+          <a:blip r:embed="rId1">
             <a:extLst>
               <a:ext uri="{28A0092B-C50C-407E-A947-70E740481C1C}">
                 <a14:useLocalDpi xmlns:a14="http://schemas.microsoft.com/office/drawing/2010/main" val="0"/>
@@ -21603,11 +21652,6 @@
         </p:spPr>
       </p:pic>
     </p:spTree>
-    <p:extLst>
-      <p:ext uri="{BB962C8B-B14F-4D97-AF65-F5344CB8AC3E}">
-        <p14:creationId xmlns:p14="http://schemas.microsoft.com/office/powerpoint/2010/main" val="3366992970"/>
-      </p:ext>
-    </p:extLst>
   </p:cSld>
   <p:clrMapOvr>
     <a:masterClrMapping/>
@@ -21669,6 +21713,7 @@
               <a:rPr smtClean="0"/>
               <a:t>SQL Data Types</a:t>
             </a:r>
+            <a:endParaRPr smtClean="0"/>
           </a:p>
         </p:txBody>
       </p:sp>
@@ -21890,16 +21935,6 @@
                 </a:solidFill>
                 <a:latin typeface="Tahoma" panose="020B0604030504040204" pitchFamily="34" charset="0"/>
               </a:rPr>
-              <a:pPr>
-                <a:spcBef>
-                  <a:spcPct val="0"/>
-                </a:spcBef>
-                <a:buClrTx/>
-                <a:buSzTx/>
-                <a:buFontTx/>
-                <a:buNone/>
-              </a:pPr>
-              <a:t>7</a:t>
             </a:fld>
             <a:endParaRPr lang="en-US" sz="1200">
               <a:solidFill>
@@ -21919,7 +21954,7 @@
           <p:nvPr/>
         </p:nvPicPr>
         <p:blipFill>
-          <a:blip r:embed="rId3">
+          <a:blip r:embed="rId1">
             <a:extLst>
               <a:ext uri="{28A0092B-C50C-407E-A947-70E740481C1C}">
                 <a14:useLocalDpi xmlns:a14="http://schemas.microsoft.com/office/drawing/2010/main" val="0"/>
@@ -21965,11 +22000,6 @@
         </p:spPr>
       </p:pic>
     </p:spTree>
-    <p:extLst>
-      <p:ext uri="{BB962C8B-B14F-4D97-AF65-F5344CB8AC3E}">
-        <p14:creationId xmlns:p14="http://schemas.microsoft.com/office/powerpoint/2010/main" val="2060033757"/>
-      </p:ext>
-    </p:extLst>
   </p:cSld>
   <p:clrMapOvr>
     <a:masterClrMapping/>
@@ -22219,16 +22249,6 @@
                 </a:solidFill>
                 <a:latin typeface="Tahoma" panose="020B0604030504040204" pitchFamily="34" charset="0"/>
               </a:rPr>
-              <a:pPr>
-                <a:spcBef>
-                  <a:spcPct val="0"/>
-                </a:spcBef>
-                <a:buClrTx/>
-                <a:buSzTx/>
-                <a:buFontTx/>
-                <a:buNone/>
-              </a:pPr>
-              <a:t>8</a:t>
             </a:fld>
             <a:endParaRPr lang="en-US" sz="1200">
               <a:solidFill>
@@ -22469,6 +22489,12 @@
               </a:rPr>
               <a:t>Figure 6-4 </a:t>
             </a:r>
+            <a:endParaRPr lang="en-US" sz="2400">
+              <a:solidFill>
+                <a:srgbClr val="000000"/>
+              </a:solidFill>
+              <a:latin typeface="Arial" panose="020B0604020202020204" pitchFamily="34" charset="0"/>
+            </a:endParaRPr>
           </a:p>
           <a:p>
             <a:pPr>
@@ -22489,6 +22515,12 @@
               </a:rPr>
               <a:t>DDL, DML, DCL, and the database development process</a:t>
             </a:r>
+            <a:endParaRPr lang="en-US" sz="2400">
+              <a:solidFill>
+                <a:srgbClr val="000000"/>
+              </a:solidFill>
+              <a:latin typeface="Arial" panose="020B0604020202020204" pitchFamily="34" charset="0"/>
+            </a:endParaRPr>
           </a:p>
         </p:txBody>
       </p:sp>
@@ -22501,7 +22533,7 @@
           <p:nvPr/>
         </p:nvPicPr>
         <p:blipFill>
-          <a:blip r:embed="rId3">
+          <a:blip r:embed="rId1">
             <a:extLst>
               <a:ext uri="{28A0092B-C50C-407E-A947-70E740481C1C}">
                 <a14:useLocalDpi xmlns:a14="http://schemas.microsoft.com/office/drawing/2010/main" val="0"/>
@@ -22549,9 +22581,7 @@
       <p:sp>
         <p:nvSpPr>
           <p:cNvPr id="29701" name="Slide Number Placeholder 4"/>
-          <p:cNvSpPr txBox="1">
-            <a:spLocks/>
-          </p:cNvSpPr>
+          <p:cNvSpPr txBox="1"/>
           <p:nvPr/>
         </p:nvSpPr>
         <p:spPr bwMode="auto">
@@ -22772,16 +22802,6 @@
                 </a:solidFill>
                 <a:latin typeface="Tahoma" panose="020B0604030504040204" pitchFamily="34" charset="0"/>
               </a:rPr>
-              <a:pPr algn="r" eaLnBrk="1" hangingPunct="1">
-                <a:spcBef>
-                  <a:spcPct val="0"/>
-                </a:spcBef>
-                <a:buClrTx/>
-                <a:buSzTx/>
-                <a:buFontTx/>
-                <a:buNone/>
-              </a:pPr>
-              <a:t>8</a:t>
             </a:fld>
             <a:endParaRPr lang="en-US" sz="1200">
               <a:solidFill>
@@ -23022,6 +23042,12 @@
               </a:rPr>
               <a:t>Chapter 6</a:t>
             </a:r>
+            <a:endParaRPr lang="en-US" sz="2000">
+              <a:solidFill>
+                <a:srgbClr val="000000"/>
+              </a:solidFill>
+              <a:latin typeface="Times New Roman" panose="02020603050405020304" pitchFamily="18" charset="0"/>
+            </a:endParaRPr>
           </a:p>
         </p:txBody>
       </p:sp>
@@ -23044,8 +23070,6 @@
           <a:noFill/>
           <a:ln>
             <a:miter lim="800000"/>
-            <a:headEnd/>
-            <a:tailEnd/>
           </a:ln>
         </p:spPr>
         <p:txBody>
@@ -23065,23 +23089,18 @@
                     <a:srgbClr val="FFFFFF"/>
                   </a:outerShdw>
                 </a:effectLst>
-                <a:latin typeface="Times New Roman" pitchFamily="18" charset="0"/>
-                <a:cs typeface="Arial" charset="0"/>
+                <a:latin typeface="Times New Roman" panose="02020603050405020304" pitchFamily="18" charset="0"/>
+                <a:cs typeface="Arial" panose="020B0604020202020204" pitchFamily="34" charset="0"/>
               </a:rPr>
               <a:t>Copyright © 2014 Pearson Education, Inc.</a:t>
             </a:r>
             <a:endParaRPr lang="en-US" dirty="0">
-              <a:cs typeface="Arial" charset="0"/>
+              <a:cs typeface="Arial" panose="020B0604020202020204" pitchFamily="34" charset="0"/>
             </a:endParaRPr>
           </a:p>
         </p:txBody>
       </p:sp>
     </p:spTree>
-    <p:extLst>
-      <p:ext uri="{BB962C8B-B14F-4D97-AF65-F5344CB8AC3E}">
-        <p14:creationId xmlns:p14="http://schemas.microsoft.com/office/powerpoint/2010/main" val="3764404739"/>
-      </p:ext>
-    </p:extLst>
   </p:cSld>
   <p:clrMapOvr>
     <a:masterClrMapping/>
@@ -23162,6 +23181,7 @@
               <a:rPr lang="en-US" dirty="0" smtClean="0"/>
               <a:t>On the course server enter the command</a:t>
             </a:r>
+            <a:endParaRPr lang="en-US" dirty="0" smtClean="0"/>
           </a:p>
           <a:p>
             <a:pPr>
@@ -23193,6 +23213,7 @@
               <a:rPr lang="en-US" dirty="0" smtClean="0"/>
               <a:t> prompt</a:t>
             </a:r>
+            <a:endParaRPr lang="en-US" dirty="0" smtClean="0"/>
           </a:p>
           <a:p>
             <a:pPr>
@@ -23210,6 +23231,7 @@
               <a:rPr lang="en-US" dirty="0" smtClean="0"/>
               <a:t>&gt;</a:t>
             </a:r>
+            <a:endParaRPr lang="en-US" dirty="0" smtClean="0"/>
           </a:p>
           <a:p>
             <a:pPr>
@@ -23233,6 +23255,7 @@
               <a:rPr lang="en-US" sz="2800" dirty="0" smtClean="0"/>
               <a:t> session use the quit command</a:t>
             </a:r>
+            <a:endParaRPr lang="en-US" sz="2800" dirty="0" smtClean="0"/>
           </a:p>
           <a:p>
             <a:pPr>
@@ -23543,8 +23566,11 @@
       </a:bgFillStyleLst>
     </a:fmtScheme>
   </a:themeElements>
-  <a:objectDefaults/>
-  <a:extraClrSchemeLst/>
+  <a:extLst>
+    <a:ext uri="{05A4C25C-085E-4340-85A3-A5531E510DB2}">
+      <thm15:themeFamily xmlns:thm15="http://schemas.microsoft.com/office/thememl/2012/main" name="Office Theme" id="{62F939B6-93AF-4DB8-9C6B-D6C7DFDC589F}" vid="{4A3C46E8-61CC-4603-A589-7422A47A8E4A}"/>
+    </a:ext>
+  </a:extLst>
 </a:theme>
 </file>
 
@@ -23591,7 +23617,7 @@
     </a:clrScheme>
     <a:fontScheme name="Office">
       <a:majorFont>
-        <a:latin typeface="Calibri Light" panose="020F0302020204030204"/>
+        <a:latin typeface="Calibri Light"/>
         <a:ea typeface=""/>
         <a:cs typeface=""/>
         <a:font script="Jpan" typeface="ＭＳ Ｐゴシック"/>
@@ -23626,7 +23652,7 @@
         <a:font script="Geor" typeface="Sylfaen"/>
       </a:majorFont>
       <a:minorFont>
-        <a:latin typeface="Calibri" panose="020F0502020204030204"/>
+        <a:latin typeface="Calibri"/>
         <a:ea typeface=""/>
         <a:cs typeface=""/>
         <a:font script="Jpan" typeface="ＭＳ Ｐゴシック"/>
@@ -23799,8 +23825,6 @@
       </a:bgFillStyleLst>
     </a:fmtScheme>
   </a:themeElements>
-  <a:objectDefaults/>
-  <a:extraClrSchemeLst/>
   <a:extLst>
     <a:ext uri="{05A4C25C-085E-4340-85A3-A5531E510DB2}">
       <thm15:themeFamily xmlns:thm15="http://schemas.microsoft.com/office/thememl/2012/main" name="Office Theme" id="{62F939B6-93AF-4DB8-9C6B-D6C7DFDC589F}" vid="{4A3C46E8-61CC-4603-A589-7422A47A8E4A}"/>
